--- a/Outline.pptx
+++ b/Outline.pptx
@@ -121,6 +121,11 @@
       </a:defRPr>
     </a:lvl9pPr>
   </p:defaultTextStyle>
+  <p:extLst>
+    <p:ext uri="{EFAFB233-063F-42B5-8137-9DF3F51BA10A}">
+      <p15:sldGuideLst xmlns:p15="http://schemas.microsoft.com/office/powerpoint/2012/main"/>
+    </p:ext>
+  </p:extLst>
 </p:presentation>
 </file>
 
@@ -4296,7 +4301,7 @@
           <a:p>
             <a:r>
               <a:rPr lang="en-US" dirty="0"/>
-              <a:t>Past Month Use, Past Year Use, </a:t>
+              <a:t>Past Month Use, First Time Use, </a:t>
             </a:r>
           </a:p>
         </p:txBody>

--- a/Outline.pptx
+++ b/Outline.pptx
@@ -276,7 +276,7 @@
           <a:p>
             <a:fld id="{7B0EAE80-6D99-41EF-BFA3-84B486674D07}" type="datetimeFigureOut">
               <a:rPr lang="en-US" smtClean="0"/>
-              <a:t>9/3/2019</a:t>
+              <a:t>9/5/2019</a:t>
             </a:fld>
             <a:endParaRPr lang="en-US"/>
           </a:p>
@@ -474,7 +474,7 @@
           <a:p>
             <a:fld id="{7B0EAE80-6D99-41EF-BFA3-84B486674D07}" type="datetimeFigureOut">
               <a:rPr lang="en-US" smtClean="0"/>
-              <a:t>9/3/2019</a:t>
+              <a:t>9/5/2019</a:t>
             </a:fld>
             <a:endParaRPr lang="en-US"/>
           </a:p>
@@ -682,7 +682,7 @@
           <a:p>
             <a:fld id="{7B0EAE80-6D99-41EF-BFA3-84B486674D07}" type="datetimeFigureOut">
               <a:rPr lang="en-US" smtClean="0"/>
-              <a:t>9/3/2019</a:t>
+              <a:t>9/5/2019</a:t>
             </a:fld>
             <a:endParaRPr lang="en-US"/>
           </a:p>
@@ -880,7 +880,7 @@
           <a:p>
             <a:fld id="{7B0EAE80-6D99-41EF-BFA3-84B486674D07}" type="datetimeFigureOut">
               <a:rPr lang="en-US" smtClean="0"/>
-              <a:t>9/3/2019</a:t>
+              <a:t>9/5/2019</a:t>
             </a:fld>
             <a:endParaRPr lang="en-US"/>
           </a:p>
@@ -1155,7 +1155,7 @@
           <a:p>
             <a:fld id="{7B0EAE80-6D99-41EF-BFA3-84B486674D07}" type="datetimeFigureOut">
               <a:rPr lang="en-US" smtClean="0"/>
-              <a:t>9/3/2019</a:t>
+              <a:t>9/5/2019</a:t>
             </a:fld>
             <a:endParaRPr lang="en-US"/>
           </a:p>
@@ -1420,7 +1420,7 @@
           <a:p>
             <a:fld id="{7B0EAE80-6D99-41EF-BFA3-84B486674D07}" type="datetimeFigureOut">
               <a:rPr lang="en-US" smtClean="0"/>
-              <a:t>9/3/2019</a:t>
+              <a:t>9/5/2019</a:t>
             </a:fld>
             <a:endParaRPr lang="en-US"/>
           </a:p>
@@ -1832,7 +1832,7 @@
           <a:p>
             <a:fld id="{7B0EAE80-6D99-41EF-BFA3-84B486674D07}" type="datetimeFigureOut">
               <a:rPr lang="en-US" smtClean="0"/>
-              <a:t>9/3/2019</a:t>
+              <a:t>9/5/2019</a:t>
             </a:fld>
             <a:endParaRPr lang="en-US"/>
           </a:p>
@@ -1973,7 +1973,7 @@
           <a:p>
             <a:fld id="{7B0EAE80-6D99-41EF-BFA3-84B486674D07}" type="datetimeFigureOut">
               <a:rPr lang="en-US" smtClean="0"/>
-              <a:t>9/3/2019</a:t>
+              <a:t>9/5/2019</a:t>
             </a:fld>
             <a:endParaRPr lang="en-US"/>
           </a:p>
@@ -2086,7 +2086,7 @@
           <a:p>
             <a:fld id="{7B0EAE80-6D99-41EF-BFA3-84B486674D07}" type="datetimeFigureOut">
               <a:rPr lang="en-US" smtClean="0"/>
-              <a:t>9/3/2019</a:t>
+              <a:t>9/5/2019</a:t>
             </a:fld>
             <a:endParaRPr lang="en-US"/>
           </a:p>
@@ -2397,7 +2397,7 @@
           <a:p>
             <a:fld id="{7B0EAE80-6D99-41EF-BFA3-84B486674D07}" type="datetimeFigureOut">
               <a:rPr lang="en-US" smtClean="0"/>
-              <a:t>9/3/2019</a:t>
+              <a:t>9/5/2019</a:t>
             </a:fld>
             <a:endParaRPr lang="en-US"/>
           </a:p>
@@ -2685,7 +2685,7 @@
           <a:p>
             <a:fld id="{7B0EAE80-6D99-41EF-BFA3-84B486674D07}" type="datetimeFigureOut">
               <a:rPr lang="en-US" smtClean="0"/>
-              <a:t>9/3/2019</a:t>
+              <a:t>9/5/2019</a:t>
             </a:fld>
             <a:endParaRPr lang="en-US"/>
           </a:p>
@@ -2926,7 +2926,7 @@
           <a:p>
             <a:fld id="{7B0EAE80-6D99-41EF-BFA3-84B486674D07}" type="datetimeFigureOut">
               <a:rPr lang="en-US" smtClean="0"/>
-              <a:t>9/3/2019</a:t>
+              <a:t>9/5/2019</a:t>
             </a:fld>
             <a:endParaRPr lang="en-US"/>
           </a:p>
@@ -4301,7 +4301,16 @@
           <a:p>
             <a:r>
               <a:rPr lang="en-US" dirty="0"/>
-              <a:t>Past Month Use, First Time Use, </a:t>
+              <a:t>Past Month Use, First Time Use,</a:t>
+            </a:r>
+          </a:p>
+          <a:p>
+            <a:endParaRPr lang="en-US" dirty="0"/>
+          </a:p>
+          <a:p>
+            <a:r>
+              <a:rPr lang="en-US" dirty="0"/>
+              <a:t>Looks like there might be an effect for ages 18-25 when it comes to first time annual use of Marijuana.  </a:t>
             </a:r>
           </a:p>
         </p:txBody>
@@ -4396,6 +4405,20 @@
             <a:r>
               <a:rPr lang="en-US" dirty="0"/>
               <a:t>Ages &gt;12 </a:t>
+            </a:r>
+          </a:p>
+          <a:p>
+            <a:r>
+              <a:rPr lang="en-US" dirty="0"/>
+              <a:t>Lets Look at the Age group for 18-25 year </a:t>
+            </a:r>
+            <a:r>
+              <a:rPr lang="en-US" dirty="0" err="1"/>
+              <a:t>olds</a:t>
+            </a:r>
+            <a:r>
+              <a:rPr lang="en-US" dirty="0"/>
+              <a:t> (These seemed to have the most effect for first time usage in Colorado after Legalization) </a:t>
             </a:r>
           </a:p>
         </p:txBody>

--- a/Outline.pptx
+++ b/Outline.pptx
@@ -7,22 +7,15 @@
   <p:sldIdLst>
     <p:sldId id="256" r:id="rId2"/>
     <p:sldId id="257" r:id="rId3"/>
-    <p:sldId id="258" r:id="rId4"/>
-    <p:sldId id="259" r:id="rId5"/>
-    <p:sldId id="260" r:id="rId6"/>
-    <p:sldId id="261" r:id="rId7"/>
-    <p:sldId id="262" r:id="rId8"/>
-    <p:sldId id="263" r:id="rId9"/>
-    <p:sldId id="264" r:id="rId10"/>
-    <p:sldId id="265" r:id="rId11"/>
-    <p:sldId id="266" r:id="rId12"/>
-    <p:sldId id="267" r:id="rId13"/>
-    <p:sldId id="268" r:id="rId14"/>
-    <p:sldId id="269" r:id="rId15"/>
-    <p:sldId id="270" r:id="rId16"/>
-    <p:sldId id="271" r:id="rId17"/>
-    <p:sldId id="272" r:id="rId18"/>
-    <p:sldId id="273" r:id="rId19"/>
+    <p:sldId id="274" r:id="rId4"/>
+    <p:sldId id="275" r:id="rId5"/>
+    <p:sldId id="276" r:id="rId6"/>
+    <p:sldId id="277" r:id="rId7"/>
+    <p:sldId id="278" r:id="rId8"/>
+    <p:sldId id="279" r:id="rId9"/>
+    <p:sldId id="280" r:id="rId10"/>
+    <p:sldId id="281" r:id="rId11"/>
+    <p:sldId id="282" r:id="rId12"/>
   </p:sldIdLst>
   <p:sldSz cx="12192000" cy="6858000"/>
   <p:notesSz cx="6858000" cy="9144000"/>
@@ -276,7 +269,7 @@
           <a:p>
             <a:fld id="{7B0EAE80-6D99-41EF-BFA3-84B486674D07}" type="datetimeFigureOut">
               <a:rPr lang="en-US" smtClean="0"/>
-              <a:t>9/5/2019</a:t>
+              <a:t>9/7/2019</a:t>
             </a:fld>
             <a:endParaRPr lang="en-US"/>
           </a:p>
@@ -474,7 +467,7 @@
           <a:p>
             <a:fld id="{7B0EAE80-6D99-41EF-BFA3-84B486674D07}" type="datetimeFigureOut">
               <a:rPr lang="en-US" smtClean="0"/>
-              <a:t>9/5/2019</a:t>
+              <a:t>9/7/2019</a:t>
             </a:fld>
             <a:endParaRPr lang="en-US"/>
           </a:p>
@@ -682,7 +675,7 @@
           <a:p>
             <a:fld id="{7B0EAE80-6D99-41EF-BFA3-84B486674D07}" type="datetimeFigureOut">
               <a:rPr lang="en-US" smtClean="0"/>
-              <a:t>9/5/2019</a:t>
+              <a:t>9/7/2019</a:t>
             </a:fld>
             <a:endParaRPr lang="en-US"/>
           </a:p>
@@ -880,7 +873,7 @@
           <a:p>
             <a:fld id="{7B0EAE80-6D99-41EF-BFA3-84B486674D07}" type="datetimeFigureOut">
               <a:rPr lang="en-US" smtClean="0"/>
-              <a:t>9/5/2019</a:t>
+              <a:t>9/7/2019</a:t>
             </a:fld>
             <a:endParaRPr lang="en-US"/>
           </a:p>
@@ -1155,7 +1148,7 @@
           <a:p>
             <a:fld id="{7B0EAE80-6D99-41EF-BFA3-84B486674D07}" type="datetimeFigureOut">
               <a:rPr lang="en-US" smtClean="0"/>
-              <a:t>9/5/2019</a:t>
+              <a:t>9/7/2019</a:t>
             </a:fld>
             <a:endParaRPr lang="en-US"/>
           </a:p>
@@ -1420,7 +1413,7 @@
           <a:p>
             <a:fld id="{7B0EAE80-6D99-41EF-BFA3-84B486674D07}" type="datetimeFigureOut">
               <a:rPr lang="en-US" smtClean="0"/>
-              <a:t>9/5/2019</a:t>
+              <a:t>9/7/2019</a:t>
             </a:fld>
             <a:endParaRPr lang="en-US"/>
           </a:p>
@@ -1832,7 +1825,7 @@
           <a:p>
             <a:fld id="{7B0EAE80-6D99-41EF-BFA3-84B486674D07}" type="datetimeFigureOut">
               <a:rPr lang="en-US" smtClean="0"/>
-              <a:t>9/5/2019</a:t>
+              <a:t>9/7/2019</a:t>
             </a:fld>
             <a:endParaRPr lang="en-US"/>
           </a:p>
@@ -1973,7 +1966,7 @@
           <a:p>
             <a:fld id="{7B0EAE80-6D99-41EF-BFA3-84B486674D07}" type="datetimeFigureOut">
               <a:rPr lang="en-US" smtClean="0"/>
-              <a:t>9/5/2019</a:t>
+              <a:t>9/7/2019</a:t>
             </a:fld>
             <a:endParaRPr lang="en-US"/>
           </a:p>
@@ -2086,7 +2079,7 @@
           <a:p>
             <a:fld id="{7B0EAE80-6D99-41EF-BFA3-84B486674D07}" type="datetimeFigureOut">
               <a:rPr lang="en-US" smtClean="0"/>
-              <a:t>9/5/2019</a:t>
+              <a:t>9/7/2019</a:t>
             </a:fld>
             <a:endParaRPr lang="en-US"/>
           </a:p>
@@ -2397,7 +2390,7 @@
           <a:p>
             <a:fld id="{7B0EAE80-6D99-41EF-BFA3-84B486674D07}" type="datetimeFigureOut">
               <a:rPr lang="en-US" smtClean="0"/>
-              <a:t>9/5/2019</a:t>
+              <a:t>9/7/2019</a:t>
             </a:fld>
             <a:endParaRPr lang="en-US"/>
           </a:p>
@@ -2685,7 +2678,7 @@
           <a:p>
             <a:fld id="{7B0EAE80-6D99-41EF-BFA3-84B486674D07}" type="datetimeFigureOut">
               <a:rPr lang="en-US" smtClean="0"/>
-              <a:t>9/5/2019</a:t>
+              <a:t>9/7/2019</a:t>
             </a:fld>
             <a:endParaRPr lang="en-US"/>
           </a:p>
@@ -2926,7 +2919,7 @@
           <a:p>
             <a:fld id="{7B0EAE80-6D99-41EF-BFA3-84B486674D07}" type="datetimeFigureOut">
               <a:rPr lang="en-US" smtClean="0"/>
-              <a:t>9/5/2019</a:t>
+              <a:t>9/7/2019</a:t>
             </a:fld>
             <a:endParaRPr lang="en-US"/>
           </a:p>
@@ -3443,7 +3436,7 @@
           <p:cNvPr id="2" name="Title 1">
             <a:extLst>
               <a:ext uri="{FF2B5EF4-FFF2-40B4-BE49-F238E27FC236}">
-                <a16:creationId xmlns:a16="http://schemas.microsoft.com/office/drawing/2014/main" id="{A7900F79-62A0-4CC3-A3A2-C1E5E5D6C4B4}"/>
+                <a16:creationId xmlns:a16="http://schemas.microsoft.com/office/drawing/2014/main" id="{97377983-3D9E-4406-885B-9F436D96125A}"/>
               </a:ext>
             </a:extLst>
           </p:cNvPr>
@@ -3459,7 +3452,10 @@
           <a:bodyPr/>
           <a:lstStyle/>
           <a:p>
-            <a:endParaRPr lang="en-US"/>
+            <a:r>
+              <a:rPr lang="en-US" dirty="0"/>
+              <a:t>Colorado Crime vs. Marijuana use</a:t>
+            </a:r>
           </a:p>
         </p:txBody>
       </p:sp>
@@ -3468,7 +3464,7 @@
           <p:cNvPr id="3" name="Content Placeholder 2">
             <a:extLst>
               <a:ext uri="{FF2B5EF4-FFF2-40B4-BE49-F238E27FC236}">
-                <a16:creationId xmlns:a16="http://schemas.microsoft.com/office/drawing/2014/main" id="{297E057C-548C-4CCA-AC79-B311CFE329E8}"/>
+                <a16:creationId xmlns:a16="http://schemas.microsoft.com/office/drawing/2014/main" id="{6E5193A6-11CE-4812-AD5D-310D756CF709}"/>
               </a:ext>
             </a:extLst>
           </p:cNvPr>
@@ -3491,7 +3487,7 @@
     </p:spTree>
     <p:extLst>
       <p:ext uri="{BB962C8B-B14F-4D97-AF65-F5344CB8AC3E}">
-        <p14:creationId xmlns:p14="http://schemas.microsoft.com/office/powerpoint/2010/main" val="3569436623"/>
+        <p14:creationId xmlns:p14="http://schemas.microsoft.com/office/powerpoint/2010/main" val="1212678213"/>
       </p:ext>
     </p:extLst>
   </p:cSld>
@@ -3523,7 +3519,7 @@
           <p:cNvPr id="2" name="Title 1">
             <a:extLst>
               <a:ext uri="{FF2B5EF4-FFF2-40B4-BE49-F238E27FC236}">
-                <a16:creationId xmlns:a16="http://schemas.microsoft.com/office/drawing/2014/main" id="{69B9A8CF-3B0D-4023-9890-7D389D74F773}"/>
+                <a16:creationId xmlns:a16="http://schemas.microsoft.com/office/drawing/2014/main" id="{5C97F00A-675F-49A6-B35B-52A0B6EAACDD}"/>
               </a:ext>
             </a:extLst>
           </p:cNvPr>
@@ -3539,7 +3535,10 @@
           <a:bodyPr/>
           <a:lstStyle/>
           <a:p>
-            <a:endParaRPr lang="en-US"/>
+            <a:r>
+              <a:rPr lang="en-US" dirty="0"/>
+              <a:t>Incarceration Rates </a:t>
+            </a:r>
           </a:p>
         </p:txBody>
       </p:sp>
@@ -3548,7 +3547,7 @@
           <p:cNvPr id="3" name="Content Placeholder 2">
             <a:extLst>
               <a:ext uri="{FF2B5EF4-FFF2-40B4-BE49-F238E27FC236}">
-                <a16:creationId xmlns:a16="http://schemas.microsoft.com/office/drawing/2014/main" id="{7620DE78-88A1-4F5E-97D1-C7C614C5732B}"/>
+                <a16:creationId xmlns:a16="http://schemas.microsoft.com/office/drawing/2014/main" id="{7CEFFC6E-F62A-4369-9023-9BAC0B3C08E6}"/>
               </a:ext>
             </a:extLst>
           </p:cNvPr>
@@ -3571,567 +3570,7 @@
     </p:spTree>
     <p:extLst>
       <p:ext uri="{BB962C8B-B14F-4D97-AF65-F5344CB8AC3E}">
-        <p14:creationId xmlns:p14="http://schemas.microsoft.com/office/powerpoint/2010/main" val="3205705724"/>
-      </p:ext>
-    </p:extLst>
-  </p:cSld>
-  <p:clrMapOvr>
-    <a:masterClrMapping/>
-  </p:clrMapOvr>
-</p:sld>
-</file>
-
-<file path=ppt/slides/slide12.xml><?xml version="1.0" encoding="utf-8"?>
-<p:sld xmlns:a="http://schemas.openxmlformats.org/drawingml/2006/main" xmlns:r="http://schemas.openxmlformats.org/officeDocument/2006/relationships" xmlns:p="http://schemas.openxmlformats.org/presentationml/2006/main">
-  <p:cSld>
-    <p:spTree>
-      <p:nvGrpSpPr>
-        <p:cNvPr id="1" name=""/>
-        <p:cNvGrpSpPr/>
-        <p:nvPr/>
-      </p:nvGrpSpPr>
-      <p:grpSpPr>
-        <a:xfrm>
-          <a:off x="0" y="0"/>
-          <a:ext cx="0" cy="0"/>
-          <a:chOff x="0" y="0"/>
-          <a:chExt cx="0" cy="0"/>
-        </a:xfrm>
-      </p:grpSpPr>
-      <p:sp>
-        <p:nvSpPr>
-          <p:cNvPr id="2" name="Title 1">
-            <a:extLst>
-              <a:ext uri="{FF2B5EF4-FFF2-40B4-BE49-F238E27FC236}">
-                <a16:creationId xmlns:a16="http://schemas.microsoft.com/office/drawing/2014/main" id="{181B23AD-DEC2-47D9-822E-C16A5F55DE4F}"/>
-              </a:ext>
-            </a:extLst>
-          </p:cNvPr>
-          <p:cNvSpPr>
-            <a:spLocks noGrp="1"/>
-          </p:cNvSpPr>
-          <p:nvPr>
-            <p:ph type="title"/>
-          </p:nvPr>
-        </p:nvSpPr>
-        <p:spPr/>
-        <p:txBody>
-          <a:bodyPr/>
-          <a:lstStyle/>
-          <a:p>
-            <a:endParaRPr lang="en-US"/>
-          </a:p>
-        </p:txBody>
-      </p:sp>
-      <p:sp>
-        <p:nvSpPr>
-          <p:cNvPr id="3" name="Content Placeholder 2">
-            <a:extLst>
-              <a:ext uri="{FF2B5EF4-FFF2-40B4-BE49-F238E27FC236}">
-                <a16:creationId xmlns:a16="http://schemas.microsoft.com/office/drawing/2014/main" id="{0F547853-0278-4DE8-A2C7-B5A9B372DA4A}"/>
-              </a:ext>
-            </a:extLst>
-          </p:cNvPr>
-          <p:cNvSpPr>
-            <a:spLocks noGrp="1"/>
-          </p:cNvSpPr>
-          <p:nvPr>
-            <p:ph idx="1"/>
-          </p:nvPr>
-        </p:nvSpPr>
-        <p:spPr/>
-        <p:txBody>
-          <a:bodyPr/>
-          <a:lstStyle/>
-          <a:p>
-            <a:endParaRPr lang="en-US"/>
-          </a:p>
-        </p:txBody>
-      </p:sp>
-    </p:spTree>
-    <p:extLst>
-      <p:ext uri="{BB962C8B-B14F-4D97-AF65-F5344CB8AC3E}">
-        <p14:creationId xmlns:p14="http://schemas.microsoft.com/office/powerpoint/2010/main" val="2694831537"/>
-      </p:ext>
-    </p:extLst>
-  </p:cSld>
-  <p:clrMapOvr>
-    <a:masterClrMapping/>
-  </p:clrMapOvr>
-</p:sld>
-</file>
-
-<file path=ppt/slides/slide13.xml><?xml version="1.0" encoding="utf-8"?>
-<p:sld xmlns:a="http://schemas.openxmlformats.org/drawingml/2006/main" xmlns:r="http://schemas.openxmlformats.org/officeDocument/2006/relationships" xmlns:p="http://schemas.openxmlformats.org/presentationml/2006/main">
-  <p:cSld>
-    <p:spTree>
-      <p:nvGrpSpPr>
-        <p:cNvPr id="1" name=""/>
-        <p:cNvGrpSpPr/>
-        <p:nvPr/>
-      </p:nvGrpSpPr>
-      <p:grpSpPr>
-        <a:xfrm>
-          <a:off x="0" y="0"/>
-          <a:ext cx="0" cy="0"/>
-          <a:chOff x="0" y="0"/>
-          <a:chExt cx="0" cy="0"/>
-        </a:xfrm>
-      </p:grpSpPr>
-      <p:sp>
-        <p:nvSpPr>
-          <p:cNvPr id="2" name="Title 1">
-            <a:extLst>
-              <a:ext uri="{FF2B5EF4-FFF2-40B4-BE49-F238E27FC236}">
-                <a16:creationId xmlns:a16="http://schemas.microsoft.com/office/drawing/2014/main" id="{91FED53A-1790-41BE-87FA-E48C604A33A6}"/>
-              </a:ext>
-            </a:extLst>
-          </p:cNvPr>
-          <p:cNvSpPr>
-            <a:spLocks noGrp="1"/>
-          </p:cNvSpPr>
-          <p:nvPr>
-            <p:ph type="title"/>
-          </p:nvPr>
-        </p:nvSpPr>
-        <p:spPr/>
-        <p:txBody>
-          <a:bodyPr/>
-          <a:lstStyle/>
-          <a:p>
-            <a:endParaRPr lang="en-US"/>
-          </a:p>
-        </p:txBody>
-      </p:sp>
-      <p:sp>
-        <p:nvSpPr>
-          <p:cNvPr id="3" name="Content Placeholder 2">
-            <a:extLst>
-              <a:ext uri="{FF2B5EF4-FFF2-40B4-BE49-F238E27FC236}">
-                <a16:creationId xmlns:a16="http://schemas.microsoft.com/office/drawing/2014/main" id="{13799DD1-0D12-4BB5-86B3-6CE81121D68E}"/>
-              </a:ext>
-            </a:extLst>
-          </p:cNvPr>
-          <p:cNvSpPr>
-            <a:spLocks noGrp="1"/>
-          </p:cNvSpPr>
-          <p:nvPr>
-            <p:ph idx="1"/>
-          </p:nvPr>
-        </p:nvSpPr>
-        <p:spPr/>
-        <p:txBody>
-          <a:bodyPr/>
-          <a:lstStyle/>
-          <a:p>
-            <a:endParaRPr lang="en-US"/>
-          </a:p>
-        </p:txBody>
-      </p:sp>
-    </p:spTree>
-    <p:extLst>
-      <p:ext uri="{BB962C8B-B14F-4D97-AF65-F5344CB8AC3E}">
-        <p14:creationId xmlns:p14="http://schemas.microsoft.com/office/powerpoint/2010/main" val="970188874"/>
-      </p:ext>
-    </p:extLst>
-  </p:cSld>
-  <p:clrMapOvr>
-    <a:masterClrMapping/>
-  </p:clrMapOvr>
-</p:sld>
-</file>
-
-<file path=ppt/slides/slide14.xml><?xml version="1.0" encoding="utf-8"?>
-<p:sld xmlns:a="http://schemas.openxmlformats.org/drawingml/2006/main" xmlns:r="http://schemas.openxmlformats.org/officeDocument/2006/relationships" xmlns:p="http://schemas.openxmlformats.org/presentationml/2006/main">
-  <p:cSld>
-    <p:spTree>
-      <p:nvGrpSpPr>
-        <p:cNvPr id="1" name=""/>
-        <p:cNvGrpSpPr/>
-        <p:nvPr/>
-      </p:nvGrpSpPr>
-      <p:grpSpPr>
-        <a:xfrm>
-          <a:off x="0" y="0"/>
-          <a:ext cx="0" cy="0"/>
-          <a:chOff x="0" y="0"/>
-          <a:chExt cx="0" cy="0"/>
-        </a:xfrm>
-      </p:grpSpPr>
-      <p:sp>
-        <p:nvSpPr>
-          <p:cNvPr id="2" name="Title 1">
-            <a:extLst>
-              <a:ext uri="{FF2B5EF4-FFF2-40B4-BE49-F238E27FC236}">
-                <a16:creationId xmlns:a16="http://schemas.microsoft.com/office/drawing/2014/main" id="{2F8D6EAF-6BE0-4005-97BC-0314081FC857}"/>
-              </a:ext>
-            </a:extLst>
-          </p:cNvPr>
-          <p:cNvSpPr>
-            <a:spLocks noGrp="1"/>
-          </p:cNvSpPr>
-          <p:nvPr>
-            <p:ph type="title"/>
-          </p:nvPr>
-        </p:nvSpPr>
-        <p:spPr/>
-        <p:txBody>
-          <a:bodyPr/>
-          <a:lstStyle/>
-          <a:p>
-            <a:endParaRPr lang="en-US"/>
-          </a:p>
-        </p:txBody>
-      </p:sp>
-      <p:sp>
-        <p:nvSpPr>
-          <p:cNvPr id="3" name="Content Placeholder 2">
-            <a:extLst>
-              <a:ext uri="{FF2B5EF4-FFF2-40B4-BE49-F238E27FC236}">
-                <a16:creationId xmlns:a16="http://schemas.microsoft.com/office/drawing/2014/main" id="{4A43FC32-C71B-416D-A318-62E295E465E8}"/>
-              </a:ext>
-            </a:extLst>
-          </p:cNvPr>
-          <p:cNvSpPr>
-            <a:spLocks noGrp="1"/>
-          </p:cNvSpPr>
-          <p:nvPr>
-            <p:ph idx="1"/>
-          </p:nvPr>
-        </p:nvSpPr>
-        <p:spPr/>
-        <p:txBody>
-          <a:bodyPr/>
-          <a:lstStyle/>
-          <a:p>
-            <a:endParaRPr lang="en-US"/>
-          </a:p>
-        </p:txBody>
-      </p:sp>
-    </p:spTree>
-    <p:extLst>
-      <p:ext uri="{BB962C8B-B14F-4D97-AF65-F5344CB8AC3E}">
-        <p14:creationId xmlns:p14="http://schemas.microsoft.com/office/powerpoint/2010/main" val="3054418342"/>
-      </p:ext>
-    </p:extLst>
-  </p:cSld>
-  <p:clrMapOvr>
-    <a:masterClrMapping/>
-  </p:clrMapOvr>
-</p:sld>
-</file>
-
-<file path=ppt/slides/slide15.xml><?xml version="1.0" encoding="utf-8"?>
-<p:sld xmlns:a="http://schemas.openxmlformats.org/drawingml/2006/main" xmlns:r="http://schemas.openxmlformats.org/officeDocument/2006/relationships" xmlns:p="http://schemas.openxmlformats.org/presentationml/2006/main">
-  <p:cSld>
-    <p:spTree>
-      <p:nvGrpSpPr>
-        <p:cNvPr id="1" name=""/>
-        <p:cNvGrpSpPr/>
-        <p:nvPr/>
-      </p:nvGrpSpPr>
-      <p:grpSpPr>
-        <a:xfrm>
-          <a:off x="0" y="0"/>
-          <a:ext cx="0" cy="0"/>
-          <a:chOff x="0" y="0"/>
-          <a:chExt cx="0" cy="0"/>
-        </a:xfrm>
-      </p:grpSpPr>
-      <p:sp>
-        <p:nvSpPr>
-          <p:cNvPr id="2" name="Title 1">
-            <a:extLst>
-              <a:ext uri="{FF2B5EF4-FFF2-40B4-BE49-F238E27FC236}">
-                <a16:creationId xmlns:a16="http://schemas.microsoft.com/office/drawing/2014/main" id="{ED4FDCD0-C6A7-44E5-BDF6-48126DB762CF}"/>
-              </a:ext>
-            </a:extLst>
-          </p:cNvPr>
-          <p:cNvSpPr>
-            <a:spLocks noGrp="1"/>
-          </p:cNvSpPr>
-          <p:nvPr>
-            <p:ph type="title"/>
-          </p:nvPr>
-        </p:nvSpPr>
-        <p:spPr/>
-        <p:txBody>
-          <a:bodyPr/>
-          <a:lstStyle/>
-          <a:p>
-            <a:endParaRPr lang="en-US"/>
-          </a:p>
-        </p:txBody>
-      </p:sp>
-      <p:sp>
-        <p:nvSpPr>
-          <p:cNvPr id="3" name="Content Placeholder 2">
-            <a:extLst>
-              <a:ext uri="{FF2B5EF4-FFF2-40B4-BE49-F238E27FC236}">
-                <a16:creationId xmlns:a16="http://schemas.microsoft.com/office/drawing/2014/main" id="{F57573AA-6709-4389-A650-354E29F9B6B7}"/>
-              </a:ext>
-            </a:extLst>
-          </p:cNvPr>
-          <p:cNvSpPr>
-            <a:spLocks noGrp="1"/>
-          </p:cNvSpPr>
-          <p:nvPr>
-            <p:ph idx="1"/>
-          </p:nvPr>
-        </p:nvSpPr>
-        <p:spPr/>
-        <p:txBody>
-          <a:bodyPr/>
-          <a:lstStyle/>
-          <a:p>
-            <a:endParaRPr lang="en-US"/>
-          </a:p>
-        </p:txBody>
-      </p:sp>
-    </p:spTree>
-    <p:extLst>
-      <p:ext uri="{BB962C8B-B14F-4D97-AF65-F5344CB8AC3E}">
-        <p14:creationId xmlns:p14="http://schemas.microsoft.com/office/powerpoint/2010/main" val="2393744247"/>
-      </p:ext>
-    </p:extLst>
-  </p:cSld>
-  <p:clrMapOvr>
-    <a:masterClrMapping/>
-  </p:clrMapOvr>
-</p:sld>
-</file>
-
-<file path=ppt/slides/slide16.xml><?xml version="1.0" encoding="utf-8"?>
-<p:sld xmlns:a="http://schemas.openxmlformats.org/drawingml/2006/main" xmlns:r="http://schemas.openxmlformats.org/officeDocument/2006/relationships" xmlns:p="http://schemas.openxmlformats.org/presentationml/2006/main">
-  <p:cSld>
-    <p:spTree>
-      <p:nvGrpSpPr>
-        <p:cNvPr id="1" name=""/>
-        <p:cNvGrpSpPr/>
-        <p:nvPr/>
-      </p:nvGrpSpPr>
-      <p:grpSpPr>
-        <a:xfrm>
-          <a:off x="0" y="0"/>
-          <a:ext cx="0" cy="0"/>
-          <a:chOff x="0" y="0"/>
-          <a:chExt cx="0" cy="0"/>
-        </a:xfrm>
-      </p:grpSpPr>
-      <p:sp>
-        <p:nvSpPr>
-          <p:cNvPr id="2" name="Title 1">
-            <a:extLst>
-              <a:ext uri="{FF2B5EF4-FFF2-40B4-BE49-F238E27FC236}">
-                <a16:creationId xmlns:a16="http://schemas.microsoft.com/office/drawing/2014/main" id="{F31B2C35-DEB8-41C2-8565-5AAE6F783EE8}"/>
-              </a:ext>
-            </a:extLst>
-          </p:cNvPr>
-          <p:cNvSpPr>
-            <a:spLocks noGrp="1"/>
-          </p:cNvSpPr>
-          <p:nvPr>
-            <p:ph type="title"/>
-          </p:nvPr>
-        </p:nvSpPr>
-        <p:spPr/>
-        <p:txBody>
-          <a:bodyPr/>
-          <a:lstStyle/>
-          <a:p>
-            <a:endParaRPr lang="en-US"/>
-          </a:p>
-        </p:txBody>
-      </p:sp>
-      <p:sp>
-        <p:nvSpPr>
-          <p:cNvPr id="3" name="Content Placeholder 2">
-            <a:extLst>
-              <a:ext uri="{FF2B5EF4-FFF2-40B4-BE49-F238E27FC236}">
-                <a16:creationId xmlns:a16="http://schemas.microsoft.com/office/drawing/2014/main" id="{0879B62B-E255-43BD-9077-9F992D4DF7E1}"/>
-              </a:ext>
-            </a:extLst>
-          </p:cNvPr>
-          <p:cNvSpPr>
-            <a:spLocks noGrp="1"/>
-          </p:cNvSpPr>
-          <p:nvPr>
-            <p:ph idx="1"/>
-          </p:nvPr>
-        </p:nvSpPr>
-        <p:spPr/>
-        <p:txBody>
-          <a:bodyPr/>
-          <a:lstStyle/>
-          <a:p>
-            <a:endParaRPr lang="en-US"/>
-          </a:p>
-        </p:txBody>
-      </p:sp>
-    </p:spTree>
-    <p:extLst>
-      <p:ext uri="{BB962C8B-B14F-4D97-AF65-F5344CB8AC3E}">
-        <p14:creationId xmlns:p14="http://schemas.microsoft.com/office/powerpoint/2010/main" val="3789210596"/>
-      </p:ext>
-    </p:extLst>
-  </p:cSld>
-  <p:clrMapOvr>
-    <a:masterClrMapping/>
-  </p:clrMapOvr>
-</p:sld>
-</file>
-
-<file path=ppt/slides/slide17.xml><?xml version="1.0" encoding="utf-8"?>
-<p:sld xmlns:a="http://schemas.openxmlformats.org/drawingml/2006/main" xmlns:r="http://schemas.openxmlformats.org/officeDocument/2006/relationships" xmlns:p="http://schemas.openxmlformats.org/presentationml/2006/main">
-  <p:cSld>
-    <p:spTree>
-      <p:nvGrpSpPr>
-        <p:cNvPr id="1" name=""/>
-        <p:cNvGrpSpPr/>
-        <p:nvPr/>
-      </p:nvGrpSpPr>
-      <p:grpSpPr>
-        <a:xfrm>
-          <a:off x="0" y="0"/>
-          <a:ext cx="0" cy="0"/>
-          <a:chOff x="0" y="0"/>
-          <a:chExt cx="0" cy="0"/>
-        </a:xfrm>
-      </p:grpSpPr>
-      <p:sp>
-        <p:nvSpPr>
-          <p:cNvPr id="2" name="Title 1">
-            <a:extLst>
-              <a:ext uri="{FF2B5EF4-FFF2-40B4-BE49-F238E27FC236}">
-                <a16:creationId xmlns:a16="http://schemas.microsoft.com/office/drawing/2014/main" id="{5DB5D5B0-C160-45FD-B0A7-0144F3054522}"/>
-              </a:ext>
-            </a:extLst>
-          </p:cNvPr>
-          <p:cNvSpPr>
-            <a:spLocks noGrp="1"/>
-          </p:cNvSpPr>
-          <p:nvPr>
-            <p:ph type="title"/>
-          </p:nvPr>
-        </p:nvSpPr>
-        <p:spPr/>
-        <p:txBody>
-          <a:bodyPr/>
-          <a:lstStyle/>
-          <a:p>
-            <a:endParaRPr lang="en-US"/>
-          </a:p>
-        </p:txBody>
-      </p:sp>
-      <p:sp>
-        <p:nvSpPr>
-          <p:cNvPr id="3" name="Content Placeholder 2">
-            <a:extLst>
-              <a:ext uri="{FF2B5EF4-FFF2-40B4-BE49-F238E27FC236}">
-                <a16:creationId xmlns:a16="http://schemas.microsoft.com/office/drawing/2014/main" id="{03A5FC36-647C-42D8-8C6A-5D56F0852D79}"/>
-              </a:ext>
-            </a:extLst>
-          </p:cNvPr>
-          <p:cNvSpPr>
-            <a:spLocks noGrp="1"/>
-          </p:cNvSpPr>
-          <p:nvPr>
-            <p:ph idx="1"/>
-          </p:nvPr>
-        </p:nvSpPr>
-        <p:spPr/>
-        <p:txBody>
-          <a:bodyPr/>
-          <a:lstStyle/>
-          <a:p>
-            <a:endParaRPr lang="en-US"/>
-          </a:p>
-        </p:txBody>
-      </p:sp>
-    </p:spTree>
-    <p:extLst>
-      <p:ext uri="{BB962C8B-B14F-4D97-AF65-F5344CB8AC3E}">
-        <p14:creationId xmlns:p14="http://schemas.microsoft.com/office/powerpoint/2010/main" val="383695161"/>
-      </p:ext>
-    </p:extLst>
-  </p:cSld>
-  <p:clrMapOvr>
-    <a:masterClrMapping/>
-  </p:clrMapOvr>
-</p:sld>
-</file>
-
-<file path=ppt/slides/slide18.xml><?xml version="1.0" encoding="utf-8"?>
-<p:sld xmlns:a="http://schemas.openxmlformats.org/drawingml/2006/main" xmlns:r="http://schemas.openxmlformats.org/officeDocument/2006/relationships" xmlns:p="http://schemas.openxmlformats.org/presentationml/2006/main">
-  <p:cSld>
-    <p:spTree>
-      <p:nvGrpSpPr>
-        <p:cNvPr id="1" name=""/>
-        <p:cNvGrpSpPr/>
-        <p:nvPr/>
-      </p:nvGrpSpPr>
-      <p:grpSpPr>
-        <a:xfrm>
-          <a:off x="0" y="0"/>
-          <a:ext cx="0" cy="0"/>
-          <a:chOff x="0" y="0"/>
-          <a:chExt cx="0" cy="0"/>
-        </a:xfrm>
-      </p:grpSpPr>
-      <p:sp>
-        <p:nvSpPr>
-          <p:cNvPr id="2" name="Title 1">
-            <a:extLst>
-              <a:ext uri="{FF2B5EF4-FFF2-40B4-BE49-F238E27FC236}">
-                <a16:creationId xmlns:a16="http://schemas.microsoft.com/office/drawing/2014/main" id="{42D35E41-5DB6-427C-AE04-B4AC09B88630}"/>
-              </a:ext>
-            </a:extLst>
-          </p:cNvPr>
-          <p:cNvSpPr>
-            <a:spLocks noGrp="1"/>
-          </p:cNvSpPr>
-          <p:nvPr>
-            <p:ph type="title"/>
-          </p:nvPr>
-        </p:nvSpPr>
-        <p:spPr/>
-        <p:txBody>
-          <a:bodyPr/>
-          <a:lstStyle/>
-          <a:p>
-            <a:endParaRPr lang="en-US"/>
-          </a:p>
-        </p:txBody>
-      </p:sp>
-      <p:sp>
-        <p:nvSpPr>
-          <p:cNvPr id="3" name="Content Placeholder 2">
-            <a:extLst>
-              <a:ext uri="{FF2B5EF4-FFF2-40B4-BE49-F238E27FC236}">
-                <a16:creationId xmlns:a16="http://schemas.microsoft.com/office/drawing/2014/main" id="{EC2654A6-666D-4357-AB85-FB4544DE2FFD}"/>
-              </a:ext>
-            </a:extLst>
-          </p:cNvPr>
-          <p:cNvSpPr>
-            <a:spLocks noGrp="1"/>
-          </p:cNvSpPr>
-          <p:nvPr>
-            <p:ph idx="1"/>
-          </p:nvPr>
-        </p:nvSpPr>
-        <p:spPr/>
-        <p:txBody>
-          <a:bodyPr/>
-          <a:lstStyle/>
-          <a:p>
-            <a:endParaRPr lang="en-US"/>
-          </a:p>
-        </p:txBody>
-      </p:sp>
-    </p:spTree>
-    <p:extLst>
-      <p:ext uri="{BB962C8B-B14F-4D97-AF65-F5344CB8AC3E}">
-        <p14:creationId xmlns:p14="http://schemas.microsoft.com/office/powerpoint/2010/main" val="2239614345"/>
+        <p14:creationId xmlns:p14="http://schemas.microsoft.com/office/powerpoint/2010/main" val="2240890817"/>
       </p:ext>
     </p:extLst>
   </p:cSld>
@@ -4174,42 +3613,101 @@
             <p:ph type="title"/>
           </p:nvPr>
         </p:nvSpPr>
-        <p:spPr/>
-        <p:txBody>
-          <a:bodyPr/>
-          <a:lstStyle/>
-          <a:p>
+        <p:spPr>
+          <a:xfrm>
+            <a:off x="745723" y="186432"/>
+            <a:ext cx="10857391" cy="870012"/>
+          </a:xfrm>
+        </p:spPr>
+        <p:txBody>
+          <a:bodyPr>
+            <a:noAutofit/>
+          </a:bodyPr>
+          <a:lstStyle/>
+          <a:p>
+            <a:r>
+              <a:rPr lang="en-US" sz="3600" dirty="0"/>
+              <a:t>Colorado - Recreational marijuana was legalized in 2012</a:t>
+            </a:r>
+            <a:br>
+              <a:rPr lang="en-US" sz="3600" dirty="0"/>
+            </a:br>
+            <a:endParaRPr lang="en-US" sz="3600" dirty="0"/>
+          </a:p>
+        </p:txBody>
+      </p:sp>
+      <p:sp>
+        <p:nvSpPr>
+          <p:cNvPr id="3" name="Content Placeholder 2">
+            <a:extLst>
+              <a:ext uri="{FF2B5EF4-FFF2-40B4-BE49-F238E27FC236}">
+                <a16:creationId xmlns:a16="http://schemas.microsoft.com/office/drawing/2014/main" id="{2BBA023A-AAAD-4752-851F-28FBB7E9099E}"/>
+              </a:ext>
+            </a:extLst>
+          </p:cNvPr>
+          <p:cNvSpPr>
+            <a:spLocks noGrp="1"/>
+          </p:cNvSpPr>
+          <p:nvPr>
+            <p:ph idx="1"/>
+          </p:nvPr>
+        </p:nvSpPr>
+        <p:spPr>
+          <a:xfrm>
+            <a:off x="630313" y="1298359"/>
+            <a:ext cx="10515600" cy="2130641"/>
+          </a:xfrm>
+        </p:spPr>
+        <p:txBody>
+          <a:bodyPr/>
+          <a:lstStyle/>
+          <a:p>
+            <a:pPr marL="0" indent="0">
+              <a:buNone/>
+            </a:pPr>
             <a:r>
               <a:rPr lang="en-US" dirty="0"/>
-              <a:t>Colorado General Info Slide about Marijuana.</a:t>
-            </a:r>
-          </a:p>
-        </p:txBody>
-      </p:sp>
-      <p:sp>
-        <p:nvSpPr>
-          <p:cNvPr id="3" name="Content Placeholder 2">
-            <a:extLst>
-              <a:ext uri="{FF2B5EF4-FFF2-40B4-BE49-F238E27FC236}">
-                <a16:creationId xmlns:a16="http://schemas.microsoft.com/office/drawing/2014/main" id="{2BBA023A-AAAD-4752-851F-28FBB7E9099E}"/>
-              </a:ext>
-            </a:extLst>
-          </p:cNvPr>
-          <p:cNvSpPr>
-            <a:spLocks noGrp="1"/>
-          </p:cNvSpPr>
-          <p:nvPr>
-            <p:ph idx="1"/>
-          </p:nvPr>
-        </p:nvSpPr>
-        <p:spPr/>
-        <p:txBody>
-          <a:bodyPr/>
-          <a:lstStyle/>
-          <a:p>
+              <a:t>Areas of focus</a:t>
+            </a:r>
+          </a:p>
+          <a:p>
+            <a:pPr marL="971550" lvl="1" indent="-514350">
+              <a:buFont typeface="+mj-lt"/>
+              <a:buAutoNum type="arabicPeriod"/>
+            </a:pPr>
             <a:r>
               <a:rPr lang="en-US" dirty="0"/>
-              <a:t>Mar. was legalized rec in Colorado this year…</a:t>
+              <a:t>Rates of marijuana use before and after legalization.</a:t>
+            </a:r>
+          </a:p>
+          <a:p>
+            <a:pPr marL="971550" lvl="1" indent="-514350">
+              <a:buFont typeface="+mj-lt"/>
+              <a:buAutoNum type="arabicPeriod"/>
+            </a:pPr>
+            <a:r>
+              <a:rPr lang="en-US" dirty="0"/>
+              <a:t>Rates of other substance use before and after legalization. </a:t>
+            </a:r>
+          </a:p>
+          <a:p>
+            <a:pPr marL="971550" lvl="1" indent="-514350">
+              <a:buFont typeface="+mj-lt"/>
+              <a:buAutoNum type="arabicPeriod"/>
+            </a:pPr>
+            <a:r>
+              <a:rPr lang="en-US" dirty="0"/>
+              <a:t>Rates of mental health issues before and after legalization.</a:t>
+            </a:r>
+          </a:p>
+          <a:p>
+            <a:pPr marL="971550" lvl="1" indent="-514350">
+              <a:buFont typeface="+mj-lt"/>
+              <a:buAutoNum type="arabicPeriod"/>
+            </a:pPr>
+            <a:r>
+              <a:rPr lang="en-US" dirty="0"/>
+              <a:t>Rates of crime before and after legalization. </a:t>
             </a:r>
           </a:p>
         </p:txBody>
@@ -4249,7 +3747,7 @@
           <p:cNvPr id="2" name="Title 1">
             <a:extLst>
               <a:ext uri="{FF2B5EF4-FFF2-40B4-BE49-F238E27FC236}">
-                <a16:creationId xmlns:a16="http://schemas.microsoft.com/office/drawing/2014/main" id="{52554ED3-E73A-4180-B452-C0943E0BA342}"/>
+                <a16:creationId xmlns:a16="http://schemas.microsoft.com/office/drawing/2014/main" id="{CFBFB9D5-D642-4F25-AE81-077EA0FA0322}"/>
               </a:ext>
             </a:extLst>
           </p:cNvPr>
@@ -4260,14 +3758,19 @@
             <p:ph type="title"/>
           </p:nvPr>
         </p:nvSpPr>
-        <p:spPr/>
+        <p:spPr>
+          <a:xfrm>
+            <a:off x="838200" y="175580"/>
+            <a:ext cx="10515600" cy="1010914"/>
+          </a:xfrm>
+        </p:spPr>
         <p:txBody>
           <a:bodyPr/>
           <a:lstStyle/>
           <a:p>
             <a:r>
               <a:rPr lang="en-US" dirty="0"/>
-              <a:t>Basic Marijuana use in Colorado Before/After Legalization</a:t>
+              <a:t>First time marijuana use in Colorado by Age </a:t>
             </a:r>
           </a:p>
         </p:txBody>
@@ -4277,7 +3780,7 @@
           <p:cNvPr id="3" name="Content Placeholder 2">
             <a:extLst>
               <a:ext uri="{FF2B5EF4-FFF2-40B4-BE49-F238E27FC236}">
-                <a16:creationId xmlns:a16="http://schemas.microsoft.com/office/drawing/2014/main" id="{B9F85965-A6AF-4BA6-AB0C-B9B5A5AA0784}"/>
+                <a16:creationId xmlns:a16="http://schemas.microsoft.com/office/drawing/2014/main" id="{7FB4FEF1-E992-45C8-A0D7-9FE44FF99750}"/>
               </a:ext>
             </a:extLst>
           </p:cNvPr>
@@ -4288,29 +3791,19 @@
             <p:ph idx="1"/>
           </p:nvPr>
         </p:nvSpPr>
-        <p:spPr/>
+        <p:spPr>
+          <a:xfrm>
+            <a:off x="838200" y="1331650"/>
+            <a:ext cx="10515600" cy="4845313"/>
+          </a:xfrm>
+        </p:spPr>
         <p:txBody>
           <a:bodyPr/>
           <a:lstStyle/>
           <a:p>
             <a:r>
               <a:rPr lang="en-US" dirty="0"/>
-              <a:t>Age Groups </a:t>
-            </a:r>
-          </a:p>
-          <a:p>
-            <a:r>
-              <a:rPr lang="en-US" dirty="0"/>
-              <a:t>Past Month Use, First Time Use,</a:t>
-            </a:r>
-          </a:p>
-          <a:p>
-            <a:endParaRPr lang="en-US" dirty="0"/>
-          </a:p>
-          <a:p>
-            <a:r>
-              <a:rPr lang="en-US" dirty="0"/>
-              <a:t>Looks like there might be an effect for ages 18-25 when it comes to first time annual use of Marijuana.  </a:t>
+              <a:t>Now going to focus on ages 18-25</a:t>
             </a:r>
           </a:p>
         </p:txBody>
@@ -4318,7 +3811,7 @@
     </p:spTree>
     <p:extLst>
       <p:ext uri="{BB962C8B-B14F-4D97-AF65-F5344CB8AC3E}">
-        <p14:creationId xmlns:p14="http://schemas.microsoft.com/office/powerpoint/2010/main" val="641540662"/>
+        <p14:creationId xmlns:p14="http://schemas.microsoft.com/office/powerpoint/2010/main" val="2383152162"/>
       </p:ext>
     </p:extLst>
   </p:cSld>
@@ -4350,7 +3843,7 @@
           <p:cNvPr id="2" name="Title 1">
             <a:extLst>
               <a:ext uri="{FF2B5EF4-FFF2-40B4-BE49-F238E27FC236}">
-                <a16:creationId xmlns:a16="http://schemas.microsoft.com/office/drawing/2014/main" id="{F180F29B-00E6-46CB-AE2F-7349333B9BA6}"/>
+                <a16:creationId xmlns:a16="http://schemas.microsoft.com/office/drawing/2014/main" id="{CC7CA1F3-008D-4ECD-8154-83C4DAC04563}"/>
               </a:ext>
             </a:extLst>
           </p:cNvPr>
@@ -4368,57 +3861,35 @@
           <a:p>
             <a:r>
               <a:rPr lang="en-US" dirty="0"/>
-              <a:t>Marijuana Use Compared to Rates in Texas and United State</a:t>
-            </a:r>
-            <a:r>
-              <a:rPr lang="en-US" b="1" dirty="0"/>
-              <a:t>s</a:t>
-            </a:r>
+              <a:t>Focusing on ages 18-25</a:t>
+            </a:r>
+          </a:p>
+        </p:txBody>
+      </p:sp>
+      <p:sp>
+        <p:nvSpPr>
+          <p:cNvPr id="3" name="Content Placeholder 2">
+            <a:extLst>
+              <a:ext uri="{FF2B5EF4-FFF2-40B4-BE49-F238E27FC236}">
+                <a16:creationId xmlns:a16="http://schemas.microsoft.com/office/drawing/2014/main" id="{EC9ECDD0-E055-4470-A71B-C39525F50C8B}"/>
+              </a:ext>
+            </a:extLst>
+          </p:cNvPr>
+          <p:cNvSpPr>
+            <a:spLocks noGrp="1"/>
+          </p:cNvSpPr>
+          <p:nvPr>
+            <p:ph idx="1"/>
+          </p:nvPr>
+        </p:nvSpPr>
+        <p:spPr/>
+        <p:txBody>
+          <a:bodyPr/>
+          <a:lstStyle/>
+          <a:p>
             <a:r>
               <a:rPr lang="en-US" dirty="0"/>
-              <a:t> vs Colorado</a:t>
-            </a:r>
-          </a:p>
-        </p:txBody>
-      </p:sp>
-      <p:sp>
-        <p:nvSpPr>
-          <p:cNvPr id="3" name="Content Placeholder 2">
-            <a:extLst>
-              <a:ext uri="{FF2B5EF4-FFF2-40B4-BE49-F238E27FC236}">
-                <a16:creationId xmlns:a16="http://schemas.microsoft.com/office/drawing/2014/main" id="{B858D802-C854-4F3A-AA01-4F51B5CC6012}"/>
-              </a:ext>
-            </a:extLst>
-          </p:cNvPr>
-          <p:cNvSpPr>
-            <a:spLocks noGrp="1"/>
-          </p:cNvSpPr>
-          <p:nvPr>
-            <p:ph idx="1"/>
-          </p:nvPr>
-        </p:nvSpPr>
-        <p:spPr/>
-        <p:txBody>
-          <a:bodyPr/>
-          <a:lstStyle/>
-          <a:p>
-            <a:r>
-              <a:rPr lang="en-US" dirty="0"/>
-              <a:t>Ages &gt;12 </a:t>
-            </a:r>
-          </a:p>
-          <a:p>
-            <a:r>
-              <a:rPr lang="en-US" dirty="0"/>
-              <a:t>Lets Look at the Age group for 18-25 year </a:t>
-            </a:r>
-            <a:r>
-              <a:rPr lang="en-US" dirty="0" err="1"/>
-              <a:t>olds</a:t>
-            </a:r>
-            <a:r>
-              <a:rPr lang="en-US" dirty="0"/>
-              <a:t> (These seemed to have the most effect for first time usage in Colorado after Legalization) </a:t>
+              <a:t>Show first time use (18-25) comparing CO, TX, U.S.A. </a:t>
             </a:r>
           </a:p>
         </p:txBody>
@@ -4426,7 +3897,7 @@
     </p:spTree>
     <p:extLst>
       <p:ext uri="{BB962C8B-B14F-4D97-AF65-F5344CB8AC3E}">
-        <p14:creationId xmlns:p14="http://schemas.microsoft.com/office/powerpoint/2010/main" val="2446709249"/>
+        <p14:creationId xmlns:p14="http://schemas.microsoft.com/office/powerpoint/2010/main" val="251250088"/>
       </p:ext>
     </p:extLst>
   </p:cSld>
@@ -4458,7 +3929,7 @@
           <p:cNvPr id="2" name="Title 1">
             <a:extLst>
               <a:ext uri="{FF2B5EF4-FFF2-40B4-BE49-F238E27FC236}">
-                <a16:creationId xmlns:a16="http://schemas.microsoft.com/office/drawing/2014/main" id="{0798ED1C-4556-4F6F-A9FB-932707E5E1AE}"/>
+                <a16:creationId xmlns:a16="http://schemas.microsoft.com/office/drawing/2014/main" id="{D14E4768-6EDC-4949-80BE-C311678DF67D}"/>
               </a:ext>
             </a:extLst>
           </p:cNvPr>
@@ -4476,7 +3947,7 @@
           <a:p>
             <a:r>
               <a:rPr lang="en-US" dirty="0"/>
-              <a:t>Colorado Compare Nicotine/</a:t>
+              <a:t>Past Month use Colorado (Cig, Mar, </a:t>
             </a:r>
             <a:r>
               <a:rPr lang="en-US" dirty="0" err="1"/>
@@ -4484,7 +3955,7 @@
             </a:r>
             <a:r>
               <a:rPr lang="en-US" dirty="0"/>
-              <a:t>/Illicit Sub/Pot</a:t>
+              <a:t>) (18-25 year-olds)</a:t>
             </a:r>
           </a:p>
         </p:txBody>
@@ -4494,7 +3965,7 @@
           <p:cNvPr id="3" name="Content Placeholder 2">
             <a:extLst>
               <a:ext uri="{FF2B5EF4-FFF2-40B4-BE49-F238E27FC236}">
-                <a16:creationId xmlns:a16="http://schemas.microsoft.com/office/drawing/2014/main" id="{83F2FE3F-3BC8-4A14-995C-599698D6E29D}"/>
+                <a16:creationId xmlns:a16="http://schemas.microsoft.com/office/drawing/2014/main" id="{BC22D926-D2BF-4891-B26E-3587A4E27C7F}"/>
               </a:ext>
             </a:extLst>
           </p:cNvPr>
@@ -4517,7 +3988,7 @@
     </p:spTree>
     <p:extLst>
       <p:ext uri="{BB962C8B-B14F-4D97-AF65-F5344CB8AC3E}">
-        <p14:creationId xmlns:p14="http://schemas.microsoft.com/office/powerpoint/2010/main" val="2511836528"/>
+        <p14:creationId xmlns:p14="http://schemas.microsoft.com/office/powerpoint/2010/main" val="3828799881"/>
       </p:ext>
     </p:extLst>
   </p:cSld>
@@ -4549,7 +4020,7 @@
           <p:cNvPr id="2" name="Title 1">
             <a:extLst>
               <a:ext uri="{FF2B5EF4-FFF2-40B4-BE49-F238E27FC236}">
-                <a16:creationId xmlns:a16="http://schemas.microsoft.com/office/drawing/2014/main" id="{D3C71B57-A4B1-49A9-B348-001F93FB19E7}"/>
+                <a16:creationId xmlns:a16="http://schemas.microsoft.com/office/drawing/2014/main" id="{54B6295A-575D-46A5-A7C6-646AB7DE5AFC}"/>
               </a:ext>
             </a:extLst>
           </p:cNvPr>
@@ -4567,7 +4038,15 @@
           <a:p>
             <a:r>
               <a:rPr lang="en-US" dirty="0"/>
-              <a:t>Colorado Pot vs. Rates of Depression</a:t>
+              <a:t>Past Month Marijuana (CO, TX, USA) (18-25 year </a:t>
+            </a:r>
+            <a:r>
+              <a:rPr lang="en-US" dirty="0" err="1"/>
+              <a:t>olds</a:t>
+            </a:r>
+            <a:r>
+              <a:rPr lang="en-US" dirty="0"/>
+              <a:t>)</a:t>
             </a:r>
           </a:p>
         </p:txBody>
@@ -4577,7 +4056,7 @@
           <p:cNvPr id="3" name="Content Placeholder 2">
             <a:extLst>
               <a:ext uri="{FF2B5EF4-FFF2-40B4-BE49-F238E27FC236}">
-                <a16:creationId xmlns:a16="http://schemas.microsoft.com/office/drawing/2014/main" id="{F3781B9B-3CA8-4BB5-BA61-4E0EE3274800}"/>
+                <a16:creationId xmlns:a16="http://schemas.microsoft.com/office/drawing/2014/main" id="{716EEF3C-6C01-4349-A8CF-47929A9AF53D}"/>
               </a:ext>
             </a:extLst>
           </p:cNvPr>
@@ -4600,7 +4079,7 @@
     </p:spTree>
     <p:extLst>
       <p:ext uri="{BB962C8B-B14F-4D97-AF65-F5344CB8AC3E}">
-        <p14:creationId xmlns:p14="http://schemas.microsoft.com/office/powerpoint/2010/main" val="2150818256"/>
+        <p14:creationId xmlns:p14="http://schemas.microsoft.com/office/powerpoint/2010/main" val="2886937674"/>
       </p:ext>
     </p:extLst>
   </p:cSld>
@@ -4632,7 +4111,7 @@
           <p:cNvPr id="2" name="Title 1">
             <a:extLst>
               <a:ext uri="{FF2B5EF4-FFF2-40B4-BE49-F238E27FC236}">
-                <a16:creationId xmlns:a16="http://schemas.microsoft.com/office/drawing/2014/main" id="{6484E4AE-2D0F-4515-9A10-BCB0CB1B38E3}"/>
+                <a16:creationId xmlns:a16="http://schemas.microsoft.com/office/drawing/2014/main" id="{A1C417AA-C910-4D2B-9898-CAA30D1F6CD0}"/>
               </a:ext>
             </a:extLst>
           </p:cNvPr>
@@ -4650,7 +4129,15 @@
           <a:p>
             <a:r>
               <a:rPr lang="en-US" dirty="0"/>
-              <a:t>Crime rates vs. Marijuana use in Colorado </a:t>
+              <a:t>Past Month </a:t>
+            </a:r>
+            <a:r>
+              <a:rPr lang="en-US" dirty="0" err="1"/>
+              <a:t>Cigarrete</a:t>
+            </a:r>
+            <a:r>
+              <a:rPr lang="en-US" dirty="0"/>
+              <a:t> (CO, TX, USA) (18-25 year-olds)</a:t>
             </a:r>
           </a:p>
         </p:txBody>
@@ -4660,7 +4147,7 @@
           <p:cNvPr id="3" name="Content Placeholder 2">
             <a:extLst>
               <a:ext uri="{FF2B5EF4-FFF2-40B4-BE49-F238E27FC236}">
-                <a16:creationId xmlns:a16="http://schemas.microsoft.com/office/drawing/2014/main" id="{3A5CD699-4036-4B61-83D5-E8D5ECEA344A}"/>
+                <a16:creationId xmlns:a16="http://schemas.microsoft.com/office/drawing/2014/main" id="{C4665FAE-941D-4766-8317-F0D8758D0045}"/>
               </a:ext>
             </a:extLst>
           </p:cNvPr>
@@ -4676,35 +4163,14 @@
           <a:bodyPr/>
           <a:lstStyle/>
           <a:p>
-            <a:r>
-              <a:rPr lang="en-US" dirty="0"/>
-              <a:t>Violence</a:t>
-            </a:r>
-          </a:p>
-          <a:p>
-            <a:r>
-              <a:rPr lang="en-US" dirty="0"/>
-              <a:t>Drug Crimes</a:t>
-            </a:r>
-          </a:p>
-          <a:p>
-            <a:r>
-              <a:rPr lang="en-US" dirty="0"/>
-              <a:t>Seizures</a:t>
-            </a:r>
-          </a:p>
-          <a:p>
-            <a:r>
-              <a:rPr lang="en-US" dirty="0"/>
-              <a:t>Incarcerations</a:t>
-            </a:r>
+            <a:endParaRPr lang="en-US"/>
           </a:p>
         </p:txBody>
       </p:sp>
     </p:spTree>
     <p:extLst>
       <p:ext uri="{BB962C8B-B14F-4D97-AF65-F5344CB8AC3E}">
-        <p14:creationId xmlns:p14="http://schemas.microsoft.com/office/powerpoint/2010/main" val="4093152138"/>
+        <p14:creationId xmlns:p14="http://schemas.microsoft.com/office/powerpoint/2010/main" val="4123774445"/>
       </p:ext>
     </p:extLst>
   </p:cSld>
@@ -4736,7 +4202,7 @@
           <p:cNvPr id="2" name="Title 1">
             <a:extLst>
               <a:ext uri="{FF2B5EF4-FFF2-40B4-BE49-F238E27FC236}">
-                <a16:creationId xmlns:a16="http://schemas.microsoft.com/office/drawing/2014/main" id="{928D831A-C46B-4F50-8A17-ACE2E596C857}"/>
+                <a16:creationId xmlns:a16="http://schemas.microsoft.com/office/drawing/2014/main" id="{68F51B7E-6C5E-453C-9709-A81FEEC7F70D}"/>
               </a:ext>
             </a:extLst>
           </p:cNvPr>
@@ -4752,7 +4218,15 @@
           <a:bodyPr/>
           <a:lstStyle/>
           <a:p>
-            <a:endParaRPr lang="en-US"/>
+            <a:r>
+              <a:rPr lang="en-US" dirty="0"/>
+              <a:t>Past Month Alcohol (CO, TX, USA) (18-25 year -</a:t>
+            </a:r>
+            <a:r>
+              <a:rPr lang="en-US" dirty="0" err="1"/>
+              <a:t>olds</a:t>
+            </a:r>
+            <a:endParaRPr lang="en-US" dirty="0"/>
           </a:p>
         </p:txBody>
       </p:sp>
@@ -4761,7 +4235,7 @@
           <p:cNvPr id="3" name="Content Placeholder 2">
             <a:extLst>
               <a:ext uri="{FF2B5EF4-FFF2-40B4-BE49-F238E27FC236}">
-                <a16:creationId xmlns:a16="http://schemas.microsoft.com/office/drawing/2014/main" id="{1C86AB34-1E54-470D-8427-2C98C9C92AFA}"/>
+                <a16:creationId xmlns:a16="http://schemas.microsoft.com/office/drawing/2014/main" id="{C2B28ABE-A92E-4C45-8FB7-87E1D3BF6B85}"/>
               </a:ext>
             </a:extLst>
           </p:cNvPr>
@@ -4777,14 +4251,17 @@
           <a:bodyPr/>
           <a:lstStyle/>
           <a:p>
-            <a:endParaRPr lang="en-US"/>
+            <a:pPr marL="0" indent="0">
+              <a:buNone/>
+            </a:pPr>
+            <a:endParaRPr lang="en-US" dirty="0"/>
           </a:p>
         </p:txBody>
       </p:sp>
     </p:spTree>
     <p:extLst>
       <p:ext uri="{BB962C8B-B14F-4D97-AF65-F5344CB8AC3E}">
-        <p14:creationId xmlns:p14="http://schemas.microsoft.com/office/powerpoint/2010/main" val="3625049697"/>
+        <p14:creationId xmlns:p14="http://schemas.microsoft.com/office/powerpoint/2010/main" val="266382367"/>
       </p:ext>
     </p:extLst>
   </p:cSld>
@@ -4816,7 +4293,7 @@
           <p:cNvPr id="2" name="Title 1">
             <a:extLst>
               <a:ext uri="{FF2B5EF4-FFF2-40B4-BE49-F238E27FC236}">
-                <a16:creationId xmlns:a16="http://schemas.microsoft.com/office/drawing/2014/main" id="{D4BA1E52-02FA-4F49-AB76-F1F01C2EBE61}"/>
+                <a16:creationId xmlns:a16="http://schemas.microsoft.com/office/drawing/2014/main" id="{2A1986E2-2D20-464C-8D85-760C2A30B892}"/>
               </a:ext>
             </a:extLst>
           </p:cNvPr>
@@ -4832,7 +4309,10 @@
           <a:bodyPr/>
           <a:lstStyle/>
           <a:p>
-            <a:endParaRPr lang="en-US"/>
+            <a:r>
+              <a:rPr lang="en-US" dirty="0"/>
+              <a:t>Mental Health Rates in Colorado (18-25 year old's) </a:t>
+            </a:r>
           </a:p>
         </p:txBody>
       </p:sp>
@@ -4841,7 +4321,7 @@
           <p:cNvPr id="3" name="Content Placeholder 2">
             <a:extLst>
               <a:ext uri="{FF2B5EF4-FFF2-40B4-BE49-F238E27FC236}">
-                <a16:creationId xmlns:a16="http://schemas.microsoft.com/office/drawing/2014/main" id="{E236DC44-C287-44AF-83BF-09FAC4189F4C}"/>
+                <a16:creationId xmlns:a16="http://schemas.microsoft.com/office/drawing/2014/main" id="{CC67D877-FCCC-4460-9B22-CA4EE41F171D}"/>
               </a:ext>
             </a:extLst>
           </p:cNvPr>
@@ -4864,7 +4344,7 @@
     </p:spTree>
     <p:extLst>
       <p:ext uri="{BB962C8B-B14F-4D97-AF65-F5344CB8AC3E}">
-        <p14:creationId xmlns:p14="http://schemas.microsoft.com/office/powerpoint/2010/main" val="1994539251"/>
+        <p14:creationId xmlns:p14="http://schemas.microsoft.com/office/powerpoint/2010/main" val="3814329659"/>
       </p:ext>
     </p:extLst>
   </p:cSld>

--- a/Outline.pptx
+++ b/Outline.pptx
@@ -269,7 +269,7 @@
           <a:p>
             <a:fld id="{7B0EAE80-6D99-41EF-BFA3-84B486674D07}" type="datetimeFigureOut">
               <a:rPr lang="en-US" smtClean="0"/>
-              <a:t>9/7/2019</a:t>
+              <a:t>9/8/2019</a:t>
             </a:fld>
             <a:endParaRPr lang="en-US"/>
           </a:p>
@@ -467,7 +467,7 @@
           <a:p>
             <a:fld id="{7B0EAE80-6D99-41EF-BFA3-84B486674D07}" type="datetimeFigureOut">
               <a:rPr lang="en-US" smtClean="0"/>
-              <a:t>9/7/2019</a:t>
+              <a:t>9/8/2019</a:t>
             </a:fld>
             <a:endParaRPr lang="en-US"/>
           </a:p>
@@ -675,7 +675,7 @@
           <a:p>
             <a:fld id="{7B0EAE80-6D99-41EF-BFA3-84B486674D07}" type="datetimeFigureOut">
               <a:rPr lang="en-US" smtClean="0"/>
-              <a:t>9/7/2019</a:t>
+              <a:t>9/8/2019</a:t>
             </a:fld>
             <a:endParaRPr lang="en-US"/>
           </a:p>
@@ -873,7 +873,7 @@
           <a:p>
             <a:fld id="{7B0EAE80-6D99-41EF-BFA3-84B486674D07}" type="datetimeFigureOut">
               <a:rPr lang="en-US" smtClean="0"/>
-              <a:t>9/7/2019</a:t>
+              <a:t>9/8/2019</a:t>
             </a:fld>
             <a:endParaRPr lang="en-US"/>
           </a:p>
@@ -1148,7 +1148,7 @@
           <a:p>
             <a:fld id="{7B0EAE80-6D99-41EF-BFA3-84B486674D07}" type="datetimeFigureOut">
               <a:rPr lang="en-US" smtClean="0"/>
-              <a:t>9/7/2019</a:t>
+              <a:t>9/8/2019</a:t>
             </a:fld>
             <a:endParaRPr lang="en-US"/>
           </a:p>
@@ -1413,7 +1413,7 @@
           <a:p>
             <a:fld id="{7B0EAE80-6D99-41EF-BFA3-84B486674D07}" type="datetimeFigureOut">
               <a:rPr lang="en-US" smtClean="0"/>
-              <a:t>9/7/2019</a:t>
+              <a:t>9/8/2019</a:t>
             </a:fld>
             <a:endParaRPr lang="en-US"/>
           </a:p>
@@ -1825,7 +1825,7 @@
           <a:p>
             <a:fld id="{7B0EAE80-6D99-41EF-BFA3-84B486674D07}" type="datetimeFigureOut">
               <a:rPr lang="en-US" smtClean="0"/>
-              <a:t>9/7/2019</a:t>
+              <a:t>9/8/2019</a:t>
             </a:fld>
             <a:endParaRPr lang="en-US"/>
           </a:p>
@@ -1966,7 +1966,7 @@
           <a:p>
             <a:fld id="{7B0EAE80-6D99-41EF-BFA3-84B486674D07}" type="datetimeFigureOut">
               <a:rPr lang="en-US" smtClean="0"/>
-              <a:t>9/7/2019</a:t>
+              <a:t>9/8/2019</a:t>
             </a:fld>
             <a:endParaRPr lang="en-US"/>
           </a:p>
@@ -2079,7 +2079,7 @@
           <a:p>
             <a:fld id="{7B0EAE80-6D99-41EF-BFA3-84B486674D07}" type="datetimeFigureOut">
               <a:rPr lang="en-US" smtClean="0"/>
-              <a:t>9/7/2019</a:t>
+              <a:t>9/8/2019</a:t>
             </a:fld>
             <a:endParaRPr lang="en-US"/>
           </a:p>
@@ -2390,7 +2390,7 @@
           <a:p>
             <a:fld id="{7B0EAE80-6D99-41EF-BFA3-84B486674D07}" type="datetimeFigureOut">
               <a:rPr lang="en-US" smtClean="0"/>
-              <a:t>9/7/2019</a:t>
+              <a:t>9/8/2019</a:t>
             </a:fld>
             <a:endParaRPr lang="en-US"/>
           </a:p>
@@ -2678,7 +2678,7 @@
           <a:p>
             <a:fld id="{7B0EAE80-6D99-41EF-BFA3-84B486674D07}" type="datetimeFigureOut">
               <a:rPr lang="en-US" smtClean="0"/>
-              <a:t>9/7/2019</a:t>
+              <a:t>9/8/2019</a:t>
             </a:fld>
             <a:endParaRPr lang="en-US"/>
           </a:p>
@@ -2919,7 +2919,7 @@
           <a:p>
             <a:fld id="{7B0EAE80-6D99-41EF-BFA3-84B486674D07}" type="datetimeFigureOut">
               <a:rPr lang="en-US" smtClean="0"/>
-              <a:t>9/7/2019</a:t>
+              <a:t>9/8/2019</a:t>
             </a:fld>
             <a:endParaRPr lang="en-US"/>
           </a:p>
@@ -3742,72 +3742,42 @@
           <a:chExt cx="0" cy="0"/>
         </a:xfrm>
       </p:grpSpPr>
-      <p:sp>
-        <p:nvSpPr>
-          <p:cNvPr id="2" name="Title 1">
-            <a:extLst>
-              <a:ext uri="{FF2B5EF4-FFF2-40B4-BE49-F238E27FC236}">
-                <a16:creationId xmlns:a16="http://schemas.microsoft.com/office/drawing/2014/main" id="{CFBFB9D5-D642-4F25-AE81-077EA0FA0322}"/>
-              </a:ext>
-            </a:extLst>
-          </p:cNvPr>
-          <p:cNvSpPr>
-            <a:spLocks noGrp="1"/>
-          </p:cNvSpPr>
-          <p:nvPr>
-            <p:ph type="title"/>
-          </p:nvPr>
-        </p:nvSpPr>
+      <p:pic>
+        <p:nvPicPr>
+          <p:cNvPr id="5" name="Picture 4" descr="A close up of a map&#10;&#10;Description automatically generated">
+            <a:extLst>
+              <a:ext uri="{FF2B5EF4-FFF2-40B4-BE49-F238E27FC236}">
+                <a16:creationId xmlns:a16="http://schemas.microsoft.com/office/drawing/2014/main" id="{1ECD7DCA-2404-448C-9F07-BB80F10835B9}"/>
+              </a:ext>
+            </a:extLst>
+          </p:cNvPr>
+          <p:cNvPicPr>
+            <a:picLocks noChangeAspect="1"/>
+          </p:cNvPicPr>
+          <p:nvPr/>
+        </p:nvPicPr>
+        <p:blipFill>
+          <a:blip r:embed="rId2">
+            <a:extLst>
+              <a:ext uri="{28A0092B-C50C-407E-A947-70E740481C1C}">
+                <a14:useLocalDpi xmlns:a14="http://schemas.microsoft.com/office/drawing/2010/main" val="0"/>
+              </a:ext>
+            </a:extLst>
+          </a:blip>
+          <a:stretch>
+            <a:fillRect/>
+          </a:stretch>
+        </p:blipFill>
         <p:spPr>
           <a:xfrm>
-            <a:off x="838200" y="175580"/>
-            <a:ext cx="10515600" cy="1010914"/>
+            <a:off x="85725" y="264850"/>
+            <a:ext cx="12192000" cy="6096000"/>
           </a:xfrm>
+          <a:prstGeom prst="rect">
+            <a:avLst/>
+          </a:prstGeom>
         </p:spPr>
-        <p:txBody>
-          <a:bodyPr/>
-          <a:lstStyle/>
-          <a:p>
-            <a:r>
-              <a:rPr lang="en-US" dirty="0"/>
-              <a:t>First time marijuana use in Colorado by Age </a:t>
-            </a:r>
-          </a:p>
-        </p:txBody>
-      </p:sp>
-      <p:sp>
-        <p:nvSpPr>
-          <p:cNvPr id="3" name="Content Placeholder 2">
-            <a:extLst>
-              <a:ext uri="{FF2B5EF4-FFF2-40B4-BE49-F238E27FC236}">
-                <a16:creationId xmlns:a16="http://schemas.microsoft.com/office/drawing/2014/main" id="{7FB4FEF1-E992-45C8-A0D7-9FE44FF99750}"/>
-              </a:ext>
-            </a:extLst>
-          </p:cNvPr>
-          <p:cNvSpPr>
-            <a:spLocks noGrp="1"/>
-          </p:cNvSpPr>
-          <p:nvPr>
-            <p:ph idx="1"/>
-          </p:nvPr>
-        </p:nvSpPr>
-        <p:spPr>
-          <a:xfrm>
-            <a:off x="838200" y="1331650"/>
-            <a:ext cx="10515600" cy="4845313"/>
-          </a:xfrm>
-        </p:spPr>
-        <p:txBody>
-          <a:bodyPr/>
-          <a:lstStyle/>
-          <a:p>
-            <a:r>
-              <a:rPr lang="en-US" dirty="0"/>
-              <a:t>Now going to focus on ages 18-25</a:t>
-            </a:r>
-          </a:p>
-        </p:txBody>
-      </p:sp>
+      </p:pic>
     </p:spTree>
     <p:extLst>
       <p:ext uri="{BB962C8B-B14F-4D97-AF65-F5344CB8AC3E}">
@@ -3866,34 +3836,42 @@
           </a:p>
         </p:txBody>
       </p:sp>
-      <p:sp>
-        <p:nvSpPr>
-          <p:cNvPr id="3" name="Content Placeholder 2">
-            <a:extLst>
-              <a:ext uri="{FF2B5EF4-FFF2-40B4-BE49-F238E27FC236}">
-                <a16:creationId xmlns:a16="http://schemas.microsoft.com/office/drawing/2014/main" id="{EC9ECDD0-E055-4470-A71B-C39525F50C8B}"/>
-              </a:ext>
-            </a:extLst>
-          </p:cNvPr>
-          <p:cNvSpPr>
-            <a:spLocks noGrp="1"/>
-          </p:cNvSpPr>
-          <p:nvPr>
-            <p:ph idx="1"/>
-          </p:nvPr>
-        </p:nvSpPr>
-        <p:spPr/>
-        <p:txBody>
-          <a:bodyPr/>
-          <a:lstStyle/>
-          <a:p>
-            <a:r>
-              <a:rPr lang="en-US" dirty="0"/>
-              <a:t>Show first time use (18-25) comparing CO, TX, U.S.A. </a:t>
-            </a:r>
-          </a:p>
-        </p:txBody>
-      </p:sp>
+      <p:pic>
+        <p:nvPicPr>
+          <p:cNvPr id="5" name="Picture 4" descr="A close up of a map&#10;&#10;Description automatically generated">
+            <a:extLst>
+              <a:ext uri="{FF2B5EF4-FFF2-40B4-BE49-F238E27FC236}">
+                <a16:creationId xmlns:a16="http://schemas.microsoft.com/office/drawing/2014/main" id="{E8A6C530-C1F0-4543-8D95-6EBAE5B0AAA9}"/>
+              </a:ext>
+            </a:extLst>
+          </p:cNvPr>
+          <p:cNvPicPr>
+            <a:picLocks noChangeAspect="1"/>
+          </p:cNvPicPr>
+          <p:nvPr/>
+        </p:nvPicPr>
+        <p:blipFill>
+          <a:blip r:embed="rId2">
+            <a:extLst>
+              <a:ext uri="{28A0092B-C50C-407E-A947-70E740481C1C}">
+                <a14:useLocalDpi xmlns:a14="http://schemas.microsoft.com/office/drawing/2010/main" val="0"/>
+              </a:ext>
+            </a:extLst>
+          </a:blip>
+          <a:stretch>
+            <a:fillRect/>
+          </a:stretch>
+        </p:blipFill>
+        <p:spPr>
+          <a:xfrm>
+            <a:off x="133350" y="152400"/>
+            <a:ext cx="12192000" cy="6096000"/>
+          </a:xfrm>
+          <a:prstGeom prst="rect">
+            <a:avLst/>
+          </a:prstGeom>
+        </p:spPr>
+      </p:pic>
     </p:spTree>
     <p:extLst>
       <p:ext uri="{BB962C8B-B14F-4D97-AF65-F5344CB8AC3E}">
@@ -3960,31 +3938,41 @@
           </a:p>
         </p:txBody>
       </p:sp>
-      <p:sp>
-        <p:nvSpPr>
-          <p:cNvPr id="3" name="Content Placeholder 2">
-            <a:extLst>
-              <a:ext uri="{FF2B5EF4-FFF2-40B4-BE49-F238E27FC236}">
-                <a16:creationId xmlns:a16="http://schemas.microsoft.com/office/drawing/2014/main" id="{BC22D926-D2BF-4891-B26E-3587A4E27C7F}"/>
-              </a:ext>
-            </a:extLst>
-          </p:cNvPr>
-          <p:cNvSpPr>
-            <a:spLocks noGrp="1"/>
-          </p:cNvSpPr>
+      <p:pic>
+        <p:nvPicPr>
+          <p:cNvPr id="5" name="Content Placeholder 4" descr="A screenshot of a cell phone&#10;&#10;Description automatically generated">
+            <a:extLst>
+              <a:ext uri="{FF2B5EF4-FFF2-40B4-BE49-F238E27FC236}">
+                <a16:creationId xmlns:a16="http://schemas.microsoft.com/office/drawing/2014/main" id="{EFEE39AA-2E0D-4EEA-9A7A-93E6EF581F97}"/>
+              </a:ext>
+            </a:extLst>
+          </p:cNvPr>
+          <p:cNvPicPr>
+            <a:picLocks noGrp="1" noChangeAspect="1"/>
+          </p:cNvPicPr>
           <p:nvPr>
             <p:ph idx="1"/>
           </p:nvPr>
-        </p:nvSpPr>
-        <p:spPr/>
-        <p:txBody>
-          <a:bodyPr/>
-          <a:lstStyle/>
-          <a:p>
-            <a:endParaRPr lang="en-US"/>
-          </a:p>
-        </p:txBody>
-      </p:sp>
+        </p:nvPicPr>
+        <p:blipFill>
+          <a:blip r:embed="rId2">
+            <a:extLst>
+              <a:ext uri="{28A0092B-C50C-407E-A947-70E740481C1C}">
+                <a14:useLocalDpi xmlns:a14="http://schemas.microsoft.com/office/drawing/2010/main" val="0"/>
+              </a:ext>
+            </a:extLst>
+          </a:blip>
+          <a:stretch>
+            <a:fillRect/>
+          </a:stretch>
+        </p:blipFill>
+        <p:spPr>
+          <a:xfrm>
+            <a:off x="1744662" y="1825625"/>
+            <a:ext cx="8702675" cy="4351338"/>
+          </a:xfrm>
+        </p:spPr>
+      </p:pic>
     </p:spTree>
     <p:extLst>
       <p:ext uri="{BB962C8B-B14F-4D97-AF65-F5344CB8AC3E}">

--- a/Outline.pptx
+++ b/Outline.pptx
@@ -15,7 +15,7 @@
     <p:sldId id="279" r:id="rId9"/>
     <p:sldId id="280" r:id="rId10"/>
     <p:sldId id="281" r:id="rId11"/>
-    <p:sldId id="282" r:id="rId12"/>
+    <p:sldId id="283" r:id="rId12"/>
   </p:sldIdLst>
   <p:sldSz cx="12192000" cy="6858000"/>
   <p:notesSz cx="6858000" cy="9144000"/>
@@ -3459,31 +3459,41 @@
           </a:p>
         </p:txBody>
       </p:sp>
-      <p:sp>
-        <p:nvSpPr>
-          <p:cNvPr id="3" name="Content Placeholder 2">
-            <a:extLst>
-              <a:ext uri="{FF2B5EF4-FFF2-40B4-BE49-F238E27FC236}">
-                <a16:creationId xmlns:a16="http://schemas.microsoft.com/office/drawing/2014/main" id="{6E5193A6-11CE-4812-AD5D-310D756CF709}"/>
-              </a:ext>
-            </a:extLst>
-          </p:cNvPr>
-          <p:cNvSpPr>
-            <a:spLocks noGrp="1"/>
-          </p:cNvSpPr>
+      <p:pic>
+        <p:nvPicPr>
+          <p:cNvPr id="5" name="Content Placeholder 4" descr="A close up of a map&#10;&#10;Description automatically generated">
+            <a:extLst>
+              <a:ext uri="{FF2B5EF4-FFF2-40B4-BE49-F238E27FC236}">
+                <a16:creationId xmlns:a16="http://schemas.microsoft.com/office/drawing/2014/main" id="{2EF3CA1B-0010-4B15-8044-0659A161557F}"/>
+              </a:ext>
+            </a:extLst>
+          </p:cNvPr>
+          <p:cNvPicPr>
+            <a:picLocks noGrp="1" noChangeAspect="1"/>
+          </p:cNvPicPr>
           <p:nvPr>
             <p:ph idx="1"/>
           </p:nvPr>
-        </p:nvSpPr>
-        <p:spPr/>
-        <p:txBody>
-          <a:bodyPr/>
-          <a:lstStyle/>
-          <a:p>
-            <a:endParaRPr lang="en-US"/>
-          </a:p>
-        </p:txBody>
-      </p:sp>
+        </p:nvPicPr>
+        <p:blipFill>
+          <a:blip r:embed="rId2">
+            <a:extLst>
+              <a:ext uri="{28A0092B-C50C-407E-A947-70E740481C1C}">
+                <a14:useLocalDpi xmlns:a14="http://schemas.microsoft.com/office/drawing/2010/main" val="0"/>
+              </a:ext>
+            </a:extLst>
+          </a:blip>
+          <a:stretch>
+            <a:fillRect/>
+          </a:stretch>
+        </p:blipFill>
+        <p:spPr>
+          <a:xfrm>
+            <a:off x="1744662" y="1825625"/>
+            <a:ext cx="8702675" cy="4351338"/>
+          </a:xfrm>
+        </p:spPr>
+      </p:pic>
     </p:spTree>
     <p:extLst>
       <p:ext uri="{BB962C8B-B14F-4D97-AF65-F5344CB8AC3E}">
@@ -3519,7 +3529,7 @@
           <p:cNvPr id="2" name="Title 1">
             <a:extLst>
               <a:ext uri="{FF2B5EF4-FFF2-40B4-BE49-F238E27FC236}">
-                <a16:creationId xmlns:a16="http://schemas.microsoft.com/office/drawing/2014/main" id="{5C97F00A-675F-49A6-B35B-52A0B6EAACDD}"/>
+                <a16:creationId xmlns:a16="http://schemas.microsoft.com/office/drawing/2014/main" id="{C542EA52-0065-4106-956F-A6D2E28ED534}"/>
               </a:ext>
             </a:extLst>
           </p:cNvPr>
@@ -3535,42 +3545,49 @@
           <a:bodyPr/>
           <a:lstStyle/>
           <a:p>
-            <a:r>
-              <a:rPr lang="en-US" dirty="0"/>
-              <a:t>Incarceration Rates </a:t>
-            </a:r>
-          </a:p>
-        </p:txBody>
-      </p:sp>
-      <p:sp>
-        <p:nvSpPr>
-          <p:cNvPr id="3" name="Content Placeholder 2">
-            <a:extLst>
-              <a:ext uri="{FF2B5EF4-FFF2-40B4-BE49-F238E27FC236}">
-                <a16:creationId xmlns:a16="http://schemas.microsoft.com/office/drawing/2014/main" id="{7CEFFC6E-F62A-4369-9023-9BAC0B3C08E6}"/>
-              </a:ext>
-            </a:extLst>
-          </p:cNvPr>
-          <p:cNvSpPr>
-            <a:spLocks noGrp="1"/>
-          </p:cNvSpPr>
+            <a:endParaRPr lang="en-US"/>
+          </a:p>
+        </p:txBody>
+      </p:sp>
+      <p:pic>
+        <p:nvPicPr>
+          <p:cNvPr id="5" name="Content Placeholder 4" descr="A close up of a map&#10;&#10;Description automatically generated">
+            <a:extLst>
+              <a:ext uri="{FF2B5EF4-FFF2-40B4-BE49-F238E27FC236}">
+                <a16:creationId xmlns:a16="http://schemas.microsoft.com/office/drawing/2014/main" id="{56F2EFAA-D0DA-420F-A085-4C316D29D81B}"/>
+              </a:ext>
+            </a:extLst>
+          </p:cNvPr>
+          <p:cNvPicPr>
+            <a:picLocks noGrp="1" noChangeAspect="1"/>
+          </p:cNvPicPr>
           <p:nvPr>
             <p:ph idx="1"/>
           </p:nvPr>
-        </p:nvSpPr>
-        <p:spPr/>
-        <p:txBody>
-          <a:bodyPr/>
-          <a:lstStyle/>
-          <a:p>
-            <a:endParaRPr lang="en-US"/>
-          </a:p>
-        </p:txBody>
-      </p:sp>
+        </p:nvPicPr>
+        <p:blipFill>
+          <a:blip r:embed="rId2">
+            <a:extLst>
+              <a:ext uri="{28A0092B-C50C-407E-A947-70E740481C1C}">
+                <a14:useLocalDpi xmlns:a14="http://schemas.microsoft.com/office/drawing/2010/main" val="0"/>
+              </a:ext>
+            </a:extLst>
+          </a:blip>
+          <a:stretch>
+            <a:fillRect/>
+          </a:stretch>
+        </p:blipFill>
+        <p:spPr>
+          <a:xfrm>
+            <a:off x="1744662" y="1825625"/>
+            <a:ext cx="8702676" cy="4351338"/>
+          </a:xfrm>
+        </p:spPr>
+      </p:pic>
     </p:spTree>
     <p:extLst>
       <p:ext uri="{BB962C8B-B14F-4D97-AF65-F5344CB8AC3E}">
-        <p14:creationId xmlns:p14="http://schemas.microsoft.com/office/powerpoint/2010/main" val="2240890817"/>
+        <p14:creationId xmlns:p14="http://schemas.microsoft.com/office/powerpoint/2010/main" val="387460410"/>
       </p:ext>
     </p:extLst>
   </p:cSld>
@@ -4039,31 +4056,41 @@
           </a:p>
         </p:txBody>
       </p:sp>
-      <p:sp>
-        <p:nvSpPr>
-          <p:cNvPr id="3" name="Content Placeholder 2">
-            <a:extLst>
-              <a:ext uri="{FF2B5EF4-FFF2-40B4-BE49-F238E27FC236}">
-                <a16:creationId xmlns:a16="http://schemas.microsoft.com/office/drawing/2014/main" id="{716EEF3C-6C01-4349-A8CF-47929A9AF53D}"/>
-              </a:ext>
-            </a:extLst>
-          </p:cNvPr>
-          <p:cNvSpPr>
-            <a:spLocks noGrp="1"/>
-          </p:cNvSpPr>
+      <p:pic>
+        <p:nvPicPr>
+          <p:cNvPr id="5" name="Content Placeholder 4" descr="A close up of a map&#10;&#10;Description automatically generated">
+            <a:extLst>
+              <a:ext uri="{FF2B5EF4-FFF2-40B4-BE49-F238E27FC236}">
+                <a16:creationId xmlns:a16="http://schemas.microsoft.com/office/drawing/2014/main" id="{A23691B6-8CFD-4262-91EB-5E6934A04AEB}"/>
+              </a:ext>
+            </a:extLst>
+          </p:cNvPr>
+          <p:cNvPicPr>
+            <a:picLocks noGrp="1" noChangeAspect="1"/>
+          </p:cNvPicPr>
           <p:nvPr>
             <p:ph idx="1"/>
           </p:nvPr>
-        </p:nvSpPr>
-        <p:spPr/>
-        <p:txBody>
-          <a:bodyPr/>
-          <a:lstStyle/>
-          <a:p>
-            <a:endParaRPr lang="en-US"/>
-          </a:p>
-        </p:txBody>
-      </p:sp>
+        </p:nvPicPr>
+        <p:blipFill>
+          <a:blip r:embed="rId2">
+            <a:extLst>
+              <a:ext uri="{28A0092B-C50C-407E-A947-70E740481C1C}">
+                <a14:useLocalDpi xmlns:a14="http://schemas.microsoft.com/office/drawing/2010/main" val="0"/>
+              </a:ext>
+            </a:extLst>
+          </a:blip>
+          <a:stretch>
+            <a:fillRect/>
+          </a:stretch>
+        </p:blipFill>
+        <p:spPr>
+          <a:xfrm>
+            <a:off x="1744662" y="1825625"/>
+            <a:ext cx="8702675" cy="4351338"/>
+          </a:xfrm>
+        </p:spPr>
+      </p:pic>
     </p:spTree>
     <p:extLst>
       <p:ext uri="{BB962C8B-B14F-4D97-AF65-F5344CB8AC3E}">
@@ -4130,31 +4157,41 @@
           </a:p>
         </p:txBody>
       </p:sp>
-      <p:sp>
-        <p:nvSpPr>
-          <p:cNvPr id="3" name="Content Placeholder 2">
-            <a:extLst>
-              <a:ext uri="{FF2B5EF4-FFF2-40B4-BE49-F238E27FC236}">
-                <a16:creationId xmlns:a16="http://schemas.microsoft.com/office/drawing/2014/main" id="{C4665FAE-941D-4766-8317-F0D8758D0045}"/>
-              </a:ext>
-            </a:extLst>
-          </p:cNvPr>
-          <p:cNvSpPr>
-            <a:spLocks noGrp="1"/>
-          </p:cNvSpPr>
+      <p:pic>
+        <p:nvPicPr>
+          <p:cNvPr id="5" name="Content Placeholder 4" descr="A close up of a map&#10;&#10;Description automatically generated">
+            <a:extLst>
+              <a:ext uri="{FF2B5EF4-FFF2-40B4-BE49-F238E27FC236}">
+                <a16:creationId xmlns:a16="http://schemas.microsoft.com/office/drawing/2014/main" id="{8EFCCDEC-0082-4972-8EA6-8BC989DABDD0}"/>
+              </a:ext>
+            </a:extLst>
+          </p:cNvPr>
+          <p:cNvPicPr>
+            <a:picLocks noGrp="1" noChangeAspect="1"/>
+          </p:cNvPicPr>
           <p:nvPr>
             <p:ph idx="1"/>
           </p:nvPr>
-        </p:nvSpPr>
-        <p:spPr/>
-        <p:txBody>
-          <a:bodyPr/>
-          <a:lstStyle/>
-          <a:p>
-            <a:endParaRPr lang="en-US"/>
-          </a:p>
-        </p:txBody>
-      </p:sp>
+        </p:nvPicPr>
+        <p:blipFill>
+          <a:blip r:embed="rId2">
+            <a:extLst>
+              <a:ext uri="{28A0092B-C50C-407E-A947-70E740481C1C}">
+                <a14:useLocalDpi xmlns:a14="http://schemas.microsoft.com/office/drawing/2010/main" val="0"/>
+              </a:ext>
+            </a:extLst>
+          </a:blip>
+          <a:stretch>
+            <a:fillRect/>
+          </a:stretch>
+        </p:blipFill>
+        <p:spPr>
+          <a:xfrm>
+            <a:off x="1744662" y="1825625"/>
+            <a:ext cx="8702675" cy="4351338"/>
+          </a:xfrm>
+        </p:spPr>
+      </p:pic>
     </p:spTree>
     <p:extLst>
       <p:ext uri="{BB962C8B-B14F-4D97-AF65-F5344CB8AC3E}">
@@ -4218,34 +4255,41 @@
           </a:p>
         </p:txBody>
       </p:sp>
-      <p:sp>
-        <p:nvSpPr>
-          <p:cNvPr id="3" name="Content Placeholder 2">
-            <a:extLst>
-              <a:ext uri="{FF2B5EF4-FFF2-40B4-BE49-F238E27FC236}">
-                <a16:creationId xmlns:a16="http://schemas.microsoft.com/office/drawing/2014/main" id="{C2B28ABE-A92E-4C45-8FB7-87E1D3BF6B85}"/>
-              </a:ext>
-            </a:extLst>
-          </p:cNvPr>
-          <p:cNvSpPr>
-            <a:spLocks noGrp="1"/>
-          </p:cNvSpPr>
+      <p:pic>
+        <p:nvPicPr>
+          <p:cNvPr id="9" name="Content Placeholder 8" descr="A close up of a map&#10;&#10;Description automatically generated">
+            <a:extLst>
+              <a:ext uri="{FF2B5EF4-FFF2-40B4-BE49-F238E27FC236}">
+                <a16:creationId xmlns:a16="http://schemas.microsoft.com/office/drawing/2014/main" id="{6A99171C-4DF0-4422-8E26-7011BDBE4B8E}"/>
+              </a:ext>
+            </a:extLst>
+          </p:cNvPr>
+          <p:cNvPicPr>
+            <a:picLocks noGrp="1" noChangeAspect="1"/>
+          </p:cNvPicPr>
           <p:nvPr>
             <p:ph idx="1"/>
           </p:nvPr>
-        </p:nvSpPr>
-        <p:spPr/>
-        <p:txBody>
-          <a:bodyPr/>
-          <a:lstStyle/>
-          <a:p>
-            <a:pPr marL="0" indent="0">
-              <a:buNone/>
-            </a:pPr>
-            <a:endParaRPr lang="en-US" dirty="0"/>
-          </a:p>
-        </p:txBody>
-      </p:sp>
+        </p:nvPicPr>
+        <p:blipFill>
+          <a:blip r:embed="rId2">
+            <a:extLst>
+              <a:ext uri="{28A0092B-C50C-407E-A947-70E740481C1C}">
+                <a14:useLocalDpi xmlns:a14="http://schemas.microsoft.com/office/drawing/2010/main" val="0"/>
+              </a:ext>
+            </a:extLst>
+          </a:blip>
+          <a:stretch>
+            <a:fillRect/>
+          </a:stretch>
+        </p:blipFill>
+        <p:spPr>
+          <a:xfrm>
+            <a:off x="1744662" y="1825625"/>
+            <a:ext cx="8702675" cy="4351338"/>
+          </a:xfrm>
+        </p:spPr>
+      </p:pic>
     </p:spTree>
     <p:extLst>
       <p:ext uri="{BB962C8B-B14F-4D97-AF65-F5344CB8AC3E}">
@@ -4304,31 +4348,41 @@
           </a:p>
         </p:txBody>
       </p:sp>
-      <p:sp>
-        <p:nvSpPr>
-          <p:cNvPr id="3" name="Content Placeholder 2">
-            <a:extLst>
-              <a:ext uri="{FF2B5EF4-FFF2-40B4-BE49-F238E27FC236}">
-                <a16:creationId xmlns:a16="http://schemas.microsoft.com/office/drawing/2014/main" id="{CC67D877-FCCC-4460-9B22-CA4EE41F171D}"/>
-              </a:ext>
-            </a:extLst>
-          </p:cNvPr>
-          <p:cNvSpPr>
-            <a:spLocks noGrp="1"/>
-          </p:cNvSpPr>
+      <p:pic>
+        <p:nvPicPr>
+          <p:cNvPr id="5" name="Content Placeholder 4" descr="A close up of a map&#10;&#10;Description automatically generated">
+            <a:extLst>
+              <a:ext uri="{FF2B5EF4-FFF2-40B4-BE49-F238E27FC236}">
+                <a16:creationId xmlns:a16="http://schemas.microsoft.com/office/drawing/2014/main" id="{0700057A-DF67-4AF9-9CDA-2BE2DC3EA12C}"/>
+              </a:ext>
+            </a:extLst>
+          </p:cNvPr>
+          <p:cNvPicPr>
+            <a:picLocks noGrp="1" noChangeAspect="1"/>
+          </p:cNvPicPr>
           <p:nvPr>
             <p:ph idx="1"/>
           </p:nvPr>
-        </p:nvSpPr>
-        <p:spPr/>
-        <p:txBody>
-          <a:bodyPr/>
-          <a:lstStyle/>
-          <a:p>
-            <a:endParaRPr lang="en-US"/>
-          </a:p>
-        </p:txBody>
-      </p:sp>
+        </p:nvPicPr>
+        <p:blipFill>
+          <a:blip r:embed="rId2">
+            <a:extLst>
+              <a:ext uri="{28A0092B-C50C-407E-A947-70E740481C1C}">
+                <a14:useLocalDpi xmlns:a14="http://schemas.microsoft.com/office/drawing/2010/main" val="0"/>
+              </a:ext>
+            </a:extLst>
+          </a:blip>
+          <a:stretch>
+            <a:fillRect/>
+          </a:stretch>
+        </p:blipFill>
+        <p:spPr>
+          <a:xfrm>
+            <a:off x="1744662" y="1825625"/>
+            <a:ext cx="8702675" cy="4351338"/>
+          </a:xfrm>
+        </p:spPr>
+      </p:pic>
     </p:spTree>
     <p:extLst>
       <p:ext uri="{BB962C8B-B14F-4D97-AF65-F5344CB8AC3E}">

--- a/Outline.pptx
+++ b/Outline.pptx
@@ -4058,10 +4058,10 @@
       </p:sp>
       <p:pic>
         <p:nvPicPr>
-          <p:cNvPr id="5" name="Content Placeholder 4" descr="A close up of a map&#10;&#10;Description automatically generated">
-            <a:extLst>
-              <a:ext uri="{FF2B5EF4-FFF2-40B4-BE49-F238E27FC236}">
-                <a16:creationId xmlns:a16="http://schemas.microsoft.com/office/drawing/2014/main" id="{A23691B6-8CFD-4262-91EB-5E6934A04AEB}"/>
+          <p:cNvPr id="7" name="Content Placeholder 6" descr="A close up of a logo&#10;&#10;Description automatically generated">
+            <a:extLst>
+              <a:ext uri="{FF2B5EF4-FFF2-40B4-BE49-F238E27FC236}">
+                <a16:creationId xmlns:a16="http://schemas.microsoft.com/office/drawing/2014/main" id="{1B16CFFD-B903-46F7-9E56-586F3C4A1350}"/>
               </a:ext>
             </a:extLst>
           </p:cNvPr>
@@ -4159,10 +4159,10 @@
       </p:sp>
       <p:pic>
         <p:nvPicPr>
-          <p:cNvPr id="5" name="Content Placeholder 4" descr="A close up of a map&#10;&#10;Description automatically generated">
-            <a:extLst>
-              <a:ext uri="{FF2B5EF4-FFF2-40B4-BE49-F238E27FC236}">
-                <a16:creationId xmlns:a16="http://schemas.microsoft.com/office/drawing/2014/main" id="{8EFCCDEC-0082-4972-8EA6-8BC989DABDD0}"/>
+          <p:cNvPr id="7" name="Content Placeholder 6" descr="A screenshot of a cell phone&#10;&#10;Description automatically generated">
+            <a:extLst>
+              <a:ext uri="{FF2B5EF4-FFF2-40B4-BE49-F238E27FC236}">
+                <a16:creationId xmlns:a16="http://schemas.microsoft.com/office/drawing/2014/main" id="{6A2FFB8A-5AA1-4234-98F6-A2D2D62DF0FF}"/>
               </a:ext>
             </a:extLst>
           </p:cNvPr>
@@ -4257,10 +4257,10 @@
       </p:sp>
       <p:pic>
         <p:nvPicPr>
-          <p:cNvPr id="9" name="Content Placeholder 8" descr="A close up of a map&#10;&#10;Description automatically generated">
-            <a:extLst>
-              <a:ext uri="{FF2B5EF4-FFF2-40B4-BE49-F238E27FC236}">
-                <a16:creationId xmlns:a16="http://schemas.microsoft.com/office/drawing/2014/main" id="{6A99171C-4DF0-4422-8E26-7011BDBE4B8E}"/>
+          <p:cNvPr id="6" name="Content Placeholder 5" descr="A screenshot of a cell phone&#10;&#10;Description automatically generated">
+            <a:extLst>
+              <a:ext uri="{FF2B5EF4-FFF2-40B4-BE49-F238E27FC236}">
+                <a16:creationId xmlns:a16="http://schemas.microsoft.com/office/drawing/2014/main" id="{6896006C-8879-4A09-A2BF-53B3644BD50B}"/>
               </a:ext>
             </a:extLst>
           </p:cNvPr>

--- a/Outline.pptx
+++ b/Outline.pptx
@@ -16,6 +16,7 @@
     <p:sldId id="280" r:id="rId10"/>
     <p:sldId id="281" r:id="rId11"/>
     <p:sldId id="283" r:id="rId12"/>
+    <p:sldId id="284" r:id="rId13"/>
   </p:sldIdLst>
   <p:sldSz cx="12192000" cy="6858000"/>
   <p:notesSz cx="6858000" cy="9144000"/>
@@ -269,7 +270,7 @@
           <a:p>
             <a:fld id="{7B0EAE80-6D99-41EF-BFA3-84B486674D07}" type="datetimeFigureOut">
               <a:rPr lang="en-US" smtClean="0"/>
-              <a:t>9/8/2019</a:t>
+              <a:t>9/9/2019</a:t>
             </a:fld>
             <a:endParaRPr lang="en-US"/>
           </a:p>
@@ -467,7 +468,7 @@
           <a:p>
             <a:fld id="{7B0EAE80-6D99-41EF-BFA3-84B486674D07}" type="datetimeFigureOut">
               <a:rPr lang="en-US" smtClean="0"/>
-              <a:t>9/8/2019</a:t>
+              <a:t>9/9/2019</a:t>
             </a:fld>
             <a:endParaRPr lang="en-US"/>
           </a:p>
@@ -675,7 +676,7 @@
           <a:p>
             <a:fld id="{7B0EAE80-6D99-41EF-BFA3-84B486674D07}" type="datetimeFigureOut">
               <a:rPr lang="en-US" smtClean="0"/>
-              <a:t>9/8/2019</a:t>
+              <a:t>9/9/2019</a:t>
             </a:fld>
             <a:endParaRPr lang="en-US"/>
           </a:p>
@@ -873,7 +874,7 @@
           <a:p>
             <a:fld id="{7B0EAE80-6D99-41EF-BFA3-84B486674D07}" type="datetimeFigureOut">
               <a:rPr lang="en-US" smtClean="0"/>
-              <a:t>9/8/2019</a:t>
+              <a:t>9/9/2019</a:t>
             </a:fld>
             <a:endParaRPr lang="en-US"/>
           </a:p>
@@ -1148,7 +1149,7 @@
           <a:p>
             <a:fld id="{7B0EAE80-6D99-41EF-BFA3-84B486674D07}" type="datetimeFigureOut">
               <a:rPr lang="en-US" smtClean="0"/>
-              <a:t>9/8/2019</a:t>
+              <a:t>9/9/2019</a:t>
             </a:fld>
             <a:endParaRPr lang="en-US"/>
           </a:p>
@@ -1413,7 +1414,7 @@
           <a:p>
             <a:fld id="{7B0EAE80-6D99-41EF-BFA3-84B486674D07}" type="datetimeFigureOut">
               <a:rPr lang="en-US" smtClean="0"/>
-              <a:t>9/8/2019</a:t>
+              <a:t>9/9/2019</a:t>
             </a:fld>
             <a:endParaRPr lang="en-US"/>
           </a:p>
@@ -1825,7 +1826,7 @@
           <a:p>
             <a:fld id="{7B0EAE80-6D99-41EF-BFA3-84B486674D07}" type="datetimeFigureOut">
               <a:rPr lang="en-US" smtClean="0"/>
-              <a:t>9/8/2019</a:t>
+              <a:t>9/9/2019</a:t>
             </a:fld>
             <a:endParaRPr lang="en-US"/>
           </a:p>
@@ -1966,7 +1967,7 @@
           <a:p>
             <a:fld id="{7B0EAE80-6D99-41EF-BFA3-84B486674D07}" type="datetimeFigureOut">
               <a:rPr lang="en-US" smtClean="0"/>
-              <a:t>9/8/2019</a:t>
+              <a:t>9/9/2019</a:t>
             </a:fld>
             <a:endParaRPr lang="en-US"/>
           </a:p>
@@ -2079,7 +2080,7 @@
           <a:p>
             <a:fld id="{7B0EAE80-6D99-41EF-BFA3-84B486674D07}" type="datetimeFigureOut">
               <a:rPr lang="en-US" smtClean="0"/>
-              <a:t>9/8/2019</a:t>
+              <a:t>9/9/2019</a:t>
             </a:fld>
             <a:endParaRPr lang="en-US"/>
           </a:p>
@@ -2390,7 +2391,7 @@
           <a:p>
             <a:fld id="{7B0EAE80-6D99-41EF-BFA3-84B486674D07}" type="datetimeFigureOut">
               <a:rPr lang="en-US" smtClean="0"/>
-              <a:t>9/8/2019</a:t>
+              <a:t>9/9/2019</a:t>
             </a:fld>
             <a:endParaRPr lang="en-US"/>
           </a:p>
@@ -2678,7 +2679,7 @@
           <a:p>
             <a:fld id="{7B0EAE80-6D99-41EF-BFA3-84B486674D07}" type="datetimeFigureOut">
               <a:rPr lang="en-US" smtClean="0"/>
-              <a:t>9/8/2019</a:t>
+              <a:t>9/9/2019</a:t>
             </a:fld>
             <a:endParaRPr lang="en-US"/>
           </a:p>
@@ -2919,7 +2920,7 @@
           <a:p>
             <a:fld id="{7B0EAE80-6D99-41EF-BFA3-84B486674D07}" type="datetimeFigureOut">
               <a:rPr lang="en-US" smtClean="0"/>
-              <a:t>9/8/2019</a:t>
+              <a:t>9/9/2019</a:t>
             </a:fld>
             <a:endParaRPr lang="en-US"/>
           </a:p>
@@ -3431,49 +3432,19 @@
           <a:chExt cx="0" cy="0"/>
         </a:xfrm>
       </p:grpSpPr>
-      <p:sp>
-        <p:nvSpPr>
-          <p:cNvPr id="2" name="Title 1">
-            <a:extLst>
-              <a:ext uri="{FF2B5EF4-FFF2-40B4-BE49-F238E27FC236}">
-                <a16:creationId xmlns:a16="http://schemas.microsoft.com/office/drawing/2014/main" id="{97377983-3D9E-4406-885B-9F436D96125A}"/>
-              </a:ext>
-            </a:extLst>
-          </p:cNvPr>
-          <p:cNvSpPr>
-            <a:spLocks noGrp="1"/>
-          </p:cNvSpPr>
-          <p:nvPr>
-            <p:ph type="title"/>
-          </p:nvPr>
-        </p:nvSpPr>
-        <p:spPr/>
-        <p:txBody>
-          <a:bodyPr/>
-          <a:lstStyle/>
-          <a:p>
-            <a:r>
-              <a:rPr lang="en-US" dirty="0"/>
-              <a:t>Colorado Crime vs. Marijuana use</a:t>
-            </a:r>
-          </a:p>
-        </p:txBody>
-      </p:sp>
       <p:pic>
         <p:nvPicPr>
-          <p:cNvPr id="5" name="Content Placeholder 4" descr="A close up of a map&#10;&#10;Description automatically generated">
-            <a:extLst>
-              <a:ext uri="{FF2B5EF4-FFF2-40B4-BE49-F238E27FC236}">
-                <a16:creationId xmlns:a16="http://schemas.microsoft.com/office/drawing/2014/main" id="{2EF3CA1B-0010-4B15-8044-0659A161557F}"/>
+          <p:cNvPr id="9" name="Picture 8" descr="A close up of a map&#10;&#10;Description automatically generated">
+            <a:extLst>
+              <a:ext uri="{FF2B5EF4-FFF2-40B4-BE49-F238E27FC236}">
+                <a16:creationId xmlns:a16="http://schemas.microsoft.com/office/drawing/2014/main" id="{29F25441-83DF-468A-9DC0-D4E6EFF0C423}"/>
               </a:ext>
             </a:extLst>
           </p:cNvPr>
           <p:cNvPicPr>
-            <a:picLocks noGrp="1" noChangeAspect="1"/>
+            <a:picLocks noChangeAspect="1"/>
           </p:cNvPicPr>
-          <p:nvPr>
-            <p:ph idx="1"/>
-          </p:nvPr>
+          <p:nvPr/>
         </p:nvPicPr>
         <p:blipFill>
           <a:blip r:embed="rId2">
@@ -3489,9 +3460,12 @@
         </p:blipFill>
         <p:spPr>
           <a:xfrm>
-            <a:off x="1744662" y="1825625"/>
-            <a:ext cx="8702675" cy="4351338"/>
+            <a:off x="0" y="381000"/>
+            <a:ext cx="12192000" cy="6096000"/>
           </a:xfrm>
+          <a:prstGeom prst="rect">
+            <a:avLst/>
+          </a:prstGeom>
         </p:spPr>
       </p:pic>
     </p:spTree>
@@ -3524,46 +3498,19 @@
           <a:chExt cx="0" cy="0"/>
         </a:xfrm>
       </p:grpSpPr>
-      <p:sp>
-        <p:nvSpPr>
-          <p:cNvPr id="2" name="Title 1">
-            <a:extLst>
-              <a:ext uri="{FF2B5EF4-FFF2-40B4-BE49-F238E27FC236}">
-                <a16:creationId xmlns:a16="http://schemas.microsoft.com/office/drawing/2014/main" id="{C542EA52-0065-4106-956F-A6D2E28ED534}"/>
-              </a:ext>
-            </a:extLst>
-          </p:cNvPr>
-          <p:cNvSpPr>
-            <a:spLocks noGrp="1"/>
-          </p:cNvSpPr>
-          <p:nvPr>
-            <p:ph type="title"/>
-          </p:nvPr>
-        </p:nvSpPr>
-        <p:spPr/>
-        <p:txBody>
-          <a:bodyPr/>
-          <a:lstStyle/>
-          <a:p>
-            <a:endParaRPr lang="en-US"/>
-          </a:p>
-        </p:txBody>
-      </p:sp>
       <p:pic>
         <p:nvPicPr>
-          <p:cNvPr id="5" name="Content Placeholder 4" descr="A close up of a map&#10;&#10;Description automatically generated">
-            <a:extLst>
-              <a:ext uri="{FF2B5EF4-FFF2-40B4-BE49-F238E27FC236}">
-                <a16:creationId xmlns:a16="http://schemas.microsoft.com/office/drawing/2014/main" id="{56F2EFAA-D0DA-420F-A085-4C316D29D81B}"/>
+          <p:cNvPr id="7" name="Picture 6" descr="A close up of a map&#10;&#10;Description automatically generated">
+            <a:extLst>
+              <a:ext uri="{FF2B5EF4-FFF2-40B4-BE49-F238E27FC236}">
+                <a16:creationId xmlns:a16="http://schemas.microsoft.com/office/drawing/2014/main" id="{AD7C0411-36F3-4CA4-A4C3-CB44F974F598}"/>
               </a:ext>
             </a:extLst>
           </p:cNvPr>
           <p:cNvPicPr>
-            <a:picLocks noGrp="1" noChangeAspect="1"/>
+            <a:picLocks noChangeAspect="1"/>
           </p:cNvPicPr>
-          <p:nvPr>
-            <p:ph idx="1"/>
-          </p:nvPr>
+          <p:nvPr/>
         </p:nvPicPr>
         <p:blipFill>
           <a:blip r:embed="rId2">
@@ -3579,15 +3526,48 @@
         </p:blipFill>
         <p:spPr>
           <a:xfrm>
-            <a:off x="1744662" y="1825625"/>
-            <a:ext cx="8702676" cy="4351338"/>
+            <a:off x="0" y="381000"/>
+            <a:ext cx="12192000" cy="6096000"/>
           </a:xfrm>
+          <a:prstGeom prst="rect">
+            <a:avLst/>
+          </a:prstGeom>
         </p:spPr>
       </p:pic>
     </p:spTree>
     <p:extLst>
       <p:ext uri="{BB962C8B-B14F-4D97-AF65-F5344CB8AC3E}">
         <p14:creationId xmlns:p14="http://schemas.microsoft.com/office/powerpoint/2010/main" val="387460410"/>
+      </p:ext>
+    </p:extLst>
+  </p:cSld>
+  <p:clrMapOvr>
+    <a:masterClrMapping/>
+  </p:clrMapOvr>
+</p:sld>
+</file>
+
+<file path=ppt/slides/slide12.xml><?xml version="1.0" encoding="utf-8"?>
+<p:sld xmlns:a="http://schemas.openxmlformats.org/drawingml/2006/main" xmlns:r="http://schemas.openxmlformats.org/officeDocument/2006/relationships" xmlns:p="http://schemas.openxmlformats.org/presentationml/2006/main">
+  <p:cSld>
+    <p:spTree>
+      <p:nvGrpSpPr>
+        <p:cNvPr id="1" name=""/>
+        <p:cNvGrpSpPr/>
+        <p:nvPr/>
+      </p:nvGrpSpPr>
+      <p:grpSpPr>
+        <a:xfrm>
+          <a:off x="0" y="0"/>
+          <a:ext cx="0" cy="0"/>
+          <a:chOff x="0" y="0"/>
+          <a:chExt cx="0" cy="0"/>
+        </a:xfrm>
+      </p:grpSpPr>
+    </p:spTree>
+    <p:extLst>
+      <p:ext uri="{BB962C8B-B14F-4D97-AF65-F5344CB8AC3E}">
+        <p14:creationId xmlns:p14="http://schemas.microsoft.com/office/powerpoint/2010/main" val="1038548701"/>
       </p:ext>
     </p:extLst>
   </p:cSld>
@@ -3761,10 +3741,10 @@
       </p:grpSpPr>
       <p:pic>
         <p:nvPicPr>
-          <p:cNvPr id="5" name="Picture 4" descr="A close up of a map&#10;&#10;Description automatically generated">
-            <a:extLst>
-              <a:ext uri="{FF2B5EF4-FFF2-40B4-BE49-F238E27FC236}">
-                <a16:creationId xmlns:a16="http://schemas.microsoft.com/office/drawing/2014/main" id="{1ECD7DCA-2404-448C-9F07-BB80F10835B9}"/>
+          <p:cNvPr id="3" name="Picture 2" descr="A close up of a map&#10;&#10;Description automatically generated">
+            <a:extLst>
+              <a:ext uri="{FF2B5EF4-FFF2-40B4-BE49-F238E27FC236}">
+                <a16:creationId xmlns:a16="http://schemas.microsoft.com/office/drawing/2014/main" id="{15D38BDF-A83A-4177-8D47-F81CA798512F}"/>
               </a:ext>
             </a:extLst>
           </p:cNvPr>
@@ -3787,7 +3767,7 @@
         </p:blipFill>
         <p:spPr>
           <a:xfrm>
-            <a:off x="85725" y="264850"/>
+            <a:off x="0" y="381000"/>
             <a:ext cx="12192000" cy="6096000"/>
           </a:xfrm>
           <a:prstGeom prst="rect">
@@ -3825,40 +3805,12 @@
           <a:chExt cx="0" cy="0"/>
         </a:xfrm>
       </p:grpSpPr>
-      <p:sp>
-        <p:nvSpPr>
-          <p:cNvPr id="2" name="Title 1">
-            <a:extLst>
-              <a:ext uri="{FF2B5EF4-FFF2-40B4-BE49-F238E27FC236}">
-                <a16:creationId xmlns:a16="http://schemas.microsoft.com/office/drawing/2014/main" id="{CC7CA1F3-008D-4ECD-8154-83C4DAC04563}"/>
-              </a:ext>
-            </a:extLst>
-          </p:cNvPr>
-          <p:cNvSpPr>
-            <a:spLocks noGrp="1"/>
-          </p:cNvSpPr>
-          <p:nvPr>
-            <p:ph type="title"/>
-          </p:nvPr>
-        </p:nvSpPr>
-        <p:spPr/>
-        <p:txBody>
-          <a:bodyPr/>
-          <a:lstStyle/>
-          <a:p>
-            <a:r>
-              <a:rPr lang="en-US" dirty="0"/>
-              <a:t>Focusing on ages 18-25</a:t>
-            </a:r>
-          </a:p>
-        </p:txBody>
-      </p:sp>
       <p:pic>
         <p:nvPicPr>
-          <p:cNvPr id="5" name="Picture 4" descr="A close up of a map&#10;&#10;Description automatically generated">
-            <a:extLst>
-              <a:ext uri="{FF2B5EF4-FFF2-40B4-BE49-F238E27FC236}">
-                <a16:creationId xmlns:a16="http://schemas.microsoft.com/office/drawing/2014/main" id="{E8A6C530-C1F0-4543-8D95-6EBAE5B0AAA9}"/>
+          <p:cNvPr id="7" name="Picture 6" descr="A close up of a map&#10;&#10;Description automatically generated">
+            <a:extLst>
+              <a:ext uri="{FF2B5EF4-FFF2-40B4-BE49-F238E27FC236}">
+                <a16:creationId xmlns:a16="http://schemas.microsoft.com/office/drawing/2014/main" id="{D3FA62FF-3931-4C46-950A-22DAA4BEF3A1}"/>
               </a:ext>
             </a:extLst>
           </p:cNvPr>
@@ -3881,7 +3833,7 @@
         </p:blipFill>
         <p:spPr>
           <a:xfrm>
-            <a:off x="133350" y="152400"/>
+            <a:off x="0" y="381000"/>
             <a:ext cx="12192000" cy="6096000"/>
           </a:xfrm>
           <a:prstGeom prst="rect">
@@ -3919,57 +3871,19 @@
           <a:chExt cx="0" cy="0"/>
         </a:xfrm>
       </p:grpSpPr>
-      <p:sp>
-        <p:nvSpPr>
-          <p:cNvPr id="2" name="Title 1">
-            <a:extLst>
-              <a:ext uri="{FF2B5EF4-FFF2-40B4-BE49-F238E27FC236}">
-                <a16:creationId xmlns:a16="http://schemas.microsoft.com/office/drawing/2014/main" id="{D14E4768-6EDC-4949-80BE-C311678DF67D}"/>
-              </a:ext>
-            </a:extLst>
-          </p:cNvPr>
-          <p:cNvSpPr>
-            <a:spLocks noGrp="1"/>
-          </p:cNvSpPr>
-          <p:nvPr>
-            <p:ph type="title"/>
-          </p:nvPr>
-        </p:nvSpPr>
-        <p:spPr/>
-        <p:txBody>
-          <a:bodyPr/>
-          <a:lstStyle/>
-          <a:p>
-            <a:r>
-              <a:rPr lang="en-US" dirty="0"/>
-              <a:t>Past Month use Colorado (Cig, Mar, </a:t>
-            </a:r>
-            <a:r>
-              <a:rPr lang="en-US" dirty="0" err="1"/>
-              <a:t>Alch</a:t>
-            </a:r>
-            <a:r>
-              <a:rPr lang="en-US" dirty="0"/>
-              <a:t>) (18-25 year-olds)</a:t>
-            </a:r>
-          </a:p>
-        </p:txBody>
-      </p:sp>
       <p:pic>
         <p:nvPicPr>
-          <p:cNvPr id="5" name="Content Placeholder 4" descr="A screenshot of a cell phone&#10;&#10;Description automatically generated">
-            <a:extLst>
-              <a:ext uri="{FF2B5EF4-FFF2-40B4-BE49-F238E27FC236}">
-                <a16:creationId xmlns:a16="http://schemas.microsoft.com/office/drawing/2014/main" id="{EFEE39AA-2E0D-4EEA-9A7A-93E6EF581F97}"/>
+          <p:cNvPr id="9" name="Picture 8" descr="A picture containing stationary&#10;&#10;Description automatically generated">
+            <a:extLst>
+              <a:ext uri="{FF2B5EF4-FFF2-40B4-BE49-F238E27FC236}">
+                <a16:creationId xmlns:a16="http://schemas.microsoft.com/office/drawing/2014/main" id="{824E3916-0042-4792-98CA-63C596F9AFB7}"/>
               </a:ext>
             </a:extLst>
           </p:cNvPr>
           <p:cNvPicPr>
-            <a:picLocks noGrp="1" noChangeAspect="1"/>
+            <a:picLocks noChangeAspect="1"/>
           </p:cNvPicPr>
-          <p:nvPr>
-            <p:ph idx="1"/>
-          </p:nvPr>
+          <p:nvPr/>
         </p:nvPicPr>
         <p:blipFill>
           <a:blip r:embed="rId2">
@@ -3985,9 +3899,12 @@
         </p:blipFill>
         <p:spPr>
           <a:xfrm>
-            <a:off x="1744662" y="1825625"/>
-            <a:ext cx="8702675" cy="4351338"/>
+            <a:off x="0" y="381000"/>
+            <a:ext cx="12192000" cy="6096000"/>
           </a:xfrm>
+          <a:prstGeom prst="rect">
+            <a:avLst/>
+          </a:prstGeom>
         </p:spPr>
       </p:pic>
     </p:spTree>
@@ -4020,57 +3937,19 @@
           <a:chExt cx="0" cy="0"/>
         </a:xfrm>
       </p:grpSpPr>
-      <p:sp>
-        <p:nvSpPr>
-          <p:cNvPr id="2" name="Title 1">
-            <a:extLst>
-              <a:ext uri="{FF2B5EF4-FFF2-40B4-BE49-F238E27FC236}">
-                <a16:creationId xmlns:a16="http://schemas.microsoft.com/office/drawing/2014/main" id="{54B6295A-575D-46A5-A7C6-646AB7DE5AFC}"/>
-              </a:ext>
-            </a:extLst>
-          </p:cNvPr>
-          <p:cNvSpPr>
-            <a:spLocks noGrp="1"/>
-          </p:cNvSpPr>
-          <p:nvPr>
-            <p:ph type="title"/>
-          </p:nvPr>
-        </p:nvSpPr>
-        <p:spPr/>
-        <p:txBody>
-          <a:bodyPr/>
-          <a:lstStyle/>
-          <a:p>
-            <a:r>
-              <a:rPr lang="en-US" dirty="0"/>
-              <a:t>Past Month Marijuana (CO, TX, USA) (18-25 year </a:t>
-            </a:r>
-            <a:r>
-              <a:rPr lang="en-US" dirty="0" err="1"/>
-              <a:t>olds</a:t>
-            </a:r>
-            <a:r>
-              <a:rPr lang="en-US" dirty="0"/>
-              <a:t>)</a:t>
-            </a:r>
-          </a:p>
-        </p:txBody>
-      </p:sp>
       <p:pic>
         <p:nvPicPr>
-          <p:cNvPr id="7" name="Content Placeholder 6" descr="A close up of a logo&#10;&#10;Description automatically generated">
-            <a:extLst>
-              <a:ext uri="{FF2B5EF4-FFF2-40B4-BE49-F238E27FC236}">
-                <a16:creationId xmlns:a16="http://schemas.microsoft.com/office/drawing/2014/main" id="{1B16CFFD-B903-46F7-9E56-586F3C4A1350}"/>
+          <p:cNvPr id="6" name="Picture 5" descr="A close up of a logo&#10;&#10;Description automatically generated">
+            <a:extLst>
+              <a:ext uri="{FF2B5EF4-FFF2-40B4-BE49-F238E27FC236}">
+                <a16:creationId xmlns:a16="http://schemas.microsoft.com/office/drawing/2014/main" id="{8FE80FA2-DADD-48ED-A7A3-30C38E25BC15}"/>
               </a:ext>
             </a:extLst>
           </p:cNvPr>
           <p:cNvPicPr>
-            <a:picLocks noGrp="1" noChangeAspect="1"/>
+            <a:picLocks noChangeAspect="1"/>
           </p:cNvPicPr>
-          <p:nvPr>
-            <p:ph idx="1"/>
-          </p:nvPr>
+          <p:nvPr/>
         </p:nvPicPr>
         <p:blipFill>
           <a:blip r:embed="rId2">
@@ -4086,9 +3965,12 @@
         </p:blipFill>
         <p:spPr>
           <a:xfrm>
-            <a:off x="1744662" y="1825625"/>
-            <a:ext cx="8702675" cy="4351338"/>
+            <a:off x="0" y="259349"/>
+            <a:ext cx="12192000" cy="6096000"/>
           </a:xfrm>
+          <a:prstGeom prst="rect">
+            <a:avLst/>
+          </a:prstGeom>
         </p:spPr>
       </p:pic>
     </p:spTree>
@@ -4121,57 +4003,19 @@
           <a:chExt cx="0" cy="0"/>
         </a:xfrm>
       </p:grpSpPr>
-      <p:sp>
-        <p:nvSpPr>
-          <p:cNvPr id="2" name="Title 1">
-            <a:extLst>
-              <a:ext uri="{FF2B5EF4-FFF2-40B4-BE49-F238E27FC236}">
-                <a16:creationId xmlns:a16="http://schemas.microsoft.com/office/drawing/2014/main" id="{A1C417AA-C910-4D2B-9898-CAA30D1F6CD0}"/>
-              </a:ext>
-            </a:extLst>
-          </p:cNvPr>
-          <p:cNvSpPr>
-            <a:spLocks noGrp="1"/>
-          </p:cNvSpPr>
-          <p:nvPr>
-            <p:ph type="title"/>
-          </p:nvPr>
-        </p:nvSpPr>
-        <p:spPr/>
-        <p:txBody>
-          <a:bodyPr/>
-          <a:lstStyle/>
-          <a:p>
-            <a:r>
-              <a:rPr lang="en-US" dirty="0"/>
-              <a:t>Past Month </a:t>
-            </a:r>
-            <a:r>
-              <a:rPr lang="en-US" dirty="0" err="1"/>
-              <a:t>Cigarrete</a:t>
-            </a:r>
-            <a:r>
-              <a:rPr lang="en-US" dirty="0"/>
-              <a:t> (CO, TX, USA) (18-25 year-olds)</a:t>
-            </a:r>
-          </a:p>
-        </p:txBody>
-      </p:sp>
       <p:pic>
         <p:nvPicPr>
-          <p:cNvPr id="7" name="Content Placeholder 6" descr="A screenshot of a cell phone&#10;&#10;Description automatically generated">
-            <a:extLst>
-              <a:ext uri="{FF2B5EF4-FFF2-40B4-BE49-F238E27FC236}">
-                <a16:creationId xmlns:a16="http://schemas.microsoft.com/office/drawing/2014/main" id="{6A2FFB8A-5AA1-4234-98F6-A2D2D62DF0FF}"/>
+          <p:cNvPr id="9" name="Picture 8" descr="A screenshot of a cell phone&#10;&#10;Description automatically generated">
+            <a:extLst>
+              <a:ext uri="{FF2B5EF4-FFF2-40B4-BE49-F238E27FC236}">
+                <a16:creationId xmlns:a16="http://schemas.microsoft.com/office/drawing/2014/main" id="{88A1C658-EFED-4E78-A3F3-E5BF5561978C}"/>
               </a:ext>
             </a:extLst>
           </p:cNvPr>
           <p:cNvPicPr>
-            <a:picLocks noGrp="1" noChangeAspect="1"/>
+            <a:picLocks noChangeAspect="1"/>
           </p:cNvPicPr>
-          <p:nvPr>
-            <p:ph idx="1"/>
-          </p:nvPr>
+          <p:nvPr/>
         </p:nvPicPr>
         <p:blipFill>
           <a:blip r:embed="rId2">
@@ -4187,9 +4031,12 @@
         </p:blipFill>
         <p:spPr>
           <a:xfrm>
-            <a:off x="1744662" y="1825625"/>
-            <a:ext cx="8702675" cy="4351338"/>
+            <a:off x="0" y="381000"/>
+            <a:ext cx="12192000" cy="6096000"/>
           </a:xfrm>
+          <a:prstGeom prst="rect">
+            <a:avLst/>
+          </a:prstGeom>
         </p:spPr>
       </p:pic>
     </p:spTree>
@@ -4222,54 +4069,19 @@
           <a:chExt cx="0" cy="0"/>
         </a:xfrm>
       </p:grpSpPr>
-      <p:sp>
-        <p:nvSpPr>
-          <p:cNvPr id="2" name="Title 1">
-            <a:extLst>
-              <a:ext uri="{FF2B5EF4-FFF2-40B4-BE49-F238E27FC236}">
-                <a16:creationId xmlns:a16="http://schemas.microsoft.com/office/drawing/2014/main" id="{68F51B7E-6C5E-453C-9709-A81FEEC7F70D}"/>
-              </a:ext>
-            </a:extLst>
-          </p:cNvPr>
-          <p:cNvSpPr>
-            <a:spLocks noGrp="1"/>
-          </p:cNvSpPr>
-          <p:nvPr>
-            <p:ph type="title"/>
-          </p:nvPr>
-        </p:nvSpPr>
-        <p:spPr/>
-        <p:txBody>
-          <a:bodyPr/>
-          <a:lstStyle/>
-          <a:p>
-            <a:r>
-              <a:rPr lang="en-US" dirty="0"/>
-              <a:t>Past Month Alcohol (CO, TX, USA) (18-25 year -</a:t>
-            </a:r>
-            <a:r>
-              <a:rPr lang="en-US" dirty="0" err="1"/>
-              <a:t>olds</a:t>
-            </a:r>
-            <a:endParaRPr lang="en-US" dirty="0"/>
-          </a:p>
-        </p:txBody>
-      </p:sp>
       <p:pic>
         <p:nvPicPr>
-          <p:cNvPr id="6" name="Content Placeholder 5" descr="A screenshot of a cell phone&#10;&#10;Description automatically generated">
-            <a:extLst>
-              <a:ext uri="{FF2B5EF4-FFF2-40B4-BE49-F238E27FC236}">
-                <a16:creationId xmlns:a16="http://schemas.microsoft.com/office/drawing/2014/main" id="{6896006C-8879-4A09-A2BF-53B3644BD50B}"/>
+          <p:cNvPr id="9" name="Picture 8" descr="A screenshot of a cell phone&#10;&#10;Description automatically generated">
+            <a:extLst>
+              <a:ext uri="{FF2B5EF4-FFF2-40B4-BE49-F238E27FC236}">
+                <a16:creationId xmlns:a16="http://schemas.microsoft.com/office/drawing/2014/main" id="{D7FDC881-6BE0-440F-AA19-9E4C1940F56F}"/>
               </a:ext>
             </a:extLst>
           </p:cNvPr>
           <p:cNvPicPr>
-            <a:picLocks noGrp="1" noChangeAspect="1"/>
+            <a:picLocks noChangeAspect="1"/>
           </p:cNvPicPr>
-          <p:nvPr>
-            <p:ph idx="1"/>
-          </p:nvPr>
+          <p:nvPr/>
         </p:nvPicPr>
         <p:blipFill>
           <a:blip r:embed="rId2">
@@ -4285,9 +4097,12 @@
         </p:blipFill>
         <p:spPr>
           <a:xfrm>
-            <a:off x="1744662" y="1825625"/>
-            <a:ext cx="8702675" cy="4351338"/>
+            <a:off x="0" y="381000"/>
+            <a:ext cx="12192000" cy="6096000"/>
           </a:xfrm>
+          <a:prstGeom prst="rect">
+            <a:avLst/>
+          </a:prstGeom>
         </p:spPr>
       </p:pic>
     </p:spTree>
@@ -4320,49 +4135,19 @@
           <a:chExt cx="0" cy="0"/>
         </a:xfrm>
       </p:grpSpPr>
-      <p:sp>
-        <p:nvSpPr>
-          <p:cNvPr id="2" name="Title 1">
-            <a:extLst>
-              <a:ext uri="{FF2B5EF4-FFF2-40B4-BE49-F238E27FC236}">
-                <a16:creationId xmlns:a16="http://schemas.microsoft.com/office/drawing/2014/main" id="{2A1986E2-2D20-464C-8D85-760C2A30B892}"/>
-              </a:ext>
-            </a:extLst>
-          </p:cNvPr>
-          <p:cNvSpPr>
-            <a:spLocks noGrp="1"/>
-          </p:cNvSpPr>
-          <p:nvPr>
-            <p:ph type="title"/>
-          </p:nvPr>
-        </p:nvSpPr>
-        <p:spPr/>
-        <p:txBody>
-          <a:bodyPr/>
-          <a:lstStyle/>
-          <a:p>
-            <a:r>
-              <a:rPr lang="en-US" dirty="0"/>
-              <a:t>Mental Health Rates in Colorado (18-25 year old's) </a:t>
-            </a:r>
-          </a:p>
-        </p:txBody>
-      </p:sp>
       <p:pic>
         <p:nvPicPr>
-          <p:cNvPr id="5" name="Content Placeholder 4" descr="A close up of a map&#10;&#10;Description automatically generated">
-            <a:extLst>
-              <a:ext uri="{FF2B5EF4-FFF2-40B4-BE49-F238E27FC236}">
-                <a16:creationId xmlns:a16="http://schemas.microsoft.com/office/drawing/2014/main" id="{0700057A-DF67-4AF9-9CDA-2BE2DC3EA12C}"/>
+          <p:cNvPr id="9" name="Picture 8" descr="A close up of a map&#10;&#10;Description automatically generated">
+            <a:extLst>
+              <a:ext uri="{FF2B5EF4-FFF2-40B4-BE49-F238E27FC236}">
+                <a16:creationId xmlns:a16="http://schemas.microsoft.com/office/drawing/2014/main" id="{35147838-88F3-4F65-8BDF-D487EA8B9118}"/>
               </a:ext>
             </a:extLst>
           </p:cNvPr>
           <p:cNvPicPr>
-            <a:picLocks noGrp="1" noChangeAspect="1"/>
+            <a:picLocks noChangeAspect="1"/>
           </p:cNvPicPr>
-          <p:nvPr>
-            <p:ph idx="1"/>
-          </p:nvPr>
+          <p:nvPr/>
         </p:nvPicPr>
         <p:blipFill>
           <a:blip r:embed="rId2">
@@ -4378,9 +4163,12 @@
         </p:blipFill>
         <p:spPr>
           <a:xfrm>
-            <a:off x="1744662" y="1825625"/>
-            <a:ext cx="8702675" cy="4351338"/>
+            <a:off x="0" y="381000"/>
+            <a:ext cx="12192000" cy="6096000"/>
           </a:xfrm>
+          <a:prstGeom prst="rect">
+            <a:avLst/>
+          </a:prstGeom>
         </p:spPr>
       </p:pic>
     </p:spTree>

--- a/Outline.pptx
+++ b/Outline.pptx
@@ -7,16 +7,19 @@
   <p:sldIdLst>
     <p:sldId id="256" r:id="rId2"/>
     <p:sldId id="257" r:id="rId3"/>
-    <p:sldId id="274" r:id="rId4"/>
-    <p:sldId id="275" r:id="rId5"/>
-    <p:sldId id="276" r:id="rId6"/>
-    <p:sldId id="277" r:id="rId7"/>
-    <p:sldId id="278" r:id="rId8"/>
-    <p:sldId id="279" r:id="rId9"/>
-    <p:sldId id="280" r:id="rId10"/>
-    <p:sldId id="281" r:id="rId11"/>
-    <p:sldId id="283" r:id="rId12"/>
-    <p:sldId id="284" r:id="rId13"/>
+    <p:sldId id="287" r:id="rId4"/>
+    <p:sldId id="274" r:id="rId5"/>
+    <p:sldId id="275" r:id="rId6"/>
+    <p:sldId id="276" r:id="rId7"/>
+    <p:sldId id="277" r:id="rId8"/>
+    <p:sldId id="278" r:id="rId9"/>
+    <p:sldId id="279" r:id="rId10"/>
+    <p:sldId id="280" r:id="rId11"/>
+    <p:sldId id="281" r:id="rId12"/>
+    <p:sldId id="283" r:id="rId13"/>
+    <p:sldId id="284" r:id="rId14"/>
+    <p:sldId id="285" r:id="rId15"/>
+    <p:sldId id="286" r:id="rId16"/>
   </p:sldIdLst>
   <p:sldSz cx="12192000" cy="6858000"/>
   <p:notesSz cx="6858000" cy="9144000"/>
@@ -3437,6 +3440,72 @@
           <p:cNvPr id="9" name="Picture 8" descr="A close up of a map&#10;&#10;Description automatically generated">
             <a:extLst>
               <a:ext uri="{FF2B5EF4-FFF2-40B4-BE49-F238E27FC236}">
+                <a16:creationId xmlns:a16="http://schemas.microsoft.com/office/drawing/2014/main" id="{35147838-88F3-4F65-8BDF-D487EA8B9118}"/>
+              </a:ext>
+            </a:extLst>
+          </p:cNvPr>
+          <p:cNvPicPr>
+            <a:picLocks noChangeAspect="1"/>
+          </p:cNvPicPr>
+          <p:nvPr/>
+        </p:nvPicPr>
+        <p:blipFill>
+          <a:blip r:embed="rId2">
+            <a:extLst>
+              <a:ext uri="{28A0092B-C50C-407E-A947-70E740481C1C}">
+                <a14:useLocalDpi xmlns:a14="http://schemas.microsoft.com/office/drawing/2010/main" val="0"/>
+              </a:ext>
+            </a:extLst>
+          </a:blip>
+          <a:stretch>
+            <a:fillRect/>
+          </a:stretch>
+        </p:blipFill>
+        <p:spPr>
+          <a:xfrm>
+            <a:off x="0" y="381000"/>
+            <a:ext cx="12192000" cy="6096000"/>
+          </a:xfrm>
+          <a:prstGeom prst="rect">
+            <a:avLst/>
+          </a:prstGeom>
+        </p:spPr>
+      </p:pic>
+    </p:spTree>
+    <p:extLst>
+      <p:ext uri="{BB962C8B-B14F-4D97-AF65-F5344CB8AC3E}">
+        <p14:creationId xmlns:p14="http://schemas.microsoft.com/office/powerpoint/2010/main" val="3814329659"/>
+      </p:ext>
+    </p:extLst>
+  </p:cSld>
+  <p:clrMapOvr>
+    <a:masterClrMapping/>
+  </p:clrMapOvr>
+</p:sld>
+</file>
+
+<file path=ppt/slides/slide11.xml><?xml version="1.0" encoding="utf-8"?>
+<p:sld xmlns:a="http://schemas.openxmlformats.org/drawingml/2006/main" xmlns:r="http://schemas.openxmlformats.org/officeDocument/2006/relationships" xmlns:p="http://schemas.openxmlformats.org/presentationml/2006/main">
+  <p:cSld>
+    <p:spTree>
+      <p:nvGrpSpPr>
+        <p:cNvPr id="1" name=""/>
+        <p:cNvGrpSpPr/>
+        <p:nvPr/>
+      </p:nvGrpSpPr>
+      <p:grpSpPr>
+        <a:xfrm>
+          <a:off x="0" y="0"/>
+          <a:ext cx="0" cy="0"/>
+          <a:chOff x="0" y="0"/>
+          <a:chExt cx="0" cy="0"/>
+        </a:xfrm>
+      </p:grpSpPr>
+      <p:pic>
+        <p:nvPicPr>
+          <p:cNvPr id="9" name="Picture 8" descr="A close up of a map&#10;&#10;Description automatically generated">
+            <a:extLst>
+              <a:ext uri="{FF2B5EF4-FFF2-40B4-BE49-F238E27FC236}">
                 <a16:creationId xmlns:a16="http://schemas.microsoft.com/office/drawing/2014/main" id="{29F25441-83DF-468A-9DC0-D4E6EFF0C423}"/>
               </a:ext>
             </a:extLst>
@@ -3481,7 +3550,7 @@
 </p:sld>
 </file>
 
-<file path=ppt/slides/slide11.xml><?xml version="1.0" encoding="utf-8"?>
+<file path=ppt/slides/slide12.xml><?xml version="1.0" encoding="utf-8"?>
 <p:sld xmlns:a="http://schemas.openxmlformats.org/drawingml/2006/main" xmlns:r="http://schemas.openxmlformats.org/officeDocument/2006/relationships" xmlns:p="http://schemas.openxmlformats.org/presentationml/2006/main">
   <p:cSld>
     <p:spTree>
@@ -3547,7 +3616,7 @@
 </p:sld>
 </file>
 
-<file path=ppt/slides/slide12.xml><?xml version="1.0" encoding="utf-8"?>
+<file path=ppt/slides/slide13.xml><?xml version="1.0" encoding="utf-8"?>
 <p:sld xmlns:a="http://schemas.openxmlformats.org/drawingml/2006/main" xmlns:r="http://schemas.openxmlformats.org/officeDocument/2006/relationships" xmlns:p="http://schemas.openxmlformats.org/presentationml/2006/main">
   <p:cSld>
     <p:spTree>
@@ -3577,6 +3646,169 @@
 </p:sld>
 </file>
 
+<file path=ppt/slides/slide14.xml><?xml version="1.0" encoding="utf-8"?>
+<p:sld xmlns:a="http://schemas.openxmlformats.org/drawingml/2006/main" xmlns:r="http://schemas.openxmlformats.org/officeDocument/2006/relationships" xmlns:p="http://schemas.openxmlformats.org/presentationml/2006/main">
+  <p:cSld>
+    <p:spTree>
+      <p:nvGrpSpPr>
+        <p:cNvPr id="1" name=""/>
+        <p:cNvGrpSpPr/>
+        <p:nvPr/>
+      </p:nvGrpSpPr>
+      <p:grpSpPr>
+        <a:xfrm>
+          <a:off x="0" y="0"/>
+          <a:ext cx="0" cy="0"/>
+          <a:chOff x="0" y="0"/>
+          <a:chExt cx="0" cy="0"/>
+        </a:xfrm>
+      </p:grpSpPr>
+      <p:sp>
+        <p:nvSpPr>
+          <p:cNvPr id="2" name="Title 1">
+            <a:extLst>
+              <a:ext uri="{FF2B5EF4-FFF2-40B4-BE49-F238E27FC236}">
+                <a16:creationId xmlns:a16="http://schemas.microsoft.com/office/drawing/2014/main" id="{2A2F1B7B-6468-4933-910C-1E4028D148F3}"/>
+              </a:ext>
+            </a:extLst>
+          </p:cNvPr>
+          <p:cNvSpPr>
+            <a:spLocks noGrp="1"/>
+          </p:cNvSpPr>
+          <p:nvPr>
+            <p:ph type="title"/>
+          </p:nvPr>
+        </p:nvSpPr>
+        <p:spPr/>
+        <p:txBody>
+          <a:bodyPr/>
+          <a:lstStyle/>
+          <a:p>
+            <a:endParaRPr lang="en-US"/>
+          </a:p>
+        </p:txBody>
+      </p:sp>
+      <p:sp>
+        <p:nvSpPr>
+          <p:cNvPr id="3" name="Content Placeholder 2">
+            <a:extLst>
+              <a:ext uri="{FF2B5EF4-FFF2-40B4-BE49-F238E27FC236}">
+                <a16:creationId xmlns:a16="http://schemas.microsoft.com/office/drawing/2014/main" id="{BA5A0CF1-8F11-4176-92F8-9893AA6DAE6C}"/>
+              </a:ext>
+            </a:extLst>
+          </p:cNvPr>
+          <p:cNvSpPr>
+            <a:spLocks noGrp="1"/>
+          </p:cNvSpPr>
+          <p:nvPr>
+            <p:ph idx="1"/>
+          </p:nvPr>
+        </p:nvSpPr>
+        <p:spPr/>
+        <p:txBody>
+          <a:bodyPr/>
+          <a:lstStyle/>
+          <a:p>
+            <a:endParaRPr lang="en-US"/>
+          </a:p>
+        </p:txBody>
+      </p:sp>
+    </p:spTree>
+    <p:extLst>
+      <p:ext uri="{BB962C8B-B14F-4D97-AF65-F5344CB8AC3E}">
+        <p14:creationId xmlns:p14="http://schemas.microsoft.com/office/powerpoint/2010/main" val="303701799"/>
+      </p:ext>
+    </p:extLst>
+  </p:cSld>
+  <p:clrMapOvr>
+    <a:masterClrMapping/>
+  </p:clrMapOvr>
+</p:sld>
+</file>
+
+<file path=ppt/slides/slide15.xml><?xml version="1.0" encoding="utf-8"?>
+<p:sld xmlns:a="http://schemas.openxmlformats.org/drawingml/2006/main" xmlns:r="http://schemas.openxmlformats.org/officeDocument/2006/relationships" xmlns:p="http://schemas.openxmlformats.org/presentationml/2006/main">
+  <p:cSld>
+    <p:spTree>
+      <p:nvGrpSpPr>
+        <p:cNvPr id="1" name=""/>
+        <p:cNvGrpSpPr/>
+        <p:nvPr/>
+      </p:nvGrpSpPr>
+      <p:grpSpPr>
+        <a:xfrm>
+          <a:off x="0" y="0"/>
+          <a:ext cx="0" cy="0"/>
+          <a:chOff x="0" y="0"/>
+          <a:chExt cx="0" cy="0"/>
+        </a:xfrm>
+      </p:grpSpPr>
+      <p:sp>
+        <p:nvSpPr>
+          <p:cNvPr id="2" name="Title 1">
+            <a:extLst>
+              <a:ext uri="{FF2B5EF4-FFF2-40B4-BE49-F238E27FC236}">
+                <a16:creationId xmlns:a16="http://schemas.microsoft.com/office/drawing/2014/main" id="{C2E7BFE9-D676-4452-BE55-7D5DF26E16DF}"/>
+              </a:ext>
+            </a:extLst>
+          </p:cNvPr>
+          <p:cNvSpPr>
+            <a:spLocks noGrp="1"/>
+          </p:cNvSpPr>
+          <p:nvPr>
+            <p:ph type="title"/>
+          </p:nvPr>
+        </p:nvSpPr>
+        <p:spPr/>
+        <p:txBody>
+          <a:bodyPr/>
+          <a:lstStyle/>
+          <a:p>
+            <a:r>
+              <a:rPr lang="en-US" dirty="0"/>
+              <a:t>Conclusions: </a:t>
+            </a:r>
+          </a:p>
+        </p:txBody>
+      </p:sp>
+      <p:sp>
+        <p:nvSpPr>
+          <p:cNvPr id="3" name="Content Placeholder 2">
+            <a:extLst>
+              <a:ext uri="{FF2B5EF4-FFF2-40B4-BE49-F238E27FC236}">
+                <a16:creationId xmlns:a16="http://schemas.microsoft.com/office/drawing/2014/main" id="{09188CA8-20C4-4341-84A1-18E2AE5C8DA3}"/>
+              </a:ext>
+            </a:extLst>
+          </p:cNvPr>
+          <p:cNvSpPr>
+            <a:spLocks noGrp="1"/>
+          </p:cNvSpPr>
+          <p:nvPr>
+            <p:ph idx="1"/>
+          </p:nvPr>
+        </p:nvSpPr>
+        <p:spPr/>
+        <p:txBody>
+          <a:bodyPr/>
+          <a:lstStyle/>
+          <a:p>
+            <a:endParaRPr lang="en-US"/>
+          </a:p>
+        </p:txBody>
+      </p:sp>
+    </p:spTree>
+    <p:extLst>
+      <p:ext uri="{BB962C8B-B14F-4D97-AF65-F5344CB8AC3E}">
+        <p14:creationId xmlns:p14="http://schemas.microsoft.com/office/powerpoint/2010/main" val="2050531618"/>
+      </p:ext>
+    </p:extLst>
+  </p:cSld>
+  <p:clrMapOvr>
+    <a:masterClrMapping/>
+  </p:clrMapOvr>
+</p:sld>
+</file>
+
 <file path=ppt/slides/slide2.xml><?xml version="1.0" encoding="utf-8"?>
 <p:sld xmlns:a="http://schemas.openxmlformats.org/drawingml/2006/main" xmlns:r="http://schemas.openxmlformats.org/officeDocument/2006/relationships" xmlns:p="http://schemas.openxmlformats.org/presentationml/2006/main">
   <p:cSld>
@@ -3612,8 +3844,8 @@
         </p:nvSpPr>
         <p:spPr>
           <a:xfrm>
-            <a:off x="745723" y="186432"/>
-            <a:ext cx="10857391" cy="870012"/>
+            <a:off x="754601" y="328475"/>
+            <a:ext cx="10857391" cy="683579"/>
           </a:xfrm>
         </p:spPr>
         <p:txBody>
@@ -3651,7 +3883,7 @@
         </p:nvSpPr>
         <p:spPr>
           <a:xfrm>
-            <a:off x="630313" y="1298359"/>
+            <a:off x="257451" y="1298359"/>
             <a:ext cx="10515600" cy="2130641"/>
           </a:xfrm>
         </p:spPr>
@@ -3739,6 +3971,180 @@
           <a:chExt cx="0" cy="0"/>
         </a:xfrm>
       </p:grpSpPr>
+      <p:sp>
+        <p:nvSpPr>
+          <p:cNvPr id="2" name="Title 1">
+            <a:extLst>
+              <a:ext uri="{FF2B5EF4-FFF2-40B4-BE49-F238E27FC236}">
+                <a16:creationId xmlns:a16="http://schemas.microsoft.com/office/drawing/2014/main" id="{E11DC402-BFEB-4482-B02B-4556B42B128C}"/>
+              </a:ext>
+            </a:extLst>
+          </p:cNvPr>
+          <p:cNvSpPr>
+            <a:spLocks noGrp="1"/>
+          </p:cNvSpPr>
+          <p:nvPr>
+            <p:ph type="title"/>
+          </p:nvPr>
+        </p:nvSpPr>
+        <p:spPr>
+          <a:xfrm>
+            <a:off x="682056" y="107673"/>
+            <a:ext cx="10515600" cy="1325563"/>
+          </a:xfrm>
+        </p:spPr>
+        <p:txBody>
+          <a:bodyPr/>
+          <a:lstStyle/>
+          <a:p>
+            <a:r>
+              <a:rPr lang="en-US" dirty="0"/>
+              <a:t>Data Sources </a:t>
+            </a:r>
+          </a:p>
+        </p:txBody>
+      </p:sp>
+      <p:grpSp>
+        <p:nvGrpSpPr>
+          <p:cNvPr id="4" name="Group 3">
+            <a:extLst>
+              <a:ext uri="{FF2B5EF4-FFF2-40B4-BE49-F238E27FC236}">
+                <a16:creationId xmlns:a16="http://schemas.microsoft.com/office/drawing/2014/main" id="{0BF7CA19-10DD-4C83-A825-A231D54900F3}"/>
+              </a:ext>
+            </a:extLst>
+          </p:cNvPr>
+          <p:cNvGrpSpPr/>
+          <p:nvPr/>
+        </p:nvGrpSpPr>
+        <p:grpSpPr>
+          <a:xfrm>
+            <a:off x="499139" y="1355047"/>
+            <a:ext cx="6785037" cy="2073953"/>
+            <a:chOff x="5266446" y="4445216"/>
+            <a:chExt cx="6785037" cy="2073953"/>
+          </a:xfrm>
+        </p:grpSpPr>
+        <p:pic>
+          <p:nvPicPr>
+            <p:cNvPr id="5" name="Picture 4">
+              <a:extLst>
+                <a:ext uri="{FF2B5EF4-FFF2-40B4-BE49-F238E27FC236}">
+                  <a16:creationId xmlns:a16="http://schemas.microsoft.com/office/drawing/2014/main" id="{E8434970-C993-4318-B386-F67D712173C7}"/>
+                </a:ext>
+              </a:extLst>
+            </p:cNvPr>
+            <p:cNvPicPr>
+              <a:picLocks noChangeAspect="1"/>
+            </p:cNvPicPr>
+            <p:nvPr/>
+          </p:nvPicPr>
+          <p:blipFill>
+            <a:blip r:embed="rId2"/>
+            <a:stretch>
+              <a:fillRect/>
+            </a:stretch>
+          </p:blipFill>
+          <p:spPr>
+            <a:xfrm>
+              <a:off x="5266446" y="4445216"/>
+              <a:ext cx="3381375" cy="1114425"/>
+            </a:xfrm>
+            <a:prstGeom prst="rect">
+              <a:avLst/>
+            </a:prstGeom>
+          </p:spPr>
+        </p:pic>
+        <p:pic>
+          <p:nvPicPr>
+            <p:cNvPr id="6" name="Picture 5">
+              <a:extLst>
+                <a:ext uri="{FF2B5EF4-FFF2-40B4-BE49-F238E27FC236}">
+                  <a16:creationId xmlns:a16="http://schemas.microsoft.com/office/drawing/2014/main" id="{660C6037-9664-4AAA-9BBF-956F568D0D40}"/>
+                </a:ext>
+              </a:extLst>
+            </p:cNvPr>
+            <p:cNvPicPr>
+              <a:picLocks noChangeAspect="1"/>
+            </p:cNvPicPr>
+            <p:nvPr/>
+          </p:nvPicPr>
+          <p:blipFill>
+            <a:blip r:embed="rId3"/>
+            <a:stretch>
+              <a:fillRect/>
+            </a:stretch>
+          </p:blipFill>
+          <p:spPr>
+            <a:xfrm>
+              <a:off x="5431608" y="5452369"/>
+              <a:ext cx="6619875" cy="1066800"/>
+            </a:xfrm>
+            <a:prstGeom prst="rect">
+              <a:avLst/>
+            </a:prstGeom>
+          </p:spPr>
+        </p:pic>
+      </p:grpSp>
+      <p:pic>
+        <p:nvPicPr>
+          <p:cNvPr id="7" name="Picture 6">
+            <a:extLst>
+              <a:ext uri="{FF2B5EF4-FFF2-40B4-BE49-F238E27FC236}">
+                <a16:creationId xmlns:a16="http://schemas.microsoft.com/office/drawing/2014/main" id="{9E5E13ED-D5D1-4B03-B073-47BB3D968450}"/>
+              </a:ext>
+            </a:extLst>
+          </p:cNvPr>
+          <p:cNvPicPr>
+            <a:picLocks noChangeAspect="1"/>
+          </p:cNvPicPr>
+          <p:nvPr/>
+        </p:nvPicPr>
+        <p:blipFill>
+          <a:blip r:embed="rId4"/>
+          <a:stretch>
+            <a:fillRect/>
+          </a:stretch>
+        </p:blipFill>
+        <p:spPr>
+          <a:xfrm>
+            <a:off x="682056" y="3795989"/>
+            <a:ext cx="5105400" cy="561975"/>
+          </a:xfrm>
+          <a:prstGeom prst="rect">
+            <a:avLst/>
+          </a:prstGeom>
+        </p:spPr>
+      </p:pic>
+    </p:spTree>
+    <p:extLst>
+      <p:ext uri="{BB962C8B-B14F-4D97-AF65-F5344CB8AC3E}">
+        <p14:creationId xmlns:p14="http://schemas.microsoft.com/office/powerpoint/2010/main" val="2246864929"/>
+      </p:ext>
+    </p:extLst>
+  </p:cSld>
+  <p:clrMapOvr>
+    <a:masterClrMapping/>
+  </p:clrMapOvr>
+</p:sld>
+</file>
+
+<file path=ppt/slides/slide4.xml><?xml version="1.0" encoding="utf-8"?>
+<p:sld xmlns:a="http://schemas.openxmlformats.org/drawingml/2006/main" xmlns:r="http://schemas.openxmlformats.org/officeDocument/2006/relationships" xmlns:p="http://schemas.openxmlformats.org/presentationml/2006/main">
+  <p:cSld>
+    <p:spTree>
+      <p:nvGrpSpPr>
+        <p:cNvPr id="1" name=""/>
+        <p:cNvGrpSpPr/>
+        <p:nvPr/>
+      </p:nvGrpSpPr>
+      <p:grpSpPr>
+        <a:xfrm>
+          <a:off x="0" y="0"/>
+          <a:ext cx="0" cy="0"/>
+          <a:chOff x="0" y="0"/>
+          <a:chExt cx="0" cy="0"/>
+        </a:xfrm>
+      </p:grpSpPr>
       <p:pic>
         <p:nvPicPr>
           <p:cNvPr id="3" name="Picture 2" descr="A close up of a map&#10;&#10;Description automatically generated">
@@ -3788,7 +4194,7 @@
 </p:sld>
 </file>
 
-<file path=ppt/slides/slide4.xml><?xml version="1.0" encoding="utf-8"?>
+<file path=ppt/slides/slide5.xml><?xml version="1.0" encoding="utf-8"?>
 <p:sld xmlns:a="http://schemas.openxmlformats.org/drawingml/2006/main" xmlns:r="http://schemas.openxmlformats.org/officeDocument/2006/relationships" xmlns:p="http://schemas.openxmlformats.org/presentationml/2006/main">
   <p:cSld>
     <p:spTree>
@@ -3854,7 +4260,7 @@
 </p:sld>
 </file>
 
-<file path=ppt/slides/slide5.xml><?xml version="1.0" encoding="utf-8"?>
+<file path=ppt/slides/slide6.xml><?xml version="1.0" encoding="utf-8"?>
 <p:sld xmlns:a="http://schemas.openxmlformats.org/drawingml/2006/main" xmlns:r="http://schemas.openxmlformats.org/officeDocument/2006/relationships" xmlns:p="http://schemas.openxmlformats.org/presentationml/2006/main">
   <p:cSld>
     <p:spTree>
@@ -3920,7 +4326,7 @@
 </p:sld>
 </file>
 
-<file path=ppt/slides/slide6.xml><?xml version="1.0" encoding="utf-8"?>
+<file path=ppt/slides/slide7.xml><?xml version="1.0" encoding="utf-8"?>
 <p:sld xmlns:a="http://schemas.openxmlformats.org/drawingml/2006/main" xmlns:r="http://schemas.openxmlformats.org/officeDocument/2006/relationships" xmlns:p="http://schemas.openxmlformats.org/presentationml/2006/main">
   <p:cSld>
     <p:spTree>
@@ -3977,72 +4383,6 @@
     <p:extLst>
       <p:ext uri="{BB962C8B-B14F-4D97-AF65-F5344CB8AC3E}">
         <p14:creationId xmlns:p14="http://schemas.microsoft.com/office/powerpoint/2010/main" val="2886937674"/>
-      </p:ext>
-    </p:extLst>
-  </p:cSld>
-  <p:clrMapOvr>
-    <a:masterClrMapping/>
-  </p:clrMapOvr>
-</p:sld>
-</file>
-
-<file path=ppt/slides/slide7.xml><?xml version="1.0" encoding="utf-8"?>
-<p:sld xmlns:a="http://schemas.openxmlformats.org/drawingml/2006/main" xmlns:r="http://schemas.openxmlformats.org/officeDocument/2006/relationships" xmlns:p="http://schemas.openxmlformats.org/presentationml/2006/main">
-  <p:cSld>
-    <p:spTree>
-      <p:nvGrpSpPr>
-        <p:cNvPr id="1" name=""/>
-        <p:cNvGrpSpPr/>
-        <p:nvPr/>
-      </p:nvGrpSpPr>
-      <p:grpSpPr>
-        <a:xfrm>
-          <a:off x="0" y="0"/>
-          <a:ext cx="0" cy="0"/>
-          <a:chOff x="0" y="0"/>
-          <a:chExt cx="0" cy="0"/>
-        </a:xfrm>
-      </p:grpSpPr>
-      <p:pic>
-        <p:nvPicPr>
-          <p:cNvPr id="9" name="Picture 8" descr="A screenshot of a cell phone&#10;&#10;Description automatically generated">
-            <a:extLst>
-              <a:ext uri="{FF2B5EF4-FFF2-40B4-BE49-F238E27FC236}">
-                <a16:creationId xmlns:a16="http://schemas.microsoft.com/office/drawing/2014/main" id="{88A1C658-EFED-4E78-A3F3-E5BF5561978C}"/>
-              </a:ext>
-            </a:extLst>
-          </p:cNvPr>
-          <p:cNvPicPr>
-            <a:picLocks noChangeAspect="1"/>
-          </p:cNvPicPr>
-          <p:nvPr/>
-        </p:nvPicPr>
-        <p:blipFill>
-          <a:blip r:embed="rId2">
-            <a:extLst>
-              <a:ext uri="{28A0092B-C50C-407E-A947-70E740481C1C}">
-                <a14:useLocalDpi xmlns:a14="http://schemas.microsoft.com/office/drawing/2010/main" val="0"/>
-              </a:ext>
-            </a:extLst>
-          </a:blip>
-          <a:stretch>
-            <a:fillRect/>
-          </a:stretch>
-        </p:blipFill>
-        <p:spPr>
-          <a:xfrm>
-            <a:off x="0" y="381000"/>
-            <a:ext cx="12192000" cy="6096000"/>
-          </a:xfrm>
-          <a:prstGeom prst="rect">
-            <a:avLst/>
-          </a:prstGeom>
-        </p:spPr>
-      </p:pic>
-    </p:spTree>
-    <p:extLst>
-      <p:ext uri="{BB962C8B-B14F-4D97-AF65-F5344CB8AC3E}">
-        <p14:creationId xmlns:p14="http://schemas.microsoft.com/office/powerpoint/2010/main" val="4123774445"/>
       </p:ext>
     </p:extLst>
   </p:cSld>
@@ -4074,7 +4414,7 @@
           <p:cNvPr id="9" name="Picture 8" descr="A screenshot of a cell phone&#10;&#10;Description automatically generated">
             <a:extLst>
               <a:ext uri="{FF2B5EF4-FFF2-40B4-BE49-F238E27FC236}">
-                <a16:creationId xmlns:a16="http://schemas.microsoft.com/office/drawing/2014/main" id="{D7FDC881-6BE0-440F-AA19-9E4C1940F56F}"/>
+                <a16:creationId xmlns:a16="http://schemas.microsoft.com/office/drawing/2014/main" id="{88A1C658-EFED-4E78-A3F3-E5BF5561978C}"/>
               </a:ext>
             </a:extLst>
           </p:cNvPr>
@@ -4108,7 +4448,7 @@
     </p:spTree>
     <p:extLst>
       <p:ext uri="{BB962C8B-B14F-4D97-AF65-F5344CB8AC3E}">
-        <p14:creationId xmlns:p14="http://schemas.microsoft.com/office/powerpoint/2010/main" val="266382367"/>
+        <p14:creationId xmlns:p14="http://schemas.microsoft.com/office/powerpoint/2010/main" val="4123774445"/>
       </p:ext>
     </p:extLst>
   </p:cSld>
@@ -4137,10 +4477,10 @@
       </p:grpSpPr>
       <p:pic>
         <p:nvPicPr>
-          <p:cNvPr id="9" name="Picture 8" descr="A close up of a map&#10;&#10;Description automatically generated">
-            <a:extLst>
-              <a:ext uri="{FF2B5EF4-FFF2-40B4-BE49-F238E27FC236}">
-                <a16:creationId xmlns:a16="http://schemas.microsoft.com/office/drawing/2014/main" id="{35147838-88F3-4F65-8BDF-D487EA8B9118}"/>
+          <p:cNvPr id="9" name="Picture 8" descr="A screenshot of a cell phone&#10;&#10;Description automatically generated">
+            <a:extLst>
+              <a:ext uri="{FF2B5EF4-FFF2-40B4-BE49-F238E27FC236}">
+                <a16:creationId xmlns:a16="http://schemas.microsoft.com/office/drawing/2014/main" id="{D7FDC881-6BE0-440F-AA19-9E4C1940F56F}"/>
               </a:ext>
             </a:extLst>
           </p:cNvPr>
@@ -4174,7 +4514,7 @@
     </p:spTree>
     <p:extLst>
       <p:ext uri="{BB962C8B-B14F-4D97-AF65-F5344CB8AC3E}">
-        <p14:creationId xmlns:p14="http://schemas.microsoft.com/office/powerpoint/2010/main" val="3814329659"/>
+        <p14:creationId xmlns:p14="http://schemas.microsoft.com/office/powerpoint/2010/main" val="266382367"/>
       </p:ext>
     </p:extLst>
   </p:cSld>

--- a/Outline.pptx
+++ b/Outline.pptx
@@ -17,8 +17,8 @@
     <p:sldId id="280" r:id="rId11"/>
     <p:sldId id="281" r:id="rId12"/>
     <p:sldId id="283" r:id="rId13"/>
-    <p:sldId id="284" r:id="rId14"/>
-    <p:sldId id="285" r:id="rId15"/>
+    <p:sldId id="285" r:id="rId14"/>
+    <p:sldId id="284" r:id="rId15"/>
     <p:sldId id="286" r:id="rId16"/>
   </p:sldIdLst>
   <p:sldSz cx="12192000" cy="6858000"/>
@@ -3372,10 +3372,10 @@
       </p:sp>
       <p:sp>
         <p:nvSpPr>
-          <p:cNvPr id="3" name="Subtitle 2">
-            <a:extLst>
-              <a:ext uri="{FF2B5EF4-FFF2-40B4-BE49-F238E27FC236}">
-                <a16:creationId xmlns:a16="http://schemas.microsoft.com/office/drawing/2014/main" id="{88CE9EDC-C8C9-4CC4-BAA3-23D1ABAF1776}"/>
+          <p:cNvPr id="5" name="Subtitle 4">
+            <a:extLst>
+              <a:ext uri="{FF2B5EF4-FFF2-40B4-BE49-F238E27FC236}">
+                <a16:creationId xmlns:a16="http://schemas.microsoft.com/office/drawing/2014/main" id="{6D9F922C-3C96-4A63-BBA4-128D91FB7EB2}"/>
               </a:ext>
             </a:extLst>
           </p:cNvPr>
@@ -3386,22 +3386,12 @@
             <p:ph type="subTitle" idx="1"/>
           </p:nvPr>
         </p:nvSpPr>
-        <p:spPr>
-          <a:xfrm>
-            <a:off x="1524000" y="4541514"/>
-            <a:ext cx="9144000" cy="385593"/>
-          </a:xfrm>
-        </p:spPr>
-        <p:txBody>
-          <a:bodyPr>
-            <a:normAutofit fontScale="92500" lnSpcReduction="10000"/>
-          </a:bodyPr>
-          <a:lstStyle/>
-          <a:p>
-            <a:r>
-              <a:rPr lang="en-US" dirty="0"/>
-              <a:t>Outline</a:t>
-            </a:r>
+        <p:spPr/>
+        <p:txBody>
+          <a:bodyPr/>
+          <a:lstStyle/>
+          <a:p>
+            <a:endParaRPr lang="en-US" dirty="0"/>
           </a:p>
         </p:txBody>
       </p:sp>
@@ -3633,10 +3623,70 @@
           <a:chExt cx="0" cy="0"/>
         </a:xfrm>
       </p:grpSpPr>
+      <p:sp>
+        <p:nvSpPr>
+          <p:cNvPr id="2" name="Title 1">
+            <a:extLst>
+              <a:ext uri="{FF2B5EF4-FFF2-40B4-BE49-F238E27FC236}">
+                <a16:creationId xmlns:a16="http://schemas.microsoft.com/office/drawing/2014/main" id="{2A2F1B7B-6468-4933-910C-1E4028D148F3}"/>
+              </a:ext>
+            </a:extLst>
+          </p:cNvPr>
+          <p:cNvSpPr>
+            <a:spLocks noGrp="1"/>
+          </p:cNvSpPr>
+          <p:nvPr>
+            <p:ph type="title"/>
+          </p:nvPr>
+        </p:nvSpPr>
+        <p:spPr/>
+        <p:txBody>
+          <a:bodyPr/>
+          <a:lstStyle/>
+          <a:p>
+            <a:endParaRPr lang="en-US"/>
+          </a:p>
+        </p:txBody>
+      </p:sp>
+      <p:pic>
+        <p:nvPicPr>
+          <p:cNvPr id="5" name="Content Placeholder 4" descr="A close up of a map&#10;&#10;Description automatically generated">
+            <a:extLst>
+              <a:ext uri="{FF2B5EF4-FFF2-40B4-BE49-F238E27FC236}">
+                <a16:creationId xmlns:a16="http://schemas.microsoft.com/office/drawing/2014/main" id="{4FFD4ADB-3049-42E9-A84B-3230BBEA0130}"/>
+              </a:ext>
+            </a:extLst>
+          </p:cNvPr>
+          <p:cNvPicPr>
+            <a:picLocks noGrp="1" noChangeAspect="1"/>
+          </p:cNvPicPr>
+          <p:nvPr>
+            <p:ph idx="1"/>
+          </p:nvPr>
+        </p:nvPicPr>
+        <p:blipFill>
+          <a:blip r:embed="rId2">
+            <a:extLst>
+              <a:ext uri="{28A0092B-C50C-407E-A947-70E740481C1C}">
+                <a14:useLocalDpi xmlns:a14="http://schemas.microsoft.com/office/drawing/2010/main" val="0"/>
+              </a:ext>
+            </a:extLst>
+          </a:blip>
+          <a:stretch>
+            <a:fillRect/>
+          </a:stretch>
+        </p:blipFill>
+        <p:spPr>
+          <a:xfrm>
+            <a:off x="1744662" y="1825625"/>
+            <a:ext cx="8702676" cy="4351338"/>
+          </a:xfrm>
+        </p:spPr>
+      </p:pic>
     </p:spTree>
     <p:extLst>
       <p:ext uri="{BB962C8B-B14F-4D97-AF65-F5344CB8AC3E}">
-        <p14:creationId xmlns:p14="http://schemas.microsoft.com/office/powerpoint/2010/main" val="1038548701"/>
+        <p14:creationId xmlns:p14="http://schemas.microsoft.com/office/powerpoint/2010/main" val="303701799"/>
       </p:ext>
     </p:extLst>
   </p:cSld>
@@ -3663,60 +3713,46 @@
           <a:chExt cx="0" cy="0"/>
         </a:xfrm>
       </p:grpSpPr>
-      <p:sp>
-        <p:nvSpPr>
-          <p:cNvPr id="2" name="Title 1">
-            <a:extLst>
-              <a:ext uri="{FF2B5EF4-FFF2-40B4-BE49-F238E27FC236}">
-                <a16:creationId xmlns:a16="http://schemas.microsoft.com/office/drawing/2014/main" id="{2A2F1B7B-6468-4933-910C-1E4028D148F3}"/>
-              </a:ext>
-            </a:extLst>
-          </p:cNvPr>
-          <p:cNvSpPr>
-            <a:spLocks noGrp="1"/>
-          </p:cNvSpPr>
-          <p:nvPr>
-            <p:ph type="title"/>
-          </p:nvPr>
-        </p:nvSpPr>
-        <p:spPr/>
-        <p:txBody>
-          <a:bodyPr/>
-          <a:lstStyle/>
-          <a:p>
-            <a:endParaRPr lang="en-US"/>
-          </a:p>
-        </p:txBody>
-      </p:sp>
-      <p:sp>
-        <p:nvSpPr>
-          <p:cNvPr id="3" name="Content Placeholder 2">
-            <a:extLst>
-              <a:ext uri="{FF2B5EF4-FFF2-40B4-BE49-F238E27FC236}">
-                <a16:creationId xmlns:a16="http://schemas.microsoft.com/office/drawing/2014/main" id="{BA5A0CF1-8F11-4176-92F8-9893AA6DAE6C}"/>
-              </a:ext>
-            </a:extLst>
-          </p:cNvPr>
-          <p:cNvSpPr>
-            <a:spLocks noGrp="1"/>
-          </p:cNvSpPr>
-          <p:nvPr>
-            <p:ph idx="1"/>
-          </p:nvPr>
-        </p:nvSpPr>
-        <p:spPr/>
-        <p:txBody>
-          <a:bodyPr/>
-          <a:lstStyle/>
-          <a:p>
-            <a:endParaRPr lang="en-US"/>
-          </a:p>
-        </p:txBody>
-      </p:sp>
+      <p:pic>
+        <p:nvPicPr>
+          <p:cNvPr id="3" name="Picture 2" descr="A close up of a map&#10;&#10;Description automatically generated">
+            <a:extLst>
+              <a:ext uri="{FF2B5EF4-FFF2-40B4-BE49-F238E27FC236}">
+                <a16:creationId xmlns:a16="http://schemas.microsoft.com/office/drawing/2014/main" id="{0526D5D4-D0E8-45AB-AA03-E80F33C4846F}"/>
+              </a:ext>
+            </a:extLst>
+          </p:cNvPr>
+          <p:cNvPicPr>
+            <a:picLocks noChangeAspect="1"/>
+          </p:cNvPicPr>
+          <p:nvPr/>
+        </p:nvPicPr>
+        <p:blipFill>
+          <a:blip r:embed="rId2">
+            <a:extLst>
+              <a:ext uri="{28A0092B-C50C-407E-A947-70E740481C1C}">
+                <a14:useLocalDpi xmlns:a14="http://schemas.microsoft.com/office/drawing/2010/main" val="0"/>
+              </a:ext>
+            </a:extLst>
+          </a:blip>
+          <a:stretch>
+            <a:fillRect/>
+          </a:stretch>
+        </p:blipFill>
+        <p:spPr>
+          <a:xfrm>
+            <a:off x="1524000" y="1143000"/>
+            <a:ext cx="9144000" cy="4572000"/>
+          </a:xfrm>
+          <a:prstGeom prst="rect">
+            <a:avLst/>
+          </a:prstGeom>
+        </p:spPr>
+      </p:pic>
     </p:spTree>
     <p:extLst>
       <p:ext uri="{BB962C8B-B14F-4D97-AF65-F5344CB8AC3E}">
-        <p14:creationId xmlns:p14="http://schemas.microsoft.com/office/powerpoint/2010/main" val="303701799"/>
+        <p14:creationId xmlns:p14="http://schemas.microsoft.com/office/powerpoint/2010/main" val="1038548701"/>
       </p:ext>
     </p:extLst>
   </p:cSld>
@@ -3759,7 +3795,12 @@
             <p:ph type="title"/>
           </p:nvPr>
         </p:nvSpPr>
-        <p:spPr/>
+        <p:spPr>
+          <a:xfrm>
+            <a:off x="740546" y="63284"/>
+            <a:ext cx="10515600" cy="1325563"/>
+          </a:xfrm>
+        </p:spPr>
         <p:txBody>
           <a:bodyPr/>
           <a:lstStyle/>
@@ -3773,10 +3814,10 @@
       </p:sp>
       <p:sp>
         <p:nvSpPr>
-          <p:cNvPr id="3" name="Content Placeholder 2">
-            <a:extLst>
-              <a:ext uri="{FF2B5EF4-FFF2-40B4-BE49-F238E27FC236}">
-                <a16:creationId xmlns:a16="http://schemas.microsoft.com/office/drawing/2014/main" id="{09188CA8-20C4-4341-84A1-18E2AE5C8DA3}"/>
+          <p:cNvPr id="4" name="Content Placeholder 2">
+            <a:extLst>
+              <a:ext uri="{FF2B5EF4-FFF2-40B4-BE49-F238E27FC236}">
+                <a16:creationId xmlns:a16="http://schemas.microsoft.com/office/drawing/2014/main" id="{6384265C-94AD-4DBF-9D53-B10E4CD3FED5}"/>
               </a:ext>
             </a:extLst>
           </p:cNvPr>
@@ -3787,12 +3828,113 @@
             <p:ph idx="1"/>
           </p:nvPr>
         </p:nvSpPr>
-        <p:spPr/>
-        <p:txBody>
-          <a:bodyPr/>
-          <a:lstStyle/>
-          <a:p>
-            <a:endParaRPr lang="en-US"/>
+        <p:spPr>
+          <a:xfrm>
+            <a:off x="301839" y="1227337"/>
+            <a:ext cx="10515600" cy="5342139"/>
+          </a:xfrm>
+        </p:spPr>
+        <p:txBody>
+          <a:bodyPr>
+            <a:normAutofit/>
+          </a:bodyPr>
+          <a:lstStyle/>
+          <a:p>
+            <a:pPr marL="514350" indent="-514350">
+              <a:buAutoNum type="arabicPeriod"/>
+            </a:pPr>
+            <a:r>
+              <a:rPr lang="en-US" dirty="0"/>
+              <a:t>There is a significant effect for 18-25 years-</a:t>
+            </a:r>
+            <a:r>
+              <a:rPr lang="en-US" dirty="0" err="1"/>
+              <a:t>olds</a:t>
+            </a:r>
+            <a:r>
+              <a:rPr lang="en-US" dirty="0"/>
+              <a:t> for trying Marijuana for the first time after it becomes legal. </a:t>
+            </a:r>
+          </a:p>
+          <a:p>
+            <a:pPr marL="514350" indent="-514350">
+              <a:buAutoNum type="arabicPeriod"/>
+            </a:pPr>
+            <a:r>
+              <a:rPr lang="en-US" dirty="0"/>
+              <a:t>Slight increase in past month use of Marijuana for 18-25 years </a:t>
+            </a:r>
+            <a:r>
+              <a:rPr lang="en-US" dirty="0" err="1"/>
+              <a:t>olds</a:t>
+            </a:r>
+            <a:r>
+              <a:rPr lang="en-US" dirty="0"/>
+              <a:t> in Colorado.</a:t>
+            </a:r>
+          </a:p>
+          <a:p>
+            <a:pPr marL="514350" indent="-514350">
+              <a:buAutoNum type="arabicPeriod"/>
+            </a:pPr>
+            <a:r>
+              <a:rPr lang="en-US" dirty="0"/>
+              <a:t>No affect on other substance use after legalization. </a:t>
+            </a:r>
+          </a:p>
+          <a:p>
+            <a:pPr marL="514350" indent="-514350">
+              <a:buAutoNum type="arabicPeriod"/>
+            </a:pPr>
+            <a:r>
+              <a:rPr lang="en-US" dirty="0"/>
+              <a:t>No correlation on the rate drug and violent crimes after legalization.</a:t>
+            </a:r>
+          </a:p>
+          <a:p>
+            <a:pPr marL="514350" indent="-514350">
+              <a:buAutoNum type="arabicPeriod"/>
+            </a:pPr>
+            <a:r>
+              <a:rPr lang="en-US" dirty="0"/>
+              <a:t>Slight decrease in drug possession crimes after legalization.  </a:t>
+            </a:r>
+          </a:p>
+          <a:p>
+            <a:pPr marL="514350" indent="-514350">
+              <a:buAutoNum type="arabicPeriod"/>
+            </a:pPr>
+            <a:endParaRPr lang="en-US" dirty="0"/>
+          </a:p>
+          <a:p>
+            <a:pPr marL="514350" indent="-514350">
+              <a:buAutoNum type="arabicPeriod"/>
+            </a:pPr>
+            <a:endParaRPr lang="en-US" dirty="0"/>
+          </a:p>
+          <a:p>
+            <a:pPr marL="514350" indent="-514350">
+              <a:buAutoNum type="arabicPeriod"/>
+            </a:pPr>
+            <a:endParaRPr lang="en-US" dirty="0"/>
+          </a:p>
+          <a:p>
+            <a:pPr marL="514350" indent="-514350">
+              <a:buAutoNum type="arabicPeriod"/>
+            </a:pPr>
+            <a:endParaRPr lang="en-US" dirty="0"/>
+          </a:p>
+          <a:p>
+            <a:pPr marL="514350" indent="-514350">
+              <a:buAutoNum type="arabicPeriod"/>
+            </a:pPr>
+            <a:endParaRPr lang="en-US" dirty="0"/>
+          </a:p>
+          <a:p>
+            <a:pPr marL="514350" indent="-514350">
+              <a:buAutoNum type="arabicPeriod"/>
+            </a:pPr>
+            <a:endParaRPr lang="en-US" dirty="0"/>
           </a:p>
         </p:txBody>
       </p:sp>
@@ -3883,19 +4025,21 @@
         </p:nvSpPr>
         <p:spPr>
           <a:xfrm>
-            <a:off x="257451" y="1298359"/>
-            <a:ext cx="10515600" cy="2130641"/>
+            <a:off x="284084" y="1012054"/>
+            <a:ext cx="11487706" cy="2936290"/>
           </a:xfrm>
         </p:spPr>
         <p:txBody>
-          <a:bodyPr/>
+          <a:bodyPr>
+            <a:normAutofit/>
+          </a:bodyPr>
           <a:lstStyle/>
           <a:p>
             <a:pPr marL="0" indent="0">
               <a:buNone/>
             </a:pPr>
             <a:r>
-              <a:rPr lang="en-US" dirty="0"/>
+              <a:rPr lang="en-US" u="sng" dirty="0"/>
               <a:t>Areas of focus</a:t>
             </a:r>
           </a:p>
@@ -3910,6 +4054,13 @@
             </a:r>
           </a:p>
           <a:p>
+            <a:pPr lvl="2"/>
+            <a:r>
+              <a:rPr lang="en-US" dirty="0"/>
+              <a:t>Compared to Texas and the United States</a:t>
+            </a:r>
+          </a:p>
+          <a:p>
             <a:pPr marL="971550" lvl="1" indent="-514350">
               <a:buFont typeface="+mj-lt"/>
               <a:buAutoNum type="arabicPeriod"/>
@@ -3920,6 +4071,13 @@
             </a:r>
           </a:p>
           <a:p>
+            <a:pPr lvl="2"/>
+            <a:r>
+              <a:rPr lang="en-US" dirty="0"/>
+              <a:t>Compared to Texas and the United States</a:t>
+            </a:r>
+          </a:p>
+          <a:p>
             <a:pPr marL="971550" lvl="1" indent="-514350">
               <a:buFont typeface="+mj-lt"/>
               <a:buAutoNum type="arabicPeriod"/>
@@ -3936,7 +4094,220 @@
             </a:pPr>
             <a:r>
               <a:rPr lang="en-US" dirty="0"/>
-              <a:t>Rates of crime before and after legalization. </a:t>
+              <a:t>Rates of crime/incarceration before and after legalization. </a:t>
+            </a:r>
+          </a:p>
+        </p:txBody>
+      </p:sp>
+      <p:sp>
+        <p:nvSpPr>
+          <p:cNvPr id="4" name="Content Placeholder 2">
+            <a:extLst>
+              <a:ext uri="{FF2B5EF4-FFF2-40B4-BE49-F238E27FC236}">
+                <a16:creationId xmlns:a16="http://schemas.microsoft.com/office/drawing/2014/main" id="{D6FB5149-3BD0-4583-9A11-D5E8500D4A20}"/>
+              </a:ext>
+            </a:extLst>
+          </p:cNvPr>
+          <p:cNvSpPr txBox="1">
+            <a:spLocks/>
+          </p:cNvSpPr>
+          <p:nvPr/>
+        </p:nvSpPr>
+        <p:spPr>
+          <a:xfrm>
+            <a:off x="578527" y="4291614"/>
+            <a:ext cx="10515600" cy="2130641"/>
+          </a:xfrm>
+          <a:prstGeom prst="rect">
+            <a:avLst/>
+          </a:prstGeom>
+        </p:spPr>
+        <p:txBody>
+          <a:bodyPr vert="horz" lIns="91440" tIns="45720" rIns="91440" bIns="45720" rtlCol="0">
+            <a:normAutofit/>
+          </a:bodyPr>
+          <a:lstStyle>
+            <a:lvl1pPr marL="228600" indent="-228600" algn="l" defTabSz="914400" rtl="0" eaLnBrk="1" latinLnBrk="0" hangingPunct="1">
+              <a:lnSpc>
+                <a:spcPct val="90000"/>
+              </a:lnSpc>
+              <a:spcBef>
+                <a:spcPts val="1000"/>
+              </a:spcBef>
+              <a:buFont typeface="Arial" panose="020B0604020202020204" pitchFamily="34" charset="0"/>
+              <a:buChar char="•"/>
+              <a:defRPr sz="2800" kern="1200">
+                <a:solidFill>
+                  <a:schemeClr val="tx1"/>
+                </a:solidFill>
+                <a:latin typeface="+mn-lt"/>
+                <a:ea typeface="+mn-ea"/>
+                <a:cs typeface="+mn-cs"/>
+              </a:defRPr>
+            </a:lvl1pPr>
+            <a:lvl2pPr marL="685800" indent="-228600" algn="l" defTabSz="914400" rtl="0" eaLnBrk="1" latinLnBrk="0" hangingPunct="1">
+              <a:lnSpc>
+                <a:spcPct val="90000"/>
+              </a:lnSpc>
+              <a:spcBef>
+                <a:spcPts val="500"/>
+              </a:spcBef>
+              <a:buFont typeface="Arial" panose="020B0604020202020204" pitchFamily="34" charset="0"/>
+              <a:buChar char="•"/>
+              <a:defRPr sz="2400" kern="1200">
+                <a:solidFill>
+                  <a:schemeClr val="tx1"/>
+                </a:solidFill>
+                <a:latin typeface="+mn-lt"/>
+                <a:ea typeface="+mn-ea"/>
+                <a:cs typeface="+mn-cs"/>
+              </a:defRPr>
+            </a:lvl2pPr>
+            <a:lvl3pPr marL="1143000" indent="-228600" algn="l" defTabSz="914400" rtl="0" eaLnBrk="1" latinLnBrk="0" hangingPunct="1">
+              <a:lnSpc>
+                <a:spcPct val="90000"/>
+              </a:lnSpc>
+              <a:spcBef>
+                <a:spcPts val="500"/>
+              </a:spcBef>
+              <a:buFont typeface="Arial" panose="020B0604020202020204" pitchFamily="34" charset="0"/>
+              <a:buChar char="•"/>
+              <a:defRPr sz="2000" kern="1200">
+                <a:solidFill>
+                  <a:schemeClr val="tx1"/>
+                </a:solidFill>
+                <a:latin typeface="+mn-lt"/>
+                <a:ea typeface="+mn-ea"/>
+                <a:cs typeface="+mn-cs"/>
+              </a:defRPr>
+            </a:lvl3pPr>
+            <a:lvl4pPr marL="1600200" indent="-228600" algn="l" defTabSz="914400" rtl="0" eaLnBrk="1" latinLnBrk="0" hangingPunct="1">
+              <a:lnSpc>
+                <a:spcPct val="90000"/>
+              </a:lnSpc>
+              <a:spcBef>
+                <a:spcPts val="500"/>
+              </a:spcBef>
+              <a:buFont typeface="Arial" panose="020B0604020202020204" pitchFamily="34" charset="0"/>
+              <a:buChar char="•"/>
+              <a:defRPr sz="1800" kern="1200">
+                <a:solidFill>
+                  <a:schemeClr val="tx1"/>
+                </a:solidFill>
+                <a:latin typeface="+mn-lt"/>
+                <a:ea typeface="+mn-ea"/>
+                <a:cs typeface="+mn-cs"/>
+              </a:defRPr>
+            </a:lvl4pPr>
+            <a:lvl5pPr marL="2057400" indent="-228600" algn="l" defTabSz="914400" rtl="0" eaLnBrk="1" latinLnBrk="0" hangingPunct="1">
+              <a:lnSpc>
+                <a:spcPct val="90000"/>
+              </a:lnSpc>
+              <a:spcBef>
+                <a:spcPts val="500"/>
+              </a:spcBef>
+              <a:buFont typeface="Arial" panose="020B0604020202020204" pitchFamily="34" charset="0"/>
+              <a:buChar char="•"/>
+              <a:defRPr sz="1800" kern="1200">
+                <a:solidFill>
+                  <a:schemeClr val="tx1"/>
+                </a:solidFill>
+                <a:latin typeface="+mn-lt"/>
+                <a:ea typeface="+mn-ea"/>
+                <a:cs typeface="+mn-cs"/>
+              </a:defRPr>
+            </a:lvl5pPr>
+            <a:lvl6pPr marL="2514600" indent="-228600" algn="l" defTabSz="914400" rtl="0" eaLnBrk="1" latinLnBrk="0" hangingPunct="1">
+              <a:lnSpc>
+                <a:spcPct val="90000"/>
+              </a:lnSpc>
+              <a:spcBef>
+                <a:spcPts val="500"/>
+              </a:spcBef>
+              <a:buFont typeface="Arial" panose="020B0604020202020204" pitchFamily="34" charset="0"/>
+              <a:buChar char="•"/>
+              <a:defRPr sz="1800" kern="1200">
+                <a:solidFill>
+                  <a:schemeClr val="tx1"/>
+                </a:solidFill>
+                <a:latin typeface="+mn-lt"/>
+                <a:ea typeface="+mn-ea"/>
+                <a:cs typeface="+mn-cs"/>
+              </a:defRPr>
+            </a:lvl6pPr>
+            <a:lvl7pPr marL="2971800" indent="-228600" algn="l" defTabSz="914400" rtl="0" eaLnBrk="1" latinLnBrk="0" hangingPunct="1">
+              <a:lnSpc>
+                <a:spcPct val="90000"/>
+              </a:lnSpc>
+              <a:spcBef>
+                <a:spcPts val="500"/>
+              </a:spcBef>
+              <a:buFont typeface="Arial" panose="020B0604020202020204" pitchFamily="34" charset="0"/>
+              <a:buChar char="•"/>
+              <a:defRPr sz="1800" kern="1200">
+                <a:solidFill>
+                  <a:schemeClr val="tx1"/>
+                </a:solidFill>
+                <a:latin typeface="+mn-lt"/>
+                <a:ea typeface="+mn-ea"/>
+                <a:cs typeface="+mn-cs"/>
+              </a:defRPr>
+            </a:lvl7pPr>
+            <a:lvl8pPr marL="3429000" indent="-228600" algn="l" defTabSz="914400" rtl="0" eaLnBrk="1" latinLnBrk="0" hangingPunct="1">
+              <a:lnSpc>
+                <a:spcPct val="90000"/>
+              </a:lnSpc>
+              <a:spcBef>
+                <a:spcPts val="500"/>
+              </a:spcBef>
+              <a:buFont typeface="Arial" panose="020B0604020202020204" pitchFamily="34" charset="0"/>
+              <a:buChar char="•"/>
+              <a:defRPr sz="1800" kern="1200">
+                <a:solidFill>
+                  <a:schemeClr val="tx1"/>
+                </a:solidFill>
+                <a:latin typeface="+mn-lt"/>
+                <a:ea typeface="+mn-ea"/>
+                <a:cs typeface="+mn-cs"/>
+              </a:defRPr>
+            </a:lvl8pPr>
+            <a:lvl9pPr marL="3886200" indent="-228600" algn="l" defTabSz="914400" rtl="0" eaLnBrk="1" latinLnBrk="0" hangingPunct="1">
+              <a:lnSpc>
+                <a:spcPct val="90000"/>
+              </a:lnSpc>
+              <a:spcBef>
+                <a:spcPts val="500"/>
+              </a:spcBef>
+              <a:buFont typeface="Arial" panose="020B0604020202020204" pitchFamily="34" charset="0"/>
+              <a:buChar char="•"/>
+              <a:defRPr sz="1800" kern="1200">
+                <a:solidFill>
+                  <a:schemeClr val="tx1"/>
+                </a:solidFill>
+                <a:latin typeface="+mn-lt"/>
+                <a:ea typeface="+mn-ea"/>
+                <a:cs typeface="+mn-cs"/>
+              </a:defRPr>
+            </a:lvl9pPr>
+          </a:lstStyle>
+          <a:p>
+            <a:pPr marL="0" indent="0">
+              <a:buFont typeface="Arial" panose="020B0604020202020204" pitchFamily="34" charset="0"/>
+              <a:buNone/>
+            </a:pPr>
+            <a:r>
+              <a:rPr lang="en-US" u="sng" dirty="0"/>
+              <a:t>Motivation</a:t>
+            </a:r>
+          </a:p>
+          <a:p>
+            <a:pPr>
+              <a:buFont typeface="Wingdings" panose="05000000000000000000" pitchFamily="2" charset="2"/>
+              <a:buChar char="v"/>
+            </a:pPr>
+            <a:r>
+              <a:rPr lang="en-US" dirty="0"/>
+              <a:t> Marijuana legalization is becoming more prevalent, and we wanted to see the effects for a case study i.e. Colorado.  </a:t>
             </a:r>
           </a:p>
         </p:txBody>
@@ -3999,98 +4370,77 @@
           <a:p>
             <a:r>
               <a:rPr lang="en-US" dirty="0"/>
-              <a:t>Data Sources </a:t>
-            </a:r>
-          </a:p>
-        </p:txBody>
-      </p:sp>
-      <p:grpSp>
-        <p:nvGrpSpPr>
-          <p:cNvPr id="4" name="Group 3">
-            <a:extLst>
-              <a:ext uri="{FF2B5EF4-FFF2-40B4-BE49-F238E27FC236}">
-                <a16:creationId xmlns:a16="http://schemas.microsoft.com/office/drawing/2014/main" id="{0BF7CA19-10DD-4C83-A825-A231D54900F3}"/>
-              </a:ext>
-            </a:extLst>
-          </p:cNvPr>
-          <p:cNvGrpSpPr/>
+              <a:t>Data Sources and Cleanup</a:t>
+            </a:r>
+          </a:p>
+        </p:txBody>
+      </p:sp>
+      <p:pic>
+        <p:nvPicPr>
+          <p:cNvPr id="5" name="Picture 4">
+            <a:extLst>
+              <a:ext uri="{FF2B5EF4-FFF2-40B4-BE49-F238E27FC236}">
+                <a16:creationId xmlns:a16="http://schemas.microsoft.com/office/drawing/2014/main" id="{E8434970-C993-4318-B386-F67D712173C7}"/>
+              </a:ext>
+            </a:extLst>
+          </p:cNvPr>
+          <p:cNvPicPr>
+            <a:picLocks noChangeAspect="1"/>
+          </p:cNvPicPr>
           <p:nvPr/>
-        </p:nvGrpSpPr>
-        <p:grpSpPr>
+        </p:nvPicPr>
+        <p:blipFill>
+          <a:blip r:embed="rId2"/>
+          <a:stretch>
+            <a:fillRect/>
+          </a:stretch>
+        </p:blipFill>
+        <p:spPr>
           <a:xfrm>
-            <a:off x="499139" y="1355047"/>
-            <a:ext cx="6785037" cy="2073953"/>
-            <a:chOff x="5266446" y="4445216"/>
-            <a:chExt cx="6785037" cy="2073953"/>
+            <a:off x="0" y="1600922"/>
+            <a:ext cx="3503849" cy="1114425"/>
           </a:xfrm>
-        </p:grpSpPr>
-        <p:pic>
-          <p:nvPicPr>
-            <p:cNvPr id="5" name="Picture 4">
-              <a:extLst>
-                <a:ext uri="{FF2B5EF4-FFF2-40B4-BE49-F238E27FC236}">
-                  <a16:creationId xmlns:a16="http://schemas.microsoft.com/office/drawing/2014/main" id="{E8434970-C993-4318-B386-F67D712173C7}"/>
-                </a:ext>
-              </a:extLst>
-            </p:cNvPr>
-            <p:cNvPicPr>
-              <a:picLocks noChangeAspect="1"/>
-            </p:cNvPicPr>
-            <p:nvPr/>
-          </p:nvPicPr>
-          <p:blipFill>
-            <a:blip r:embed="rId2"/>
-            <a:stretch>
-              <a:fillRect/>
-            </a:stretch>
-          </p:blipFill>
-          <p:spPr>
-            <a:xfrm>
-              <a:off x="5266446" y="4445216"/>
-              <a:ext cx="3381375" cy="1114425"/>
-            </a:xfrm>
-            <a:prstGeom prst="rect">
-              <a:avLst/>
-            </a:prstGeom>
-          </p:spPr>
-        </p:pic>
-        <p:pic>
-          <p:nvPicPr>
-            <p:cNvPr id="6" name="Picture 5">
-              <a:extLst>
-                <a:ext uri="{FF2B5EF4-FFF2-40B4-BE49-F238E27FC236}">
-                  <a16:creationId xmlns:a16="http://schemas.microsoft.com/office/drawing/2014/main" id="{660C6037-9664-4AAA-9BBF-956F568D0D40}"/>
-                </a:ext>
-              </a:extLst>
-            </p:cNvPr>
-            <p:cNvPicPr>
-              <a:picLocks noChangeAspect="1"/>
-            </p:cNvPicPr>
-            <p:nvPr/>
-          </p:nvPicPr>
-          <p:blipFill>
-            <a:blip r:embed="rId3"/>
-            <a:stretch>
-              <a:fillRect/>
-            </a:stretch>
-          </p:blipFill>
-          <p:spPr>
-            <a:xfrm>
-              <a:off x="5431608" y="5452369"/>
-              <a:ext cx="6619875" cy="1066800"/>
-            </a:xfrm>
-            <a:prstGeom prst="rect">
-              <a:avLst/>
-            </a:prstGeom>
-          </p:spPr>
-        </p:pic>
-      </p:grpSp>
+          <a:prstGeom prst="rect">
+            <a:avLst/>
+          </a:prstGeom>
+        </p:spPr>
+      </p:pic>
       <p:pic>
         <p:nvPicPr>
           <p:cNvPr id="7" name="Picture 6">
             <a:extLst>
               <a:ext uri="{FF2B5EF4-FFF2-40B4-BE49-F238E27FC236}">
                 <a16:creationId xmlns:a16="http://schemas.microsoft.com/office/drawing/2014/main" id="{9E5E13ED-D5D1-4B03-B073-47BB3D968450}"/>
+              </a:ext>
+            </a:extLst>
+          </p:cNvPr>
+          <p:cNvPicPr>
+            <a:picLocks noChangeAspect="1"/>
+          </p:cNvPicPr>
+          <p:nvPr/>
+        </p:nvPicPr>
+        <p:blipFill>
+          <a:blip r:embed="rId3"/>
+          <a:stretch>
+            <a:fillRect/>
+          </a:stretch>
+        </p:blipFill>
+        <p:spPr>
+          <a:xfrm>
+            <a:off x="220418" y="3345846"/>
+            <a:ext cx="5105400" cy="561975"/>
+          </a:xfrm>
+          <a:prstGeom prst="rect">
+            <a:avLst/>
+          </a:prstGeom>
+        </p:spPr>
+      </p:pic>
+      <p:pic>
+        <p:nvPicPr>
+          <p:cNvPr id="3" name="Picture 2">
+            <a:extLst>
+              <a:ext uri="{FF2B5EF4-FFF2-40B4-BE49-F238E27FC236}">
+                <a16:creationId xmlns:a16="http://schemas.microsoft.com/office/drawing/2014/main" id="{5E0D1868-9AC0-493E-BE5F-7DD5BD0C6CCE}"/>
               </a:ext>
             </a:extLst>
           </p:cNvPr>
@@ -4107,14 +4457,81 @@
         </p:blipFill>
         <p:spPr>
           <a:xfrm>
-            <a:off x="682056" y="3795989"/>
-            <a:ext cx="5105400" cy="561975"/>
+            <a:off x="220418" y="4566316"/>
+            <a:ext cx="6810375" cy="1133475"/>
           </a:xfrm>
           <a:prstGeom prst="rect">
             <a:avLst/>
           </a:prstGeom>
         </p:spPr>
       </p:pic>
+      <p:sp>
+        <p:nvSpPr>
+          <p:cNvPr id="8" name="TextBox 7">
+            <a:extLst>
+              <a:ext uri="{FF2B5EF4-FFF2-40B4-BE49-F238E27FC236}">
+                <a16:creationId xmlns:a16="http://schemas.microsoft.com/office/drawing/2014/main" id="{22CC4B54-4BAA-4339-BB0D-EA801A66698C}"/>
+              </a:ext>
+            </a:extLst>
+          </p:cNvPr>
+          <p:cNvSpPr txBox="1"/>
+          <p:nvPr/>
+        </p:nvSpPr>
+        <p:spPr>
+          <a:xfrm>
+            <a:off x="7776839" y="1364677"/>
+            <a:ext cx="3879542" cy="4524315"/>
+          </a:xfrm>
+          <a:prstGeom prst="rect">
+            <a:avLst/>
+          </a:prstGeom>
+          <a:noFill/>
+        </p:spPr>
+        <p:txBody>
+          <a:bodyPr wrap="square" rtlCol="0">
+            <a:spAutoFit/>
+          </a:bodyPr>
+          <a:lstStyle/>
+          <a:p>
+            <a:pPr marL="285750" indent="-285750">
+              <a:buFont typeface="Arial" panose="020B0604020202020204" pitchFamily="34" charset="0"/>
+              <a:buChar char="•"/>
+            </a:pPr>
+            <a:r>
+              <a:rPr lang="en-US" sz="2400" dirty="0"/>
+              <a:t>Data came in CSV files that were available from these sources and concatenated.</a:t>
+            </a:r>
+          </a:p>
+          <a:p>
+            <a:pPr marL="285750" indent="-285750">
+              <a:buFont typeface="Arial" panose="020B0604020202020204" pitchFamily="34" charset="0"/>
+              <a:buChar char="•"/>
+            </a:pPr>
+            <a:r>
+              <a:rPr lang="en-US" sz="2400" dirty="0"/>
+              <a:t> Other datasets were too big or unavailable such as snack food sales.</a:t>
+            </a:r>
+          </a:p>
+          <a:p>
+            <a:pPr marL="285750" indent="-285750">
+              <a:buFont typeface="Arial" panose="020B0604020202020204" pitchFamily="34" charset="0"/>
+              <a:buChar char="•"/>
+            </a:pPr>
+            <a:r>
+              <a:rPr lang="en-US" sz="2400" dirty="0"/>
+              <a:t>Other correlations considered were hospital visits, THC in new </a:t>
+            </a:r>
+            <a:r>
+              <a:rPr lang="en-US" sz="2400" dirty="0" err="1"/>
+              <a:t>borns</a:t>
+            </a:r>
+            <a:r>
+              <a:rPr lang="en-US" sz="2400" dirty="0"/>
+              <a:t>, driving while influenced by Marijuana, School test scores.     </a:t>
+            </a:r>
+          </a:p>
+        </p:txBody>
+      </p:sp>
     </p:spTree>
     <p:extLst>
       <p:ext uri="{BB962C8B-B14F-4D97-AF65-F5344CB8AC3E}">
@@ -4173,7 +4590,7 @@
         </p:blipFill>
         <p:spPr>
           <a:xfrm>
-            <a:off x="0" y="381000"/>
+            <a:off x="79899" y="381000"/>
             <a:ext cx="12192000" cy="6096000"/>
           </a:xfrm>
           <a:prstGeom prst="rect">

--- a/Outline.pptx
+++ b/Outline.pptx
@@ -273,7 +273,7 @@
           <a:p>
             <a:fld id="{7B0EAE80-6D99-41EF-BFA3-84B486674D07}" type="datetimeFigureOut">
               <a:rPr lang="en-US" smtClean="0"/>
-              <a:t>9/9/2019</a:t>
+              <a:t>9/9/19</a:t>
             </a:fld>
             <a:endParaRPr lang="en-US"/>
           </a:p>
@@ -471,7 +471,7 @@
           <a:p>
             <a:fld id="{7B0EAE80-6D99-41EF-BFA3-84B486674D07}" type="datetimeFigureOut">
               <a:rPr lang="en-US" smtClean="0"/>
-              <a:t>9/9/2019</a:t>
+              <a:t>9/9/19</a:t>
             </a:fld>
             <a:endParaRPr lang="en-US"/>
           </a:p>
@@ -679,7 +679,7 @@
           <a:p>
             <a:fld id="{7B0EAE80-6D99-41EF-BFA3-84B486674D07}" type="datetimeFigureOut">
               <a:rPr lang="en-US" smtClean="0"/>
-              <a:t>9/9/2019</a:t>
+              <a:t>9/9/19</a:t>
             </a:fld>
             <a:endParaRPr lang="en-US"/>
           </a:p>
@@ -877,7 +877,7 @@
           <a:p>
             <a:fld id="{7B0EAE80-6D99-41EF-BFA3-84B486674D07}" type="datetimeFigureOut">
               <a:rPr lang="en-US" smtClean="0"/>
-              <a:t>9/9/2019</a:t>
+              <a:t>9/9/19</a:t>
             </a:fld>
             <a:endParaRPr lang="en-US"/>
           </a:p>
@@ -1152,7 +1152,7 @@
           <a:p>
             <a:fld id="{7B0EAE80-6D99-41EF-BFA3-84B486674D07}" type="datetimeFigureOut">
               <a:rPr lang="en-US" smtClean="0"/>
-              <a:t>9/9/2019</a:t>
+              <a:t>9/9/19</a:t>
             </a:fld>
             <a:endParaRPr lang="en-US"/>
           </a:p>
@@ -1417,7 +1417,7 @@
           <a:p>
             <a:fld id="{7B0EAE80-6D99-41EF-BFA3-84B486674D07}" type="datetimeFigureOut">
               <a:rPr lang="en-US" smtClean="0"/>
-              <a:t>9/9/2019</a:t>
+              <a:t>9/9/19</a:t>
             </a:fld>
             <a:endParaRPr lang="en-US"/>
           </a:p>
@@ -1829,7 +1829,7 @@
           <a:p>
             <a:fld id="{7B0EAE80-6D99-41EF-BFA3-84B486674D07}" type="datetimeFigureOut">
               <a:rPr lang="en-US" smtClean="0"/>
-              <a:t>9/9/2019</a:t>
+              <a:t>9/9/19</a:t>
             </a:fld>
             <a:endParaRPr lang="en-US"/>
           </a:p>
@@ -1970,7 +1970,7 @@
           <a:p>
             <a:fld id="{7B0EAE80-6D99-41EF-BFA3-84B486674D07}" type="datetimeFigureOut">
               <a:rPr lang="en-US" smtClean="0"/>
-              <a:t>9/9/2019</a:t>
+              <a:t>9/9/19</a:t>
             </a:fld>
             <a:endParaRPr lang="en-US"/>
           </a:p>
@@ -2083,7 +2083,7 @@
           <a:p>
             <a:fld id="{7B0EAE80-6D99-41EF-BFA3-84B486674D07}" type="datetimeFigureOut">
               <a:rPr lang="en-US" smtClean="0"/>
-              <a:t>9/9/2019</a:t>
+              <a:t>9/9/19</a:t>
             </a:fld>
             <a:endParaRPr lang="en-US"/>
           </a:p>
@@ -2394,7 +2394,7 @@
           <a:p>
             <a:fld id="{7B0EAE80-6D99-41EF-BFA3-84B486674D07}" type="datetimeFigureOut">
               <a:rPr lang="en-US" smtClean="0"/>
-              <a:t>9/9/2019</a:t>
+              <a:t>9/9/19</a:t>
             </a:fld>
             <a:endParaRPr lang="en-US"/>
           </a:p>
@@ -2682,7 +2682,7 @@
           <a:p>
             <a:fld id="{7B0EAE80-6D99-41EF-BFA3-84B486674D07}" type="datetimeFigureOut">
               <a:rPr lang="en-US" smtClean="0"/>
-              <a:t>9/9/2019</a:t>
+              <a:t>9/9/19</a:t>
             </a:fld>
             <a:endParaRPr lang="en-US"/>
           </a:p>
@@ -2923,7 +2923,7 @@
           <a:p>
             <a:fld id="{7B0EAE80-6D99-41EF-BFA3-84B486674D07}" type="datetimeFigureOut">
               <a:rPr lang="en-US" smtClean="0"/>
-              <a:t>9/9/2019</a:t>
+              <a:t>9/9/19</a:t>
             </a:fld>
             <a:endParaRPr lang="en-US"/>
           </a:p>
@@ -3644,7 +3644,7 @@
           <a:bodyPr/>
           <a:lstStyle/>
           <a:p>
-            <a:endParaRPr lang="en-US"/>
+            <a:endParaRPr lang="en-US" dirty="0"/>
           </a:p>
         </p:txBody>
       </p:sp>
@@ -3678,11 +3678,46 @@
         </p:blipFill>
         <p:spPr>
           <a:xfrm>
-            <a:off x="1744662" y="1825625"/>
-            <a:ext cx="8702676" cy="4351338"/>
+            <a:off x="618898" y="1262743"/>
+            <a:ext cx="9828440" cy="4914220"/>
           </a:xfrm>
         </p:spPr>
       </p:pic>
+      <p:sp>
+        <p:nvSpPr>
+          <p:cNvPr id="3" name="TextBox 2">
+            <a:extLst>
+              <a:ext uri="{FF2B5EF4-FFF2-40B4-BE49-F238E27FC236}">
+                <a16:creationId xmlns:a16="http://schemas.microsoft.com/office/drawing/2014/main" id="{E65EF7EF-7CEE-004E-B504-A80A7172BC80}"/>
+              </a:ext>
+            </a:extLst>
+          </p:cNvPr>
+          <p:cNvSpPr txBox="1"/>
+          <p:nvPr/>
+        </p:nvSpPr>
+        <p:spPr>
+          <a:xfrm>
+            <a:off x="2471057" y="1262743"/>
+            <a:ext cx="6477001" cy="369332"/>
+          </a:xfrm>
+          <a:prstGeom prst="rect">
+            <a:avLst/>
+          </a:prstGeom>
+          <a:noFill/>
+        </p:spPr>
+        <p:txBody>
+          <a:bodyPr wrap="square" rtlCol="0">
+            <a:spAutoFit/>
+          </a:bodyPr>
+          <a:lstStyle/>
+          <a:p>
+            <a:r>
+              <a:rPr lang="en-US" dirty="0"/>
+              <a:t>Prisoner Count per Capita in CO After The Legalization of Marijuana</a:t>
+            </a:r>
+          </a:p>
+        </p:txBody>
+      </p:sp>
     </p:spTree>
     <p:extLst>
       <p:ext uri="{BB962C8B-B14F-4D97-AF65-F5344CB8AC3E}">
@@ -3741,14 +3776,49 @@
         </p:blipFill>
         <p:spPr>
           <a:xfrm>
-            <a:off x="1524000" y="1143000"/>
-            <a:ext cx="9144000" cy="4572000"/>
+            <a:off x="544286" y="653143"/>
+            <a:ext cx="10123714" cy="5061857"/>
           </a:xfrm>
           <a:prstGeom prst="rect">
             <a:avLst/>
           </a:prstGeom>
         </p:spPr>
       </p:pic>
+      <p:sp>
+        <p:nvSpPr>
+          <p:cNvPr id="2" name="TextBox 1">
+            <a:extLst>
+              <a:ext uri="{FF2B5EF4-FFF2-40B4-BE49-F238E27FC236}">
+                <a16:creationId xmlns:a16="http://schemas.microsoft.com/office/drawing/2014/main" id="{5E643E94-C297-4D4C-AE57-BEEB1AEDA715}"/>
+              </a:ext>
+            </a:extLst>
+          </p:cNvPr>
+          <p:cNvSpPr txBox="1"/>
+          <p:nvPr/>
+        </p:nvSpPr>
+        <p:spPr>
+          <a:xfrm>
+            <a:off x="2329543" y="773668"/>
+            <a:ext cx="7293428" cy="369332"/>
+          </a:xfrm>
+          <a:prstGeom prst="rect">
+            <a:avLst/>
+          </a:prstGeom>
+          <a:noFill/>
+        </p:spPr>
+        <p:txBody>
+          <a:bodyPr wrap="square" rtlCol="0">
+            <a:spAutoFit/>
+          </a:bodyPr>
+          <a:lstStyle/>
+          <a:p>
+            <a:r>
+              <a:rPr lang="en-US" dirty="0"/>
+              <a:t>Comparison of Prisoner Per Capita Between TX and CO </a:t>
+            </a:r>
+          </a:p>
+        </p:txBody>
+      </p:sp>
     </p:spTree>
     <p:extLst>
       <p:ext uri="{BB962C8B-B14F-4D97-AF65-F5344CB8AC3E}">
@@ -3904,13 +3974,10 @@
             <a:pPr marL="514350" indent="-514350">
               <a:buAutoNum type="arabicPeriod"/>
             </a:pPr>
-            <a:endParaRPr lang="en-US" dirty="0"/>
-          </a:p>
-          <a:p>
-            <a:pPr marL="514350" indent="-514350">
-              <a:buAutoNum type="arabicPeriod"/>
-            </a:pPr>
-            <a:endParaRPr lang="en-US" dirty="0"/>
+            <a:r>
+              <a:rPr lang="en-US" dirty="0"/>
+              <a:t>There’s no significant increase in the incarceration rate after the legalization of Marijuana. </a:t>
+            </a:r>
           </a:p>
           <a:p>
             <a:pPr marL="514350" indent="-514350">
